--- a/AppSheet.pptx
+++ b/AppSheet.pptx
@@ -5,7 +5,7 @@
     <p:sldMasterId id="2147483743" r:id="rId1"/>
   </p:sldMasterIdLst>
   <p:notesMasterIdLst>
-    <p:notesMasterId r:id="rId10"/>
+    <p:notesMasterId r:id="rId11"/>
   </p:notesMasterIdLst>
   <p:sldIdLst>
     <p:sldId id="256" r:id="rId2"/>
@@ -16,6 +16,7 @@
     <p:sldId id="262" r:id="rId7"/>
     <p:sldId id="265" r:id="rId8"/>
     <p:sldId id="264" r:id="rId9"/>
+    <p:sldId id="266" r:id="rId10"/>
   </p:sldIdLst>
   <p:sldSz cx="12192000" cy="6858000"/>
   <p:notesSz cx="6858000" cy="9144000"/>
@@ -114,7 +115,3965 @@
       </a:defRPr>
     </a:lvl9pPr>
   </p:defaultTextStyle>
+  <p:extLst>
+    <p:ext uri="{EFAFB233-063F-42B5-8137-9DF3F51BA10A}">
+      <p15:sldGuideLst xmlns:p15="http://schemas.microsoft.com/office/powerpoint/2012/main"/>
+    </p:ext>
+  </p:extLst>
 </p:presentation>
+</file>
+
+<file path=ppt/diagrams/colors1.xml><?xml version="1.0" encoding="utf-8"?>
+<dgm:colorsDef xmlns:dgm="http://schemas.openxmlformats.org/drawingml/2006/diagram" xmlns:a="http://schemas.openxmlformats.org/drawingml/2006/main" uniqueId="urn:microsoft.com/office/officeart/2005/8/colors/accent1_2">
+  <dgm:title val=""/>
+  <dgm:desc val=""/>
+  <dgm:catLst>
+    <dgm:cat type="accent1" pri="11200"/>
+  </dgm:catLst>
+  <dgm:styleLbl name="node0">
+    <dgm:fillClrLst meth="repeat">
+      <a:schemeClr val="accent1"/>
+    </dgm:fillClrLst>
+    <dgm:linClrLst meth="repeat">
+      <a:schemeClr val="lt1"/>
+    </dgm:linClrLst>
+    <dgm:effectClrLst/>
+    <dgm:txLinClrLst/>
+    <dgm:txFillClrLst/>
+    <dgm:txEffectClrLst/>
+  </dgm:styleLbl>
+  <dgm:styleLbl name="alignNode1">
+    <dgm:fillClrLst meth="repeat">
+      <a:schemeClr val="accent1"/>
+    </dgm:fillClrLst>
+    <dgm:linClrLst meth="repeat">
+      <a:schemeClr val="accent1"/>
+    </dgm:linClrLst>
+    <dgm:effectClrLst/>
+    <dgm:txLinClrLst/>
+    <dgm:txFillClrLst/>
+    <dgm:txEffectClrLst/>
+  </dgm:styleLbl>
+  <dgm:styleLbl name="node1">
+    <dgm:fillClrLst meth="repeat">
+      <a:schemeClr val="accent1"/>
+    </dgm:fillClrLst>
+    <dgm:linClrLst meth="repeat">
+      <a:schemeClr val="lt1"/>
+    </dgm:linClrLst>
+    <dgm:effectClrLst/>
+    <dgm:txLinClrLst/>
+    <dgm:txFillClrLst/>
+    <dgm:txEffectClrLst/>
+  </dgm:styleLbl>
+  <dgm:styleLbl name="lnNode1">
+    <dgm:fillClrLst meth="repeat">
+      <a:schemeClr val="accent1"/>
+    </dgm:fillClrLst>
+    <dgm:linClrLst meth="repeat">
+      <a:schemeClr val="lt1"/>
+    </dgm:linClrLst>
+    <dgm:effectClrLst/>
+    <dgm:txLinClrLst/>
+    <dgm:txFillClrLst/>
+    <dgm:txEffectClrLst/>
+  </dgm:styleLbl>
+  <dgm:styleLbl name="vennNode1">
+    <dgm:fillClrLst meth="repeat">
+      <a:schemeClr val="accent1">
+        <a:alpha val="50000"/>
+      </a:schemeClr>
+    </dgm:fillClrLst>
+    <dgm:linClrLst meth="repeat">
+      <a:schemeClr val="lt1"/>
+    </dgm:linClrLst>
+    <dgm:effectClrLst/>
+    <dgm:txLinClrLst/>
+    <dgm:txFillClrLst/>
+    <dgm:txEffectClrLst/>
+  </dgm:styleLbl>
+  <dgm:styleLbl name="node2">
+    <dgm:fillClrLst meth="repeat">
+      <a:schemeClr val="accent1"/>
+    </dgm:fillClrLst>
+    <dgm:linClrLst meth="repeat">
+      <a:schemeClr val="lt1"/>
+    </dgm:linClrLst>
+    <dgm:effectClrLst/>
+    <dgm:txLinClrLst/>
+    <dgm:txFillClrLst/>
+    <dgm:txEffectClrLst/>
+  </dgm:styleLbl>
+  <dgm:styleLbl name="node3">
+    <dgm:fillClrLst meth="repeat">
+      <a:schemeClr val="accent1"/>
+    </dgm:fillClrLst>
+    <dgm:linClrLst meth="repeat">
+      <a:schemeClr val="lt1"/>
+    </dgm:linClrLst>
+    <dgm:effectClrLst/>
+    <dgm:txLinClrLst/>
+    <dgm:txFillClrLst/>
+    <dgm:txEffectClrLst/>
+  </dgm:styleLbl>
+  <dgm:styleLbl name="node4">
+    <dgm:fillClrLst meth="repeat">
+      <a:schemeClr val="accent1"/>
+    </dgm:fillClrLst>
+    <dgm:linClrLst meth="repeat">
+      <a:schemeClr val="lt1"/>
+    </dgm:linClrLst>
+    <dgm:effectClrLst/>
+    <dgm:txLinClrLst/>
+    <dgm:txFillClrLst/>
+    <dgm:txEffectClrLst/>
+  </dgm:styleLbl>
+  <dgm:styleLbl name="fgImgPlace1">
+    <dgm:fillClrLst meth="repeat">
+      <a:schemeClr val="accent1">
+        <a:tint val="50000"/>
+      </a:schemeClr>
+    </dgm:fillClrLst>
+    <dgm:linClrLst meth="repeat">
+      <a:schemeClr val="lt1"/>
+    </dgm:linClrLst>
+    <dgm:effectClrLst/>
+    <dgm:txLinClrLst/>
+    <dgm:txFillClrLst meth="repeat">
+      <a:schemeClr val="lt1"/>
+    </dgm:txFillClrLst>
+    <dgm:txEffectClrLst/>
+  </dgm:styleLbl>
+  <dgm:styleLbl name="alignImgPlace1">
+    <dgm:fillClrLst meth="repeat">
+      <a:schemeClr val="accent1">
+        <a:tint val="50000"/>
+      </a:schemeClr>
+    </dgm:fillClrLst>
+    <dgm:linClrLst meth="repeat">
+      <a:schemeClr val="lt1"/>
+    </dgm:linClrLst>
+    <dgm:effectClrLst/>
+    <dgm:txLinClrLst/>
+    <dgm:txFillClrLst meth="repeat">
+      <a:schemeClr val="lt1"/>
+    </dgm:txFillClrLst>
+    <dgm:txEffectClrLst/>
+  </dgm:styleLbl>
+  <dgm:styleLbl name="bgImgPlace1">
+    <dgm:fillClrLst meth="repeat">
+      <a:schemeClr val="accent1">
+        <a:tint val="50000"/>
+      </a:schemeClr>
+    </dgm:fillClrLst>
+    <dgm:linClrLst meth="repeat">
+      <a:schemeClr val="lt1"/>
+    </dgm:linClrLst>
+    <dgm:effectClrLst/>
+    <dgm:txLinClrLst/>
+    <dgm:txFillClrLst meth="repeat">
+      <a:schemeClr val="lt1"/>
+    </dgm:txFillClrLst>
+    <dgm:txEffectClrLst/>
+  </dgm:styleLbl>
+  <dgm:styleLbl name="sibTrans2D1">
+    <dgm:fillClrLst meth="repeat">
+      <a:schemeClr val="accent1">
+        <a:tint val="60000"/>
+      </a:schemeClr>
+    </dgm:fillClrLst>
+    <dgm:linClrLst meth="repeat">
+      <a:schemeClr val="accent1">
+        <a:tint val="60000"/>
+      </a:schemeClr>
+    </dgm:linClrLst>
+    <dgm:effectClrLst/>
+    <dgm:txLinClrLst/>
+    <dgm:txFillClrLst/>
+    <dgm:txEffectClrLst/>
+  </dgm:styleLbl>
+  <dgm:styleLbl name="fgSibTrans2D1">
+    <dgm:fillClrLst meth="repeat">
+      <a:schemeClr val="accent1">
+        <a:tint val="60000"/>
+      </a:schemeClr>
+    </dgm:fillClrLst>
+    <dgm:linClrLst meth="repeat">
+      <a:schemeClr val="accent1">
+        <a:tint val="60000"/>
+      </a:schemeClr>
+    </dgm:linClrLst>
+    <dgm:effectClrLst/>
+    <dgm:txLinClrLst/>
+    <dgm:txFillClrLst/>
+    <dgm:txEffectClrLst/>
+  </dgm:styleLbl>
+  <dgm:styleLbl name="bgSibTrans2D1">
+    <dgm:fillClrLst meth="repeat">
+      <a:schemeClr val="accent1">
+        <a:tint val="60000"/>
+      </a:schemeClr>
+    </dgm:fillClrLst>
+    <dgm:linClrLst meth="repeat">
+      <a:schemeClr val="accent1">
+        <a:tint val="60000"/>
+      </a:schemeClr>
+    </dgm:linClrLst>
+    <dgm:effectClrLst/>
+    <dgm:txLinClrLst/>
+    <dgm:txFillClrLst/>
+    <dgm:txEffectClrLst/>
+  </dgm:styleLbl>
+  <dgm:styleLbl name="sibTrans1D1">
+    <dgm:fillClrLst meth="repeat">
+      <a:schemeClr val="accent1"/>
+    </dgm:fillClrLst>
+    <dgm:linClrLst meth="repeat">
+      <a:schemeClr val="accent1"/>
+    </dgm:linClrLst>
+    <dgm:effectClrLst/>
+    <dgm:txLinClrLst/>
+    <dgm:txFillClrLst meth="repeat">
+      <a:schemeClr val="tx1"/>
+    </dgm:txFillClrLst>
+    <dgm:txEffectClrLst/>
+  </dgm:styleLbl>
+  <dgm:styleLbl name="callout">
+    <dgm:fillClrLst meth="repeat">
+      <a:schemeClr val="accent1"/>
+    </dgm:fillClrLst>
+    <dgm:linClrLst meth="repeat">
+      <a:schemeClr val="accent1">
+        <a:tint val="50000"/>
+      </a:schemeClr>
+    </dgm:linClrLst>
+    <dgm:effectClrLst/>
+    <dgm:txLinClrLst/>
+    <dgm:txFillClrLst meth="repeat">
+      <a:schemeClr val="tx1"/>
+    </dgm:txFillClrLst>
+    <dgm:txEffectClrLst/>
+  </dgm:styleLbl>
+  <dgm:styleLbl name="asst0">
+    <dgm:fillClrLst meth="repeat">
+      <a:schemeClr val="accent1"/>
+    </dgm:fillClrLst>
+    <dgm:linClrLst meth="repeat">
+      <a:schemeClr val="lt1"/>
+    </dgm:linClrLst>
+    <dgm:effectClrLst/>
+    <dgm:txLinClrLst/>
+    <dgm:txFillClrLst/>
+    <dgm:txEffectClrLst/>
+  </dgm:styleLbl>
+  <dgm:styleLbl name="asst1">
+    <dgm:fillClrLst meth="repeat">
+      <a:schemeClr val="accent1"/>
+    </dgm:fillClrLst>
+    <dgm:linClrLst meth="repeat">
+      <a:schemeClr val="lt1"/>
+    </dgm:linClrLst>
+    <dgm:effectClrLst/>
+    <dgm:txLinClrLst/>
+    <dgm:txFillClrLst/>
+    <dgm:txEffectClrLst/>
+  </dgm:styleLbl>
+  <dgm:styleLbl name="asst2">
+    <dgm:fillClrLst meth="repeat">
+      <a:schemeClr val="accent1"/>
+    </dgm:fillClrLst>
+    <dgm:linClrLst meth="repeat">
+      <a:schemeClr val="lt1"/>
+    </dgm:linClrLst>
+    <dgm:effectClrLst/>
+    <dgm:txLinClrLst/>
+    <dgm:txFillClrLst/>
+    <dgm:txEffectClrLst/>
+  </dgm:styleLbl>
+  <dgm:styleLbl name="asst3">
+    <dgm:fillClrLst meth="repeat">
+      <a:schemeClr val="accent1"/>
+    </dgm:fillClrLst>
+    <dgm:linClrLst meth="repeat">
+      <a:schemeClr val="lt1"/>
+    </dgm:linClrLst>
+    <dgm:effectClrLst/>
+    <dgm:txLinClrLst/>
+    <dgm:txFillClrLst/>
+    <dgm:txEffectClrLst/>
+  </dgm:styleLbl>
+  <dgm:styleLbl name="asst4">
+    <dgm:fillClrLst meth="repeat">
+      <a:schemeClr val="accent1"/>
+    </dgm:fillClrLst>
+    <dgm:linClrLst meth="repeat">
+      <a:schemeClr val="lt1"/>
+    </dgm:linClrLst>
+    <dgm:effectClrLst/>
+    <dgm:txLinClrLst/>
+    <dgm:txFillClrLst/>
+    <dgm:txEffectClrLst/>
+  </dgm:styleLbl>
+  <dgm:styleLbl name="parChTrans2D1">
+    <dgm:fillClrLst meth="repeat">
+      <a:schemeClr val="accent1">
+        <a:tint val="60000"/>
+      </a:schemeClr>
+    </dgm:fillClrLst>
+    <dgm:linClrLst meth="repeat">
+      <a:schemeClr val="accent1">
+        <a:tint val="60000"/>
+      </a:schemeClr>
+    </dgm:linClrLst>
+    <dgm:effectClrLst/>
+    <dgm:txLinClrLst/>
+    <dgm:txFillClrLst meth="repeat">
+      <a:schemeClr val="lt1"/>
+    </dgm:txFillClrLst>
+    <dgm:txEffectClrLst/>
+  </dgm:styleLbl>
+  <dgm:styleLbl name="parChTrans2D2">
+    <dgm:fillClrLst meth="repeat">
+      <a:schemeClr val="accent1"/>
+    </dgm:fillClrLst>
+    <dgm:linClrLst meth="repeat">
+      <a:schemeClr val="accent1"/>
+    </dgm:linClrLst>
+    <dgm:effectClrLst/>
+    <dgm:txLinClrLst/>
+    <dgm:txFillClrLst meth="repeat">
+      <a:schemeClr val="lt1"/>
+    </dgm:txFillClrLst>
+    <dgm:txEffectClrLst/>
+  </dgm:styleLbl>
+  <dgm:styleLbl name="parChTrans2D3">
+    <dgm:fillClrLst meth="repeat">
+      <a:schemeClr val="accent1"/>
+    </dgm:fillClrLst>
+    <dgm:linClrLst meth="repeat">
+      <a:schemeClr val="accent1"/>
+    </dgm:linClrLst>
+    <dgm:effectClrLst/>
+    <dgm:txLinClrLst/>
+    <dgm:txFillClrLst meth="repeat">
+      <a:schemeClr val="lt1"/>
+    </dgm:txFillClrLst>
+    <dgm:txEffectClrLst/>
+  </dgm:styleLbl>
+  <dgm:styleLbl name="parChTrans2D4">
+    <dgm:fillClrLst meth="repeat">
+      <a:schemeClr val="accent1"/>
+    </dgm:fillClrLst>
+    <dgm:linClrLst meth="repeat">
+      <a:schemeClr val="accent1"/>
+    </dgm:linClrLst>
+    <dgm:effectClrLst/>
+    <dgm:txLinClrLst/>
+    <dgm:txFillClrLst meth="repeat">
+      <a:schemeClr val="lt1"/>
+    </dgm:txFillClrLst>
+    <dgm:txEffectClrLst/>
+  </dgm:styleLbl>
+  <dgm:styleLbl name="parChTrans1D1">
+    <dgm:fillClrLst meth="repeat">
+      <a:schemeClr val="accent1"/>
+    </dgm:fillClrLst>
+    <dgm:linClrLst meth="repeat">
+      <a:schemeClr val="accent1">
+        <a:shade val="60000"/>
+      </a:schemeClr>
+    </dgm:linClrLst>
+    <dgm:effectClrLst/>
+    <dgm:txLinClrLst/>
+    <dgm:txFillClrLst meth="repeat">
+      <a:schemeClr val="tx1"/>
+    </dgm:txFillClrLst>
+    <dgm:txEffectClrLst/>
+  </dgm:styleLbl>
+  <dgm:styleLbl name="parChTrans1D2">
+    <dgm:fillClrLst meth="repeat">
+      <a:schemeClr val="accent1"/>
+    </dgm:fillClrLst>
+    <dgm:linClrLst meth="repeat">
+      <a:schemeClr val="accent1">
+        <a:shade val="60000"/>
+      </a:schemeClr>
+    </dgm:linClrLst>
+    <dgm:effectClrLst/>
+    <dgm:txLinClrLst/>
+    <dgm:txFillClrLst meth="repeat">
+      <a:schemeClr val="tx1"/>
+    </dgm:txFillClrLst>
+    <dgm:txEffectClrLst/>
+  </dgm:styleLbl>
+  <dgm:styleLbl name="parChTrans1D3">
+    <dgm:fillClrLst meth="repeat">
+      <a:schemeClr val="accent1"/>
+    </dgm:fillClrLst>
+    <dgm:linClrLst meth="repeat">
+      <a:schemeClr val="accent1">
+        <a:shade val="80000"/>
+      </a:schemeClr>
+    </dgm:linClrLst>
+    <dgm:effectClrLst/>
+    <dgm:txLinClrLst/>
+    <dgm:txFillClrLst meth="repeat">
+      <a:schemeClr val="tx1"/>
+    </dgm:txFillClrLst>
+    <dgm:txEffectClrLst/>
+  </dgm:styleLbl>
+  <dgm:styleLbl name="parChTrans1D4">
+    <dgm:fillClrLst meth="repeat">
+      <a:schemeClr val="accent1"/>
+    </dgm:fillClrLst>
+    <dgm:linClrLst meth="repeat">
+      <a:schemeClr val="accent1">
+        <a:shade val="80000"/>
+      </a:schemeClr>
+    </dgm:linClrLst>
+    <dgm:effectClrLst/>
+    <dgm:txLinClrLst/>
+    <dgm:txFillClrLst meth="repeat">
+      <a:schemeClr val="tx1"/>
+    </dgm:txFillClrLst>
+    <dgm:txEffectClrLst/>
+  </dgm:styleLbl>
+  <dgm:styleLbl name="fgAcc1">
+    <dgm:fillClrLst meth="repeat">
+      <a:schemeClr val="lt1">
+        <a:alpha val="90000"/>
+      </a:schemeClr>
+    </dgm:fillClrLst>
+    <dgm:linClrLst meth="repeat">
+      <a:schemeClr val="accent1"/>
+    </dgm:linClrLst>
+    <dgm:effectClrLst/>
+    <dgm:txLinClrLst/>
+    <dgm:txFillClrLst meth="repeat">
+      <a:schemeClr val="dk1"/>
+    </dgm:txFillClrLst>
+    <dgm:txEffectClrLst/>
+  </dgm:styleLbl>
+  <dgm:styleLbl name="conFgAcc1">
+    <dgm:fillClrLst meth="repeat">
+      <a:schemeClr val="lt1">
+        <a:alpha val="90000"/>
+      </a:schemeClr>
+    </dgm:fillClrLst>
+    <dgm:linClrLst meth="repeat">
+      <a:schemeClr val="accent1"/>
+    </dgm:linClrLst>
+    <dgm:effectClrLst/>
+    <dgm:txLinClrLst/>
+    <dgm:txFillClrLst meth="repeat">
+      <a:schemeClr val="dk1"/>
+    </dgm:txFillClrLst>
+    <dgm:txEffectClrLst/>
+  </dgm:styleLbl>
+  <dgm:styleLbl name="alignAcc1">
+    <dgm:fillClrLst meth="repeat">
+      <a:schemeClr val="lt1">
+        <a:alpha val="90000"/>
+      </a:schemeClr>
+    </dgm:fillClrLst>
+    <dgm:linClrLst meth="repeat">
+      <a:schemeClr val="accent1"/>
+    </dgm:linClrLst>
+    <dgm:effectClrLst/>
+    <dgm:txLinClrLst/>
+    <dgm:txFillClrLst meth="repeat">
+      <a:schemeClr val="dk1"/>
+    </dgm:txFillClrLst>
+    <dgm:txEffectClrLst/>
+  </dgm:styleLbl>
+  <dgm:styleLbl name="trAlignAcc1">
+    <dgm:fillClrLst meth="repeat">
+      <a:schemeClr val="lt1">
+        <a:alpha val="40000"/>
+      </a:schemeClr>
+    </dgm:fillClrLst>
+    <dgm:linClrLst meth="repeat">
+      <a:schemeClr val="accent1"/>
+    </dgm:linClrLst>
+    <dgm:effectClrLst/>
+    <dgm:txLinClrLst/>
+    <dgm:txFillClrLst meth="repeat">
+      <a:schemeClr val="dk1"/>
+    </dgm:txFillClrLst>
+    <dgm:txEffectClrLst/>
+  </dgm:styleLbl>
+  <dgm:styleLbl name="bgAcc1">
+    <dgm:fillClrLst meth="repeat">
+      <a:schemeClr val="lt1">
+        <a:alpha val="90000"/>
+      </a:schemeClr>
+    </dgm:fillClrLst>
+    <dgm:linClrLst meth="repeat">
+      <a:schemeClr val="accent1"/>
+    </dgm:linClrLst>
+    <dgm:effectClrLst/>
+    <dgm:txLinClrLst/>
+    <dgm:txFillClrLst meth="repeat">
+      <a:schemeClr val="dk1"/>
+    </dgm:txFillClrLst>
+    <dgm:txEffectClrLst/>
+  </dgm:styleLbl>
+  <dgm:styleLbl name="solidFgAcc1">
+    <dgm:fillClrLst meth="repeat">
+      <a:schemeClr val="lt1"/>
+    </dgm:fillClrLst>
+    <dgm:linClrLst meth="repeat">
+      <a:schemeClr val="accent1"/>
+    </dgm:linClrLst>
+    <dgm:effectClrLst/>
+    <dgm:txLinClrLst/>
+    <dgm:txFillClrLst meth="repeat">
+      <a:schemeClr val="dk1"/>
+    </dgm:txFillClrLst>
+    <dgm:txEffectClrLst/>
+  </dgm:styleLbl>
+  <dgm:styleLbl name="solidAlignAcc1">
+    <dgm:fillClrLst meth="repeat">
+      <a:schemeClr val="lt1"/>
+    </dgm:fillClrLst>
+    <dgm:linClrLst meth="repeat">
+      <a:schemeClr val="accent1"/>
+    </dgm:linClrLst>
+    <dgm:effectClrLst/>
+    <dgm:txLinClrLst/>
+    <dgm:txFillClrLst meth="repeat">
+      <a:schemeClr val="dk1"/>
+    </dgm:txFillClrLst>
+    <dgm:txEffectClrLst/>
+  </dgm:styleLbl>
+  <dgm:styleLbl name="solidBgAcc1">
+    <dgm:fillClrLst meth="repeat">
+      <a:schemeClr val="lt1"/>
+    </dgm:fillClrLst>
+    <dgm:linClrLst meth="repeat">
+      <a:schemeClr val="accent1"/>
+    </dgm:linClrLst>
+    <dgm:effectClrLst/>
+    <dgm:txLinClrLst/>
+    <dgm:txFillClrLst meth="repeat">
+      <a:schemeClr val="dk1"/>
+    </dgm:txFillClrLst>
+    <dgm:txEffectClrLst/>
+  </dgm:styleLbl>
+  <dgm:styleLbl name="fgAccFollowNode1">
+    <dgm:fillClrLst meth="repeat">
+      <a:schemeClr val="accent1">
+        <a:alpha val="90000"/>
+        <a:tint val="40000"/>
+      </a:schemeClr>
+    </dgm:fillClrLst>
+    <dgm:linClrLst meth="repeat">
+      <a:schemeClr val="accent1">
+        <a:alpha val="90000"/>
+        <a:tint val="40000"/>
+      </a:schemeClr>
+    </dgm:linClrLst>
+    <dgm:effectClrLst/>
+    <dgm:txLinClrLst/>
+    <dgm:txFillClrLst meth="repeat">
+      <a:schemeClr val="dk1"/>
+    </dgm:txFillClrLst>
+    <dgm:txEffectClrLst/>
+  </dgm:styleLbl>
+  <dgm:styleLbl name="alignAccFollowNode1">
+    <dgm:fillClrLst meth="repeat">
+      <a:schemeClr val="accent1">
+        <a:alpha val="90000"/>
+        <a:tint val="40000"/>
+      </a:schemeClr>
+    </dgm:fillClrLst>
+    <dgm:linClrLst meth="repeat">
+      <a:schemeClr val="accent1">
+        <a:alpha val="90000"/>
+        <a:tint val="40000"/>
+      </a:schemeClr>
+    </dgm:linClrLst>
+    <dgm:effectClrLst/>
+    <dgm:txLinClrLst/>
+    <dgm:txFillClrLst meth="repeat">
+      <a:schemeClr val="dk1"/>
+    </dgm:txFillClrLst>
+    <dgm:txEffectClrLst/>
+  </dgm:styleLbl>
+  <dgm:styleLbl name="bgAccFollowNode1">
+    <dgm:fillClrLst meth="repeat">
+      <a:schemeClr val="accent1">
+        <a:alpha val="90000"/>
+        <a:tint val="40000"/>
+      </a:schemeClr>
+    </dgm:fillClrLst>
+    <dgm:linClrLst meth="repeat">
+      <a:schemeClr val="accent1">
+        <a:alpha val="90000"/>
+        <a:tint val="40000"/>
+      </a:schemeClr>
+    </dgm:linClrLst>
+    <dgm:effectClrLst/>
+    <dgm:txLinClrLst/>
+    <dgm:txFillClrLst meth="repeat">
+      <a:schemeClr val="dk1"/>
+    </dgm:txFillClrLst>
+    <dgm:txEffectClrLst/>
+  </dgm:styleLbl>
+  <dgm:styleLbl name="fgAcc0">
+    <dgm:fillClrLst meth="repeat">
+      <a:schemeClr val="lt1">
+        <a:alpha val="90000"/>
+      </a:schemeClr>
+    </dgm:fillClrLst>
+    <dgm:linClrLst meth="repeat">
+      <a:schemeClr val="accent1"/>
+    </dgm:linClrLst>
+    <dgm:effectClrLst/>
+    <dgm:txLinClrLst/>
+    <dgm:txFillClrLst meth="repeat">
+      <a:schemeClr val="dk1"/>
+    </dgm:txFillClrLst>
+    <dgm:txEffectClrLst/>
+  </dgm:styleLbl>
+  <dgm:styleLbl name="fgAcc2">
+    <dgm:fillClrLst meth="repeat">
+      <a:schemeClr val="lt1">
+        <a:alpha val="90000"/>
+      </a:schemeClr>
+    </dgm:fillClrLst>
+    <dgm:linClrLst meth="repeat">
+      <a:schemeClr val="accent1"/>
+    </dgm:linClrLst>
+    <dgm:effectClrLst/>
+    <dgm:txLinClrLst/>
+    <dgm:txFillClrLst meth="repeat">
+      <a:schemeClr val="dk1"/>
+    </dgm:txFillClrLst>
+    <dgm:txEffectClrLst/>
+  </dgm:styleLbl>
+  <dgm:styleLbl name="fgAcc3">
+    <dgm:fillClrLst meth="repeat">
+      <a:schemeClr val="lt1">
+        <a:alpha val="90000"/>
+      </a:schemeClr>
+    </dgm:fillClrLst>
+    <dgm:linClrLst meth="repeat">
+      <a:schemeClr val="accent1"/>
+    </dgm:linClrLst>
+    <dgm:effectClrLst/>
+    <dgm:txLinClrLst/>
+    <dgm:txFillClrLst meth="repeat">
+      <a:schemeClr val="dk1"/>
+    </dgm:txFillClrLst>
+    <dgm:txEffectClrLst/>
+  </dgm:styleLbl>
+  <dgm:styleLbl name="fgAcc4">
+    <dgm:fillClrLst meth="repeat">
+      <a:schemeClr val="lt1">
+        <a:alpha val="90000"/>
+      </a:schemeClr>
+    </dgm:fillClrLst>
+    <dgm:linClrLst meth="repeat">
+      <a:schemeClr val="accent1"/>
+    </dgm:linClrLst>
+    <dgm:effectClrLst/>
+    <dgm:txLinClrLst/>
+    <dgm:txFillClrLst meth="repeat">
+      <a:schemeClr val="dk1"/>
+    </dgm:txFillClrLst>
+    <dgm:txEffectClrLst/>
+  </dgm:styleLbl>
+  <dgm:styleLbl name="bgShp">
+    <dgm:fillClrLst meth="repeat">
+      <a:schemeClr val="accent1">
+        <a:tint val="40000"/>
+      </a:schemeClr>
+    </dgm:fillClrLst>
+    <dgm:linClrLst meth="repeat">
+      <a:schemeClr val="accent1"/>
+    </dgm:linClrLst>
+    <dgm:effectClrLst/>
+    <dgm:txLinClrLst/>
+    <dgm:txFillClrLst meth="repeat">
+      <a:schemeClr val="dk1"/>
+    </dgm:txFillClrLst>
+    <dgm:txEffectClrLst/>
+  </dgm:styleLbl>
+  <dgm:styleLbl name="dkBgShp">
+    <dgm:fillClrLst meth="repeat">
+      <a:schemeClr val="accent1">
+        <a:shade val="80000"/>
+      </a:schemeClr>
+    </dgm:fillClrLst>
+    <dgm:linClrLst meth="repeat">
+      <a:schemeClr val="accent1"/>
+    </dgm:linClrLst>
+    <dgm:effectClrLst/>
+    <dgm:txLinClrLst/>
+    <dgm:txFillClrLst meth="repeat">
+      <a:schemeClr val="lt1"/>
+    </dgm:txFillClrLst>
+    <dgm:txEffectClrLst/>
+  </dgm:styleLbl>
+  <dgm:styleLbl name="trBgShp">
+    <dgm:fillClrLst meth="repeat">
+      <a:schemeClr val="accent1">
+        <a:tint val="50000"/>
+        <a:alpha val="40000"/>
+      </a:schemeClr>
+    </dgm:fillClrLst>
+    <dgm:linClrLst meth="repeat">
+      <a:schemeClr val="accent1"/>
+    </dgm:linClrLst>
+    <dgm:effectClrLst/>
+    <dgm:txLinClrLst/>
+    <dgm:txFillClrLst meth="repeat">
+      <a:schemeClr val="lt1"/>
+    </dgm:txFillClrLst>
+    <dgm:txEffectClrLst/>
+  </dgm:styleLbl>
+  <dgm:styleLbl name="fgShp">
+    <dgm:fillClrLst meth="repeat">
+      <a:schemeClr val="accent1">
+        <a:tint val="60000"/>
+      </a:schemeClr>
+    </dgm:fillClrLst>
+    <dgm:linClrLst meth="repeat">
+      <a:schemeClr val="lt1"/>
+    </dgm:linClrLst>
+    <dgm:effectClrLst/>
+    <dgm:txLinClrLst/>
+    <dgm:txFillClrLst meth="repeat">
+      <a:schemeClr val="dk1"/>
+    </dgm:txFillClrLst>
+    <dgm:txEffectClrLst/>
+  </dgm:styleLbl>
+  <dgm:styleLbl name="revTx">
+    <dgm:fillClrLst meth="repeat">
+      <a:schemeClr val="lt1">
+        <a:alpha val="0"/>
+      </a:schemeClr>
+    </dgm:fillClrLst>
+    <dgm:linClrLst meth="repeat">
+      <a:schemeClr val="dk1">
+        <a:alpha val="0"/>
+      </a:schemeClr>
+    </dgm:linClrLst>
+    <dgm:effectClrLst/>
+    <dgm:txLinClrLst/>
+    <dgm:txFillClrLst meth="repeat">
+      <a:schemeClr val="tx1"/>
+    </dgm:txFillClrLst>
+    <dgm:txEffectClrLst/>
+  </dgm:styleLbl>
+</dgm:colorsDef>
+</file>
+
+<file path=ppt/diagrams/data1.xml><?xml version="1.0" encoding="utf-8"?>
+<dgm:dataModel xmlns:dgm="http://schemas.openxmlformats.org/drawingml/2006/diagram" xmlns:a="http://schemas.openxmlformats.org/drawingml/2006/main">
+  <dgm:ptLst>
+    <dgm:pt modelId="{BA065C18-12F6-45F1-9C18-81ABAF006D5F}" type="doc">
+      <dgm:prSet loTypeId="urn:microsoft.com/office/officeart/2005/8/layout/chevron2" loCatId="process" qsTypeId="urn:microsoft.com/office/officeart/2005/8/quickstyle/simple1" qsCatId="simple" csTypeId="urn:microsoft.com/office/officeart/2005/8/colors/accent1_2" csCatId="accent1" phldr="1"/>
+      <dgm:spPr/>
+      <dgm:t>
+        <a:bodyPr/>
+        <a:lstStyle/>
+        <a:p>
+          <a:endParaRPr lang="es-ES"/>
+        </a:p>
+      </dgm:t>
+    </dgm:pt>
+    <dgm:pt modelId="{AFA21073-CADB-4168-B8FF-3B92533CDF2A}">
+      <dgm:prSet custT="1"/>
+      <dgm:spPr/>
+      <dgm:t>
+        <a:bodyPr/>
+        <a:lstStyle/>
+        <a:p>
+          <a:r>
+            <a:rPr lang="es-CO" sz="2000" dirty="0"/>
+            <a:t>1</a:t>
+          </a:r>
+          <a:endParaRPr lang="es-ES" sz="2000" dirty="0"/>
+        </a:p>
+      </dgm:t>
+    </dgm:pt>
+    <dgm:pt modelId="{23436961-6DFF-469C-A16B-4A764EB6EC37}" type="parTrans" cxnId="{DCB61956-5F08-43B7-8CEE-CF016A3B11DF}">
+      <dgm:prSet/>
+      <dgm:spPr/>
+      <dgm:t>
+        <a:bodyPr/>
+        <a:lstStyle/>
+        <a:p>
+          <a:endParaRPr lang="es-ES" sz="2000"/>
+        </a:p>
+      </dgm:t>
+    </dgm:pt>
+    <dgm:pt modelId="{E31816DE-C1D7-43ED-A279-B96DD3A5C5D1}" type="sibTrans" cxnId="{DCB61956-5F08-43B7-8CEE-CF016A3B11DF}">
+      <dgm:prSet/>
+      <dgm:spPr/>
+      <dgm:t>
+        <a:bodyPr/>
+        <a:lstStyle/>
+        <a:p>
+          <a:endParaRPr lang="es-ES" sz="2000"/>
+        </a:p>
+      </dgm:t>
+    </dgm:pt>
+    <dgm:pt modelId="{B6E58EDA-B598-4425-9F64-FB48B4085C77}">
+      <dgm:prSet custT="1"/>
+      <dgm:spPr/>
+      <dgm:t>
+        <a:bodyPr/>
+        <a:lstStyle/>
+        <a:p>
+          <a:r>
+            <a:rPr lang="es-CO" sz="2000" dirty="0"/>
+            <a:t>3</a:t>
+          </a:r>
+          <a:endParaRPr lang="es-ES" sz="2000" dirty="0"/>
+        </a:p>
+      </dgm:t>
+    </dgm:pt>
+    <dgm:pt modelId="{6791229A-7E25-4B9E-B1CE-E08532F0FEBC}" type="parTrans" cxnId="{1553E0C4-FD86-4A76-97E1-CF3A8F50E4EE}">
+      <dgm:prSet/>
+      <dgm:spPr/>
+      <dgm:t>
+        <a:bodyPr/>
+        <a:lstStyle/>
+        <a:p>
+          <a:endParaRPr lang="es-ES" sz="2000"/>
+        </a:p>
+      </dgm:t>
+    </dgm:pt>
+    <dgm:pt modelId="{0385706E-AE3E-4C8B-814B-BD76F727A473}" type="sibTrans" cxnId="{1553E0C4-FD86-4A76-97E1-CF3A8F50E4EE}">
+      <dgm:prSet/>
+      <dgm:spPr/>
+      <dgm:t>
+        <a:bodyPr/>
+        <a:lstStyle/>
+        <a:p>
+          <a:endParaRPr lang="es-ES" sz="2000"/>
+        </a:p>
+      </dgm:t>
+    </dgm:pt>
+    <dgm:pt modelId="{2290ED02-C039-450C-8C05-CCB0606D6139}">
+      <dgm:prSet custT="1"/>
+      <dgm:spPr/>
+      <dgm:t>
+        <a:bodyPr/>
+        <a:lstStyle/>
+        <a:p>
+          <a:r>
+            <a:rPr lang="es-CO" sz="2000" dirty="0"/>
+            <a:t>4</a:t>
+          </a:r>
+          <a:endParaRPr lang="es-ES" sz="2000" dirty="0"/>
+        </a:p>
+      </dgm:t>
+    </dgm:pt>
+    <dgm:pt modelId="{1FF53299-B3F0-4B76-9D59-11B47DFF9CA8}" type="parTrans" cxnId="{7CF9F7E1-6072-454A-A0E4-819947C665B9}">
+      <dgm:prSet/>
+      <dgm:spPr/>
+      <dgm:t>
+        <a:bodyPr/>
+        <a:lstStyle/>
+        <a:p>
+          <a:endParaRPr lang="es-ES" sz="2000"/>
+        </a:p>
+      </dgm:t>
+    </dgm:pt>
+    <dgm:pt modelId="{D5113CEF-EF85-4F5B-ACD6-A5B146242705}" type="sibTrans" cxnId="{7CF9F7E1-6072-454A-A0E4-819947C665B9}">
+      <dgm:prSet/>
+      <dgm:spPr/>
+      <dgm:t>
+        <a:bodyPr/>
+        <a:lstStyle/>
+        <a:p>
+          <a:endParaRPr lang="es-ES" sz="2000"/>
+        </a:p>
+      </dgm:t>
+    </dgm:pt>
+    <dgm:pt modelId="{EE41984F-0395-4623-967E-240F45FFC4AC}">
+      <dgm:prSet custT="1"/>
+      <dgm:spPr/>
+      <dgm:t>
+        <a:bodyPr/>
+        <a:lstStyle/>
+        <a:p>
+          <a:r>
+            <a:rPr lang="es-ES" sz="2000" b="1" dirty="0"/>
+            <a:t>5</a:t>
+          </a:r>
+          <a:endParaRPr lang="es-ES" sz="2000" dirty="0"/>
+        </a:p>
+      </dgm:t>
+    </dgm:pt>
+    <dgm:pt modelId="{56B3B42D-4B67-4ACA-9A95-8FF86F34EE7F}" type="parTrans" cxnId="{F8217440-9C14-471E-BFB5-8162280802B2}">
+      <dgm:prSet/>
+      <dgm:spPr/>
+      <dgm:t>
+        <a:bodyPr/>
+        <a:lstStyle/>
+        <a:p>
+          <a:endParaRPr lang="es-ES" sz="2000"/>
+        </a:p>
+      </dgm:t>
+    </dgm:pt>
+    <dgm:pt modelId="{44D9D56F-7800-4BB1-8D1E-26E7A7EDAF5B}" type="sibTrans" cxnId="{F8217440-9C14-471E-BFB5-8162280802B2}">
+      <dgm:prSet/>
+      <dgm:spPr/>
+      <dgm:t>
+        <a:bodyPr/>
+        <a:lstStyle/>
+        <a:p>
+          <a:endParaRPr lang="es-ES" sz="2000"/>
+        </a:p>
+      </dgm:t>
+    </dgm:pt>
+    <dgm:pt modelId="{5A3C2CA9-24B9-4DA7-9DAB-CF782C62C250}">
+      <dgm:prSet custT="1"/>
+      <dgm:spPr/>
+      <dgm:t>
+        <a:bodyPr/>
+        <a:lstStyle/>
+        <a:p>
+          <a:pPr>
+            <a:buNone/>
+          </a:pPr>
+          <a:r>
+            <a:rPr lang="es-ES" sz="2000" dirty="0"/>
+            <a:t>Preparar los datos.</a:t>
+          </a:r>
+        </a:p>
+      </dgm:t>
+    </dgm:pt>
+    <dgm:pt modelId="{396BC20D-78D8-4D17-AD42-6B149993B19F}" type="parTrans" cxnId="{2A4A48AC-C75D-446F-88D4-7B71FC996604}">
+      <dgm:prSet/>
+      <dgm:spPr/>
+      <dgm:t>
+        <a:bodyPr/>
+        <a:lstStyle/>
+        <a:p>
+          <a:endParaRPr lang="es-ES" sz="2000"/>
+        </a:p>
+      </dgm:t>
+    </dgm:pt>
+    <dgm:pt modelId="{B15BD2D1-7B34-443F-B442-0B9B694FBAE4}" type="sibTrans" cxnId="{2A4A48AC-C75D-446F-88D4-7B71FC996604}">
+      <dgm:prSet/>
+      <dgm:spPr/>
+      <dgm:t>
+        <a:bodyPr/>
+        <a:lstStyle/>
+        <a:p>
+          <a:endParaRPr lang="es-ES" sz="2000"/>
+        </a:p>
+      </dgm:t>
+    </dgm:pt>
+    <dgm:pt modelId="{8A235FF0-BF03-4999-9FAF-5DFBD0583F03}">
+      <dgm:prSet custT="1"/>
+      <dgm:spPr/>
+      <dgm:t>
+        <a:bodyPr/>
+        <a:lstStyle/>
+        <a:p>
+          <a:pPr>
+            <a:buNone/>
+          </a:pPr>
+          <a:r>
+            <a:rPr lang="es-ES" sz="2000" dirty="0"/>
+            <a:t>Conecte sus datos a </a:t>
+          </a:r>
+          <a:r>
+            <a:rPr lang="es-ES" sz="2000" dirty="0" err="1"/>
+            <a:t>AppSheet</a:t>
+          </a:r>
+          <a:r>
+            <a:rPr lang="es-ES" sz="2000" dirty="0"/>
+            <a:t>.</a:t>
+          </a:r>
+        </a:p>
+      </dgm:t>
+    </dgm:pt>
+    <dgm:pt modelId="{D744078C-1FAC-491A-A59D-CA5793346F58}" type="parTrans" cxnId="{9A01536E-F9B5-4385-8547-8649110F13B7}">
+      <dgm:prSet/>
+      <dgm:spPr/>
+      <dgm:t>
+        <a:bodyPr/>
+        <a:lstStyle/>
+        <a:p>
+          <a:endParaRPr lang="es-ES" sz="2000"/>
+        </a:p>
+      </dgm:t>
+    </dgm:pt>
+    <dgm:pt modelId="{3CF3D8A9-1A40-4569-9919-DCD53A9080A2}" type="sibTrans" cxnId="{9A01536E-F9B5-4385-8547-8649110F13B7}">
+      <dgm:prSet/>
+      <dgm:spPr/>
+      <dgm:t>
+        <a:bodyPr/>
+        <a:lstStyle/>
+        <a:p>
+          <a:endParaRPr lang="es-ES" sz="2000"/>
+        </a:p>
+      </dgm:t>
+    </dgm:pt>
+    <dgm:pt modelId="{F1DC0B66-176B-4541-8EC7-33FC48DD10FC}">
+      <dgm:prSet custT="1"/>
+      <dgm:spPr/>
+      <dgm:t>
+        <a:bodyPr/>
+        <a:lstStyle/>
+        <a:p>
+          <a:r>
+            <a:rPr lang="es-CO" sz="2000" dirty="0"/>
+            <a:t>2</a:t>
+          </a:r>
+          <a:endParaRPr lang="es-ES" sz="2000" dirty="0"/>
+        </a:p>
+      </dgm:t>
+    </dgm:pt>
+    <dgm:pt modelId="{DBA094FF-EADA-4381-B433-4303CED110E5}" type="sibTrans" cxnId="{6E689696-9F2C-4779-9FA5-55E0BACA7F0B}">
+      <dgm:prSet/>
+      <dgm:spPr/>
+      <dgm:t>
+        <a:bodyPr/>
+        <a:lstStyle/>
+        <a:p>
+          <a:endParaRPr lang="es-ES" sz="2000"/>
+        </a:p>
+      </dgm:t>
+    </dgm:pt>
+    <dgm:pt modelId="{D15D8B61-C40C-4007-A70A-D13F2CA9A300}" type="parTrans" cxnId="{6E689696-9F2C-4779-9FA5-55E0BACA7F0B}">
+      <dgm:prSet/>
+      <dgm:spPr/>
+      <dgm:t>
+        <a:bodyPr/>
+        <a:lstStyle/>
+        <a:p>
+          <a:endParaRPr lang="es-ES" sz="2000"/>
+        </a:p>
+      </dgm:t>
+    </dgm:pt>
+    <dgm:pt modelId="{62BE5D49-B2C8-4E43-B4F3-6670148E4CAC}">
+      <dgm:prSet custT="1"/>
+      <dgm:spPr/>
+      <dgm:t>
+        <a:bodyPr/>
+        <a:lstStyle/>
+        <a:p>
+          <a:pPr>
+            <a:buNone/>
+          </a:pPr>
+          <a:r>
+            <a:rPr lang="es-ES" sz="2000" dirty="0"/>
+            <a:t>Familiarícese con el Editor de </a:t>
+          </a:r>
+          <a:r>
+            <a:rPr lang="es-ES" sz="2000" dirty="0" err="1"/>
+            <a:t>AppSheet</a:t>
+          </a:r>
+          <a:r>
+            <a:rPr lang="es-ES" sz="2000" dirty="0"/>
+            <a:t>.</a:t>
+          </a:r>
+        </a:p>
+      </dgm:t>
+    </dgm:pt>
+    <dgm:pt modelId="{59AF400E-AB03-49A4-B827-500C68B6BCC3}" type="parTrans" cxnId="{DB916895-A321-44A6-9FB4-EBFCDD9E9945}">
+      <dgm:prSet/>
+      <dgm:spPr/>
+      <dgm:t>
+        <a:bodyPr/>
+        <a:lstStyle/>
+        <a:p>
+          <a:endParaRPr lang="es-ES" sz="2000"/>
+        </a:p>
+      </dgm:t>
+    </dgm:pt>
+    <dgm:pt modelId="{E572A148-08D3-4847-875F-481F7B700BE1}" type="sibTrans" cxnId="{DB916895-A321-44A6-9FB4-EBFCDD9E9945}">
+      <dgm:prSet/>
+      <dgm:spPr/>
+      <dgm:t>
+        <a:bodyPr/>
+        <a:lstStyle/>
+        <a:p>
+          <a:endParaRPr lang="es-ES" sz="2000"/>
+        </a:p>
+      </dgm:t>
+    </dgm:pt>
+    <dgm:pt modelId="{BB6BDA41-B365-442D-BF79-25D7DD268BB1}">
+      <dgm:prSet custT="1"/>
+      <dgm:spPr/>
+      <dgm:t>
+        <a:bodyPr/>
+        <a:lstStyle/>
+        <a:p>
+          <a:pPr>
+            <a:buNone/>
+          </a:pPr>
+          <a:r>
+            <a:rPr lang="es-ES" sz="2000"/>
+            <a:t>Defina cómo se utilizarán los datos conectados.</a:t>
+          </a:r>
+        </a:p>
+      </dgm:t>
+    </dgm:pt>
+    <dgm:pt modelId="{1302C401-493C-45D8-9160-D1469DC08301}" type="parTrans" cxnId="{A95EE897-5C8E-4C85-825F-9FC753F2FAC2}">
+      <dgm:prSet/>
+      <dgm:spPr/>
+      <dgm:t>
+        <a:bodyPr/>
+        <a:lstStyle/>
+        <a:p>
+          <a:endParaRPr lang="es-ES" sz="2000"/>
+        </a:p>
+      </dgm:t>
+    </dgm:pt>
+    <dgm:pt modelId="{4FFB016B-1845-4667-92C3-CD745B336A0A}" type="sibTrans" cxnId="{A95EE897-5C8E-4C85-825F-9FC753F2FAC2}">
+      <dgm:prSet/>
+      <dgm:spPr/>
+      <dgm:t>
+        <a:bodyPr/>
+        <a:lstStyle/>
+        <a:p>
+          <a:endParaRPr lang="es-ES" sz="2000"/>
+        </a:p>
+      </dgm:t>
+    </dgm:pt>
+    <dgm:pt modelId="{B893B77E-D0E9-4427-ACEC-0BE5B324F0AB}">
+      <dgm:prSet custT="1"/>
+      <dgm:spPr/>
+      <dgm:t>
+        <a:bodyPr/>
+        <a:lstStyle/>
+        <a:p>
+          <a:r>
+            <a:rPr lang="es-ES" sz="2000" b="1" dirty="0"/>
+            <a:t>6</a:t>
+          </a:r>
+          <a:endParaRPr lang="es-ES" sz="2000" dirty="0"/>
+        </a:p>
+      </dgm:t>
+    </dgm:pt>
+    <dgm:pt modelId="{1FDC0753-A944-4D44-B824-C189308B1F0D}" type="parTrans" cxnId="{9F2F275D-E38E-4AB8-98E8-16546F29B45B}">
+      <dgm:prSet/>
+      <dgm:spPr/>
+      <dgm:t>
+        <a:bodyPr/>
+        <a:lstStyle/>
+        <a:p>
+          <a:endParaRPr lang="es-ES" sz="2000"/>
+        </a:p>
+      </dgm:t>
+    </dgm:pt>
+    <dgm:pt modelId="{7248983F-28B3-439E-A403-3F74DB1CA0F1}" type="sibTrans" cxnId="{9F2F275D-E38E-4AB8-98E8-16546F29B45B}">
+      <dgm:prSet/>
+      <dgm:spPr/>
+      <dgm:t>
+        <a:bodyPr/>
+        <a:lstStyle/>
+        <a:p>
+          <a:endParaRPr lang="es-ES" sz="2000"/>
+        </a:p>
+      </dgm:t>
+    </dgm:pt>
+    <dgm:pt modelId="{1F954CC4-2E4B-48D1-A7D2-B4EE5E02BD0E}">
+      <dgm:prSet custT="1"/>
+      <dgm:spPr/>
+      <dgm:t>
+        <a:bodyPr/>
+        <a:lstStyle/>
+        <a:p>
+          <a:pPr>
+            <a:buNone/>
+          </a:pPr>
+          <a:r>
+            <a:rPr lang="es-ES" sz="2000"/>
+            <a:t>Crea vistas y personaliza la apariencia.</a:t>
+          </a:r>
+        </a:p>
+      </dgm:t>
+    </dgm:pt>
+    <dgm:pt modelId="{195B4E3C-4380-452C-83C6-2CE1F6758C0D}" type="parTrans" cxnId="{D1FBAC39-7829-4483-8A41-B516AB6EA58E}">
+      <dgm:prSet/>
+      <dgm:spPr/>
+      <dgm:t>
+        <a:bodyPr/>
+        <a:lstStyle/>
+        <a:p>
+          <a:endParaRPr lang="es-ES" sz="2000"/>
+        </a:p>
+      </dgm:t>
+    </dgm:pt>
+    <dgm:pt modelId="{FB8BAC9F-8D65-4C22-9FA8-CF388CF32A2A}" type="sibTrans" cxnId="{D1FBAC39-7829-4483-8A41-B516AB6EA58E}">
+      <dgm:prSet/>
+      <dgm:spPr/>
+      <dgm:t>
+        <a:bodyPr/>
+        <a:lstStyle/>
+        <a:p>
+          <a:endParaRPr lang="es-ES" sz="2000"/>
+        </a:p>
+      </dgm:t>
+    </dgm:pt>
+    <dgm:pt modelId="{EE2596CB-1044-4449-BEE0-D569667A058E}">
+      <dgm:prSet custT="1"/>
+      <dgm:spPr/>
+      <dgm:t>
+        <a:bodyPr/>
+        <a:lstStyle/>
+        <a:p>
+          <a:r>
+            <a:rPr lang="es-ES" sz="2000" dirty="0"/>
+            <a:t>7</a:t>
+          </a:r>
+        </a:p>
+      </dgm:t>
+    </dgm:pt>
+    <dgm:pt modelId="{BFBB7C67-1BA5-472E-8526-738C26740111}" type="parTrans" cxnId="{DC58F943-9D9A-474B-94DA-98C90136E8EA}">
+      <dgm:prSet/>
+      <dgm:spPr/>
+      <dgm:t>
+        <a:bodyPr/>
+        <a:lstStyle/>
+        <a:p>
+          <a:endParaRPr lang="es-ES" sz="2000"/>
+        </a:p>
+      </dgm:t>
+    </dgm:pt>
+    <dgm:pt modelId="{BA1A209A-E458-4010-9EEC-8F0122295678}" type="sibTrans" cxnId="{DC58F943-9D9A-474B-94DA-98C90136E8EA}">
+      <dgm:prSet/>
+      <dgm:spPr/>
+      <dgm:t>
+        <a:bodyPr/>
+        <a:lstStyle/>
+        <a:p>
+          <a:endParaRPr lang="es-ES" sz="2000"/>
+        </a:p>
+      </dgm:t>
+    </dgm:pt>
+    <dgm:pt modelId="{42E75D6F-5807-484A-8DBE-E813664BE6A2}">
+      <dgm:prSet custT="1"/>
+      <dgm:spPr/>
+      <dgm:t>
+        <a:bodyPr/>
+        <a:lstStyle/>
+        <a:p>
+          <a:pPr>
+            <a:buNone/>
+          </a:pPr>
+          <a:r>
+            <a:rPr lang="es-ES" sz="2000"/>
+            <a:t>Crear bots para ejecutar automatizaciones.</a:t>
+          </a:r>
+        </a:p>
+      </dgm:t>
+    </dgm:pt>
+    <dgm:pt modelId="{36E9C856-03BD-4791-8366-6B7799918BE2}" type="parTrans" cxnId="{CA8B12C4-809C-4539-9E8F-7616096B59A5}">
+      <dgm:prSet/>
+      <dgm:spPr/>
+      <dgm:t>
+        <a:bodyPr/>
+        <a:lstStyle/>
+        <a:p>
+          <a:endParaRPr lang="es-ES" sz="2000"/>
+        </a:p>
+      </dgm:t>
+    </dgm:pt>
+    <dgm:pt modelId="{7D11F14B-A228-407A-A98D-E3A86143DD6B}" type="sibTrans" cxnId="{CA8B12C4-809C-4539-9E8F-7616096B59A5}">
+      <dgm:prSet/>
+      <dgm:spPr/>
+      <dgm:t>
+        <a:bodyPr/>
+        <a:lstStyle/>
+        <a:p>
+          <a:endParaRPr lang="es-ES" sz="2000"/>
+        </a:p>
+      </dgm:t>
+    </dgm:pt>
+    <dgm:pt modelId="{D19FCACD-8CA9-4228-BFCB-7BEAF534E023}">
+      <dgm:prSet custT="1"/>
+      <dgm:spPr/>
+      <dgm:t>
+        <a:bodyPr/>
+        <a:lstStyle/>
+        <a:p>
+          <a:pPr>
+            <a:buNone/>
+          </a:pPr>
+          <a:r>
+            <a:rPr lang="es-ES" sz="2000" b="0" dirty="0"/>
+            <a:t>Prueba, comparte e implementa la aplicación.</a:t>
+          </a:r>
+        </a:p>
+      </dgm:t>
+    </dgm:pt>
+    <dgm:pt modelId="{CFF8CDF4-C0C3-4E1E-B06D-23D8AD1E8379}" type="parTrans" cxnId="{99E13182-826A-4DB5-91A2-DFF10CC6CC22}">
+      <dgm:prSet/>
+      <dgm:spPr/>
+      <dgm:t>
+        <a:bodyPr/>
+        <a:lstStyle/>
+        <a:p>
+          <a:endParaRPr lang="es-ES" sz="2000"/>
+        </a:p>
+      </dgm:t>
+    </dgm:pt>
+    <dgm:pt modelId="{54E90B9F-2FE7-40EC-AD5E-08632C632E97}" type="sibTrans" cxnId="{99E13182-826A-4DB5-91A2-DFF10CC6CC22}">
+      <dgm:prSet/>
+      <dgm:spPr/>
+      <dgm:t>
+        <a:bodyPr/>
+        <a:lstStyle/>
+        <a:p>
+          <a:endParaRPr lang="es-ES" sz="2000"/>
+        </a:p>
+      </dgm:t>
+    </dgm:pt>
+    <dgm:pt modelId="{67F866E2-7359-4E8D-9759-EAB285129F08}" type="pres">
+      <dgm:prSet presAssocID="{BA065C18-12F6-45F1-9C18-81ABAF006D5F}" presName="linearFlow" presStyleCnt="0">
+        <dgm:presLayoutVars>
+          <dgm:dir/>
+          <dgm:animLvl val="lvl"/>
+          <dgm:resizeHandles val="exact"/>
+        </dgm:presLayoutVars>
+      </dgm:prSet>
+      <dgm:spPr/>
+    </dgm:pt>
+    <dgm:pt modelId="{ADDED0F4-03D3-4EF9-AB64-C88692DD0CBB}" type="pres">
+      <dgm:prSet presAssocID="{AFA21073-CADB-4168-B8FF-3B92533CDF2A}" presName="composite" presStyleCnt="0"/>
+      <dgm:spPr/>
+    </dgm:pt>
+    <dgm:pt modelId="{6855968B-091A-40A9-8185-BAAFFC4E415A}" type="pres">
+      <dgm:prSet presAssocID="{AFA21073-CADB-4168-B8FF-3B92533CDF2A}" presName="parentText" presStyleLbl="alignNode1" presStyleIdx="0" presStyleCnt="7">
+        <dgm:presLayoutVars>
+          <dgm:chMax val="1"/>
+          <dgm:bulletEnabled val="1"/>
+        </dgm:presLayoutVars>
+      </dgm:prSet>
+      <dgm:spPr/>
+    </dgm:pt>
+    <dgm:pt modelId="{84F4D9FA-8172-40FF-9F9E-4A60BAB4F818}" type="pres">
+      <dgm:prSet presAssocID="{AFA21073-CADB-4168-B8FF-3B92533CDF2A}" presName="descendantText" presStyleLbl="alignAcc1" presStyleIdx="0" presStyleCnt="7" custLinFactNeighborX="117" custLinFactNeighborY="-26939">
+        <dgm:presLayoutVars>
+          <dgm:bulletEnabled val="1"/>
+        </dgm:presLayoutVars>
+      </dgm:prSet>
+      <dgm:spPr/>
+    </dgm:pt>
+    <dgm:pt modelId="{3D070012-9D60-43BE-B6F1-82F1CCD693FF}" type="pres">
+      <dgm:prSet presAssocID="{E31816DE-C1D7-43ED-A279-B96DD3A5C5D1}" presName="sp" presStyleCnt="0"/>
+      <dgm:spPr/>
+    </dgm:pt>
+    <dgm:pt modelId="{5CB4CFD1-739C-41A8-8204-EB49F60A0AE1}" type="pres">
+      <dgm:prSet presAssocID="{F1DC0B66-176B-4541-8EC7-33FC48DD10FC}" presName="composite" presStyleCnt="0"/>
+      <dgm:spPr/>
+    </dgm:pt>
+    <dgm:pt modelId="{C17BDD43-3791-4BC1-84E1-B73A3A8031C3}" type="pres">
+      <dgm:prSet presAssocID="{F1DC0B66-176B-4541-8EC7-33FC48DD10FC}" presName="parentText" presStyleLbl="alignNode1" presStyleIdx="1" presStyleCnt="7">
+        <dgm:presLayoutVars>
+          <dgm:chMax val="1"/>
+          <dgm:bulletEnabled val="1"/>
+        </dgm:presLayoutVars>
+      </dgm:prSet>
+      <dgm:spPr/>
+    </dgm:pt>
+    <dgm:pt modelId="{C23993E8-FA8A-4271-A9AE-4F73167E39B5}" type="pres">
+      <dgm:prSet presAssocID="{F1DC0B66-176B-4541-8EC7-33FC48DD10FC}" presName="descendantText" presStyleLbl="alignAcc1" presStyleIdx="1" presStyleCnt="7">
+        <dgm:presLayoutVars>
+          <dgm:bulletEnabled val="1"/>
+        </dgm:presLayoutVars>
+      </dgm:prSet>
+      <dgm:spPr/>
+    </dgm:pt>
+    <dgm:pt modelId="{2F8E6B5A-4072-457C-878B-61BADEF5686A}" type="pres">
+      <dgm:prSet presAssocID="{DBA094FF-EADA-4381-B433-4303CED110E5}" presName="sp" presStyleCnt="0"/>
+      <dgm:spPr/>
+    </dgm:pt>
+    <dgm:pt modelId="{EC10BA98-0D57-43EE-9D77-6C5654389C99}" type="pres">
+      <dgm:prSet presAssocID="{B6E58EDA-B598-4425-9F64-FB48B4085C77}" presName="composite" presStyleCnt="0"/>
+      <dgm:spPr/>
+    </dgm:pt>
+    <dgm:pt modelId="{F0C55D6E-0298-46B1-A6CA-E0E486E8DC9E}" type="pres">
+      <dgm:prSet presAssocID="{B6E58EDA-B598-4425-9F64-FB48B4085C77}" presName="parentText" presStyleLbl="alignNode1" presStyleIdx="2" presStyleCnt="7">
+        <dgm:presLayoutVars>
+          <dgm:chMax val="1"/>
+          <dgm:bulletEnabled val="1"/>
+        </dgm:presLayoutVars>
+      </dgm:prSet>
+      <dgm:spPr/>
+    </dgm:pt>
+    <dgm:pt modelId="{6E480E8F-3EB4-4AF2-8F1B-F74A5F9796BA}" type="pres">
+      <dgm:prSet presAssocID="{B6E58EDA-B598-4425-9F64-FB48B4085C77}" presName="descendantText" presStyleLbl="alignAcc1" presStyleIdx="2" presStyleCnt="7">
+        <dgm:presLayoutVars>
+          <dgm:bulletEnabled val="1"/>
+        </dgm:presLayoutVars>
+      </dgm:prSet>
+      <dgm:spPr/>
+    </dgm:pt>
+    <dgm:pt modelId="{DE6917E5-6EE9-4FBF-9A8C-D424BE93B2FD}" type="pres">
+      <dgm:prSet presAssocID="{0385706E-AE3E-4C8B-814B-BD76F727A473}" presName="sp" presStyleCnt="0"/>
+      <dgm:spPr/>
+    </dgm:pt>
+    <dgm:pt modelId="{BC5792F3-2281-4933-8A7F-8AE4F7DA21EE}" type="pres">
+      <dgm:prSet presAssocID="{2290ED02-C039-450C-8C05-CCB0606D6139}" presName="composite" presStyleCnt="0"/>
+      <dgm:spPr/>
+    </dgm:pt>
+    <dgm:pt modelId="{18D3C59A-E426-41A0-A6FF-C5C7A1F37047}" type="pres">
+      <dgm:prSet presAssocID="{2290ED02-C039-450C-8C05-CCB0606D6139}" presName="parentText" presStyleLbl="alignNode1" presStyleIdx="3" presStyleCnt="7">
+        <dgm:presLayoutVars>
+          <dgm:chMax val="1"/>
+          <dgm:bulletEnabled val="1"/>
+        </dgm:presLayoutVars>
+      </dgm:prSet>
+      <dgm:spPr/>
+    </dgm:pt>
+    <dgm:pt modelId="{4DA57521-64C1-4087-B4E2-1F2E66E5C789}" type="pres">
+      <dgm:prSet presAssocID="{2290ED02-C039-450C-8C05-CCB0606D6139}" presName="descendantText" presStyleLbl="alignAcc1" presStyleIdx="3" presStyleCnt="7">
+        <dgm:presLayoutVars>
+          <dgm:bulletEnabled val="1"/>
+        </dgm:presLayoutVars>
+      </dgm:prSet>
+      <dgm:spPr/>
+    </dgm:pt>
+    <dgm:pt modelId="{A05D5A3D-CEFE-490D-A04A-707C923D490C}" type="pres">
+      <dgm:prSet presAssocID="{D5113CEF-EF85-4F5B-ACD6-A5B146242705}" presName="sp" presStyleCnt="0"/>
+      <dgm:spPr/>
+    </dgm:pt>
+    <dgm:pt modelId="{20C386C4-BB56-47DB-873A-99F0F2424517}" type="pres">
+      <dgm:prSet presAssocID="{EE41984F-0395-4623-967E-240F45FFC4AC}" presName="composite" presStyleCnt="0"/>
+      <dgm:spPr/>
+    </dgm:pt>
+    <dgm:pt modelId="{8BCB014B-23EF-4BBB-B03A-98893BC136B7}" type="pres">
+      <dgm:prSet presAssocID="{EE41984F-0395-4623-967E-240F45FFC4AC}" presName="parentText" presStyleLbl="alignNode1" presStyleIdx="4" presStyleCnt="7">
+        <dgm:presLayoutVars>
+          <dgm:chMax val="1"/>
+          <dgm:bulletEnabled val="1"/>
+        </dgm:presLayoutVars>
+      </dgm:prSet>
+      <dgm:spPr/>
+    </dgm:pt>
+    <dgm:pt modelId="{30D49103-E33C-457C-8CA8-3D7485B9EAA1}" type="pres">
+      <dgm:prSet presAssocID="{EE41984F-0395-4623-967E-240F45FFC4AC}" presName="descendantText" presStyleLbl="alignAcc1" presStyleIdx="4" presStyleCnt="7">
+        <dgm:presLayoutVars>
+          <dgm:bulletEnabled val="1"/>
+        </dgm:presLayoutVars>
+      </dgm:prSet>
+      <dgm:spPr/>
+    </dgm:pt>
+    <dgm:pt modelId="{F728D089-E161-4165-BED1-71C1CA18408B}" type="pres">
+      <dgm:prSet presAssocID="{44D9D56F-7800-4BB1-8D1E-26E7A7EDAF5B}" presName="sp" presStyleCnt="0"/>
+      <dgm:spPr/>
+    </dgm:pt>
+    <dgm:pt modelId="{83C0BBAB-9503-483F-B1A9-268E21A93936}" type="pres">
+      <dgm:prSet presAssocID="{B893B77E-D0E9-4427-ACEC-0BE5B324F0AB}" presName="composite" presStyleCnt="0"/>
+      <dgm:spPr/>
+    </dgm:pt>
+    <dgm:pt modelId="{E36ED771-F09E-405E-BB5A-90014EF6DF1C}" type="pres">
+      <dgm:prSet presAssocID="{B893B77E-D0E9-4427-ACEC-0BE5B324F0AB}" presName="parentText" presStyleLbl="alignNode1" presStyleIdx="5" presStyleCnt="7">
+        <dgm:presLayoutVars>
+          <dgm:chMax val="1"/>
+          <dgm:bulletEnabled val="1"/>
+        </dgm:presLayoutVars>
+      </dgm:prSet>
+      <dgm:spPr/>
+    </dgm:pt>
+    <dgm:pt modelId="{485489C7-E87B-488B-BB7A-E1899997107C}" type="pres">
+      <dgm:prSet presAssocID="{B893B77E-D0E9-4427-ACEC-0BE5B324F0AB}" presName="descendantText" presStyleLbl="alignAcc1" presStyleIdx="5" presStyleCnt="7">
+        <dgm:presLayoutVars>
+          <dgm:bulletEnabled val="1"/>
+        </dgm:presLayoutVars>
+      </dgm:prSet>
+      <dgm:spPr/>
+    </dgm:pt>
+    <dgm:pt modelId="{70862188-C956-4366-978D-3CA527908489}" type="pres">
+      <dgm:prSet presAssocID="{7248983F-28B3-439E-A403-3F74DB1CA0F1}" presName="sp" presStyleCnt="0"/>
+      <dgm:spPr/>
+    </dgm:pt>
+    <dgm:pt modelId="{15F03384-2B37-4107-8E76-6E853B26AD1A}" type="pres">
+      <dgm:prSet presAssocID="{EE2596CB-1044-4449-BEE0-D569667A058E}" presName="composite" presStyleCnt="0"/>
+      <dgm:spPr/>
+    </dgm:pt>
+    <dgm:pt modelId="{46FB4409-531D-4515-8659-E552B402490B}" type="pres">
+      <dgm:prSet presAssocID="{EE2596CB-1044-4449-BEE0-D569667A058E}" presName="parentText" presStyleLbl="alignNode1" presStyleIdx="6" presStyleCnt="7">
+        <dgm:presLayoutVars>
+          <dgm:chMax val="1"/>
+          <dgm:bulletEnabled val="1"/>
+        </dgm:presLayoutVars>
+      </dgm:prSet>
+      <dgm:spPr/>
+    </dgm:pt>
+    <dgm:pt modelId="{F5FC5DCA-18C6-4FB0-A744-3159ABFAACA0}" type="pres">
+      <dgm:prSet presAssocID="{EE2596CB-1044-4449-BEE0-D569667A058E}" presName="descendantText" presStyleLbl="alignAcc1" presStyleIdx="6" presStyleCnt="7" custScaleX="100000">
+        <dgm:presLayoutVars>
+          <dgm:bulletEnabled val="1"/>
+        </dgm:presLayoutVars>
+      </dgm:prSet>
+      <dgm:spPr/>
+    </dgm:pt>
+  </dgm:ptLst>
+  <dgm:cxnLst>
+    <dgm:cxn modelId="{DDC3E515-C14E-44CF-A965-1DA3671CDC88}" type="presOf" srcId="{B6E58EDA-B598-4425-9F64-FB48B4085C77}" destId="{F0C55D6E-0298-46B1-A6CA-E0E486E8DC9E}" srcOrd="0" destOrd="0" presId="urn:microsoft.com/office/officeart/2005/8/layout/chevron2"/>
+    <dgm:cxn modelId="{070AEF1D-C700-41ED-A36A-9BDABF2FBF14}" type="presOf" srcId="{1F954CC4-2E4B-48D1-A7D2-B4EE5E02BD0E}" destId="{30D49103-E33C-457C-8CA8-3D7485B9EAA1}" srcOrd="0" destOrd="0" presId="urn:microsoft.com/office/officeart/2005/8/layout/chevron2"/>
+    <dgm:cxn modelId="{EB713523-5AE3-4D46-9085-F7AA5204D402}" type="presOf" srcId="{B893B77E-D0E9-4427-ACEC-0BE5B324F0AB}" destId="{E36ED771-F09E-405E-BB5A-90014EF6DF1C}" srcOrd="0" destOrd="0" presId="urn:microsoft.com/office/officeart/2005/8/layout/chevron2"/>
+    <dgm:cxn modelId="{D1FBAC39-7829-4483-8A41-B516AB6EA58E}" srcId="{EE41984F-0395-4623-967E-240F45FFC4AC}" destId="{1F954CC4-2E4B-48D1-A7D2-B4EE5E02BD0E}" srcOrd="0" destOrd="0" parTransId="{195B4E3C-4380-452C-83C6-2CE1F6758C0D}" sibTransId="{FB8BAC9F-8D65-4C22-9FA8-CF388CF32A2A}"/>
+    <dgm:cxn modelId="{F8217440-9C14-471E-BFB5-8162280802B2}" srcId="{BA065C18-12F6-45F1-9C18-81ABAF006D5F}" destId="{EE41984F-0395-4623-967E-240F45FFC4AC}" srcOrd="4" destOrd="0" parTransId="{56B3B42D-4B67-4ACA-9A95-8FF86F34EE7F}" sibTransId="{44D9D56F-7800-4BB1-8D1E-26E7A7EDAF5B}"/>
+    <dgm:cxn modelId="{9F2F275D-E38E-4AB8-98E8-16546F29B45B}" srcId="{BA065C18-12F6-45F1-9C18-81ABAF006D5F}" destId="{B893B77E-D0E9-4427-ACEC-0BE5B324F0AB}" srcOrd="5" destOrd="0" parTransId="{1FDC0753-A944-4D44-B824-C189308B1F0D}" sibTransId="{7248983F-28B3-439E-A403-3F74DB1CA0F1}"/>
+    <dgm:cxn modelId="{DC58F943-9D9A-474B-94DA-98C90136E8EA}" srcId="{BA065C18-12F6-45F1-9C18-81ABAF006D5F}" destId="{EE2596CB-1044-4449-BEE0-D569667A058E}" srcOrd="6" destOrd="0" parTransId="{BFBB7C67-1BA5-472E-8526-738C26740111}" sibTransId="{BA1A209A-E458-4010-9EEC-8F0122295678}"/>
+    <dgm:cxn modelId="{6604FE6A-D964-42A1-AE0E-CED2823C4B05}" type="presOf" srcId="{5A3C2CA9-24B9-4DA7-9DAB-CF782C62C250}" destId="{84F4D9FA-8172-40FF-9F9E-4A60BAB4F818}" srcOrd="0" destOrd="0" presId="urn:microsoft.com/office/officeart/2005/8/layout/chevron2"/>
+    <dgm:cxn modelId="{9A01536E-F9B5-4385-8547-8649110F13B7}" srcId="{F1DC0B66-176B-4541-8EC7-33FC48DD10FC}" destId="{8A235FF0-BF03-4999-9FAF-5DFBD0583F03}" srcOrd="0" destOrd="0" parTransId="{D744078C-1FAC-491A-A59D-CA5793346F58}" sibTransId="{3CF3D8A9-1A40-4569-9919-DCD53A9080A2}"/>
+    <dgm:cxn modelId="{3D2B3974-C45B-426D-B1C8-51369863898D}" type="presOf" srcId="{EE41984F-0395-4623-967E-240F45FFC4AC}" destId="{8BCB014B-23EF-4BBB-B03A-98893BC136B7}" srcOrd="0" destOrd="0" presId="urn:microsoft.com/office/officeart/2005/8/layout/chevron2"/>
+    <dgm:cxn modelId="{DCB61956-5F08-43B7-8CEE-CF016A3B11DF}" srcId="{BA065C18-12F6-45F1-9C18-81ABAF006D5F}" destId="{AFA21073-CADB-4168-B8FF-3B92533CDF2A}" srcOrd="0" destOrd="0" parTransId="{23436961-6DFF-469C-A16B-4A764EB6EC37}" sibTransId="{E31816DE-C1D7-43ED-A279-B96DD3A5C5D1}"/>
+    <dgm:cxn modelId="{5FBF7A79-0CBB-4CF1-A359-A15B6B73016D}" type="presOf" srcId="{D19FCACD-8CA9-4228-BFCB-7BEAF534E023}" destId="{F5FC5DCA-18C6-4FB0-A744-3159ABFAACA0}" srcOrd="0" destOrd="0" presId="urn:microsoft.com/office/officeart/2005/8/layout/chevron2"/>
+    <dgm:cxn modelId="{99E13182-826A-4DB5-91A2-DFF10CC6CC22}" srcId="{EE2596CB-1044-4449-BEE0-D569667A058E}" destId="{D19FCACD-8CA9-4228-BFCB-7BEAF534E023}" srcOrd="0" destOrd="0" parTransId="{CFF8CDF4-C0C3-4E1E-B06D-23D8AD1E8379}" sibTransId="{54E90B9F-2FE7-40EC-AD5E-08632C632E97}"/>
+    <dgm:cxn modelId="{DB916895-A321-44A6-9FB4-EBFCDD9E9945}" srcId="{B6E58EDA-B598-4425-9F64-FB48B4085C77}" destId="{62BE5D49-B2C8-4E43-B4F3-6670148E4CAC}" srcOrd="0" destOrd="0" parTransId="{59AF400E-AB03-49A4-B827-500C68B6BCC3}" sibTransId="{E572A148-08D3-4847-875F-481F7B700BE1}"/>
+    <dgm:cxn modelId="{6E689696-9F2C-4779-9FA5-55E0BACA7F0B}" srcId="{BA065C18-12F6-45F1-9C18-81ABAF006D5F}" destId="{F1DC0B66-176B-4541-8EC7-33FC48DD10FC}" srcOrd="1" destOrd="0" parTransId="{D15D8B61-C40C-4007-A70A-D13F2CA9A300}" sibTransId="{DBA094FF-EADA-4381-B433-4303CED110E5}"/>
+    <dgm:cxn modelId="{A95EE897-5C8E-4C85-825F-9FC753F2FAC2}" srcId="{2290ED02-C039-450C-8C05-CCB0606D6139}" destId="{BB6BDA41-B365-442D-BF79-25D7DD268BB1}" srcOrd="0" destOrd="0" parTransId="{1302C401-493C-45D8-9160-D1469DC08301}" sibTransId="{4FFB016B-1845-4667-92C3-CD745B336A0A}"/>
+    <dgm:cxn modelId="{5211D89B-04DF-41B1-B52C-4CDA91DFF7C6}" type="presOf" srcId="{42E75D6F-5807-484A-8DBE-E813664BE6A2}" destId="{485489C7-E87B-488B-BB7A-E1899997107C}" srcOrd="0" destOrd="0" presId="urn:microsoft.com/office/officeart/2005/8/layout/chevron2"/>
+    <dgm:cxn modelId="{E2F7D5A7-00A6-41C5-8FCD-75DE2880BF4F}" type="presOf" srcId="{EE2596CB-1044-4449-BEE0-D569667A058E}" destId="{46FB4409-531D-4515-8659-E552B402490B}" srcOrd="0" destOrd="0" presId="urn:microsoft.com/office/officeart/2005/8/layout/chevron2"/>
+    <dgm:cxn modelId="{149709A8-BDA2-425C-9B2D-17CCA9984E75}" type="presOf" srcId="{62BE5D49-B2C8-4E43-B4F3-6670148E4CAC}" destId="{6E480E8F-3EB4-4AF2-8F1B-F74A5F9796BA}" srcOrd="0" destOrd="0" presId="urn:microsoft.com/office/officeart/2005/8/layout/chevron2"/>
+    <dgm:cxn modelId="{E4B304AB-68A9-4A7D-AEF4-5E4B48792E62}" type="presOf" srcId="{BB6BDA41-B365-442D-BF79-25D7DD268BB1}" destId="{4DA57521-64C1-4087-B4E2-1F2E66E5C789}" srcOrd="0" destOrd="0" presId="urn:microsoft.com/office/officeart/2005/8/layout/chevron2"/>
+    <dgm:cxn modelId="{2A4A48AC-C75D-446F-88D4-7B71FC996604}" srcId="{AFA21073-CADB-4168-B8FF-3B92533CDF2A}" destId="{5A3C2CA9-24B9-4DA7-9DAB-CF782C62C250}" srcOrd="0" destOrd="0" parTransId="{396BC20D-78D8-4D17-AD42-6B149993B19F}" sibTransId="{B15BD2D1-7B34-443F-B442-0B9B694FBAE4}"/>
+    <dgm:cxn modelId="{4285EFAD-8FF9-41EB-8CDF-49D715E26C65}" type="presOf" srcId="{8A235FF0-BF03-4999-9FAF-5DFBD0583F03}" destId="{C23993E8-FA8A-4271-A9AE-4F73167E39B5}" srcOrd="0" destOrd="0" presId="urn:microsoft.com/office/officeart/2005/8/layout/chevron2"/>
+    <dgm:cxn modelId="{CA8B12C4-809C-4539-9E8F-7616096B59A5}" srcId="{B893B77E-D0E9-4427-ACEC-0BE5B324F0AB}" destId="{42E75D6F-5807-484A-8DBE-E813664BE6A2}" srcOrd="0" destOrd="0" parTransId="{36E9C856-03BD-4791-8366-6B7799918BE2}" sibTransId="{7D11F14B-A228-407A-A98D-E3A86143DD6B}"/>
+    <dgm:cxn modelId="{1553E0C4-FD86-4A76-97E1-CF3A8F50E4EE}" srcId="{BA065C18-12F6-45F1-9C18-81ABAF006D5F}" destId="{B6E58EDA-B598-4425-9F64-FB48B4085C77}" srcOrd="2" destOrd="0" parTransId="{6791229A-7E25-4B9E-B1CE-E08532F0FEBC}" sibTransId="{0385706E-AE3E-4C8B-814B-BD76F727A473}"/>
+    <dgm:cxn modelId="{89B61DCC-992A-4625-A308-0B00BBDAAF23}" type="presOf" srcId="{F1DC0B66-176B-4541-8EC7-33FC48DD10FC}" destId="{C17BDD43-3791-4BC1-84E1-B73A3A8031C3}" srcOrd="0" destOrd="0" presId="urn:microsoft.com/office/officeart/2005/8/layout/chevron2"/>
+    <dgm:cxn modelId="{7CF9F7E1-6072-454A-A0E4-819947C665B9}" srcId="{BA065C18-12F6-45F1-9C18-81ABAF006D5F}" destId="{2290ED02-C039-450C-8C05-CCB0606D6139}" srcOrd="3" destOrd="0" parTransId="{1FF53299-B3F0-4B76-9D59-11B47DFF9CA8}" sibTransId="{D5113CEF-EF85-4F5B-ACD6-A5B146242705}"/>
+    <dgm:cxn modelId="{597A37F4-801C-4A93-8792-69FD923F74E4}" type="presOf" srcId="{AFA21073-CADB-4168-B8FF-3B92533CDF2A}" destId="{6855968B-091A-40A9-8185-BAAFFC4E415A}" srcOrd="0" destOrd="0" presId="urn:microsoft.com/office/officeart/2005/8/layout/chevron2"/>
+    <dgm:cxn modelId="{693469F4-6C1C-4014-A639-E35C77173B7D}" type="presOf" srcId="{2290ED02-C039-450C-8C05-CCB0606D6139}" destId="{18D3C59A-E426-41A0-A6FF-C5C7A1F37047}" srcOrd="0" destOrd="0" presId="urn:microsoft.com/office/officeart/2005/8/layout/chevron2"/>
+    <dgm:cxn modelId="{A93658F7-3B1E-4A6A-817C-8A27D429CCA1}" type="presOf" srcId="{BA065C18-12F6-45F1-9C18-81ABAF006D5F}" destId="{67F866E2-7359-4E8D-9759-EAB285129F08}" srcOrd="0" destOrd="0" presId="urn:microsoft.com/office/officeart/2005/8/layout/chevron2"/>
+    <dgm:cxn modelId="{6B81546B-794A-4BA5-A44F-711533A5A7FB}" type="presParOf" srcId="{67F866E2-7359-4E8D-9759-EAB285129F08}" destId="{ADDED0F4-03D3-4EF9-AB64-C88692DD0CBB}" srcOrd="0" destOrd="0" presId="urn:microsoft.com/office/officeart/2005/8/layout/chevron2"/>
+    <dgm:cxn modelId="{0EBE1150-B98E-40FC-A350-F186C1BB85FB}" type="presParOf" srcId="{ADDED0F4-03D3-4EF9-AB64-C88692DD0CBB}" destId="{6855968B-091A-40A9-8185-BAAFFC4E415A}" srcOrd="0" destOrd="0" presId="urn:microsoft.com/office/officeart/2005/8/layout/chevron2"/>
+    <dgm:cxn modelId="{36185B61-FF98-4FCD-969A-26A95D056DA6}" type="presParOf" srcId="{ADDED0F4-03D3-4EF9-AB64-C88692DD0CBB}" destId="{84F4D9FA-8172-40FF-9F9E-4A60BAB4F818}" srcOrd="1" destOrd="0" presId="urn:microsoft.com/office/officeart/2005/8/layout/chevron2"/>
+    <dgm:cxn modelId="{34652D71-0826-4CEE-A237-DA078486B54F}" type="presParOf" srcId="{67F866E2-7359-4E8D-9759-EAB285129F08}" destId="{3D070012-9D60-43BE-B6F1-82F1CCD693FF}" srcOrd="1" destOrd="0" presId="urn:microsoft.com/office/officeart/2005/8/layout/chevron2"/>
+    <dgm:cxn modelId="{EBA1D8D9-7CCD-44DB-B53E-3182B6E17CD6}" type="presParOf" srcId="{67F866E2-7359-4E8D-9759-EAB285129F08}" destId="{5CB4CFD1-739C-41A8-8204-EB49F60A0AE1}" srcOrd="2" destOrd="0" presId="urn:microsoft.com/office/officeart/2005/8/layout/chevron2"/>
+    <dgm:cxn modelId="{98DCFBD5-BF05-4FD3-8760-0CABC376D6D7}" type="presParOf" srcId="{5CB4CFD1-739C-41A8-8204-EB49F60A0AE1}" destId="{C17BDD43-3791-4BC1-84E1-B73A3A8031C3}" srcOrd="0" destOrd="0" presId="urn:microsoft.com/office/officeart/2005/8/layout/chevron2"/>
+    <dgm:cxn modelId="{C61DDBE5-567B-4452-9CCC-60C3B378FF9E}" type="presParOf" srcId="{5CB4CFD1-739C-41A8-8204-EB49F60A0AE1}" destId="{C23993E8-FA8A-4271-A9AE-4F73167E39B5}" srcOrd="1" destOrd="0" presId="urn:microsoft.com/office/officeart/2005/8/layout/chevron2"/>
+    <dgm:cxn modelId="{4814A031-F125-4D57-B82B-D6727FA31A59}" type="presParOf" srcId="{67F866E2-7359-4E8D-9759-EAB285129F08}" destId="{2F8E6B5A-4072-457C-878B-61BADEF5686A}" srcOrd="3" destOrd="0" presId="urn:microsoft.com/office/officeart/2005/8/layout/chevron2"/>
+    <dgm:cxn modelId="{73446BAA-F667-491C-A72E-6352C07DCB0A}" type="presParOf" srcId="{67F866E2-7359-4E8D-9759-EAB285129F08}" destId="{EC10BA98-0D57-43EE-9D77-6C5654389C99}" srcOrd="4" destOrd="0" presId="urn:microsoft.com/office/officeart/2005/8/layout/chevron2"/>
+    <dgm:cxn modelId="{E5C34074-6F89-48D9-91D1-82A9080E841C}" type="presParOf" srcId="{EC10BA98-0D57-43EE-9D77-6C5654389C99}" destId="{F0C55D6E-0298-46B1-A6CA-E0E486E8DC9E}" srcOrd="0" destOrd="0" presId="urn:microsoft.com/office/officeart/2005/8/layout/chevron2"/>
+    <dgm:cxn modelId="{97177697-078B-4F5F-B470-7D55906CD92B}" type="presParOf" srcId="{EC10BA98-0D57-43EE-9D77-6C5654389C99}" destId="{6E480E8F-3EB4-4AF2-8F1B-F74A5F9796BA}" srcOrd="1" destOrd="0" presId="urn:microsoft.com/office/officeart/2005/8/layout/chevron2"/>
+    <dgm:cxn modelId="{A5E3264E-F722-4EC1-951B-FEC33E971089}" type="presParOf" srcId="{67F866E2-7359-4E8D-9759-EAB285129F08}" destId="{DE6917E5-6EE9-4FBF-9A8C-D424BE93B2FD}" srcOrd="5" destOrd="0" presId="urn:microsoft.com/office/officeart/2005/8/layout/chevron2"/>
+    <dgm:cxn modelId="{C1E2316B-E60D-429C-A6B4-9DE5E7F33B82}" type="presParOf" srcId="{67F866E2-7359-4E8D-9759-EAB285129F08}" destId="{BC5792F3-2281-4933-8A7F-8AE4F7DA21EE}" srcOrd="6" destOrd="0" presId="urn:microsoft.com/office/officeart/2005/8/layout/chevron2"/>
+    <dgm:cxn modelId="{BD4E1D0D-C0CE-4B55-BC8F-EF4E2A5B6D19}" type="presParOf" srcId="{BC5792F3-2281-4933-8A7F-8AE4F7DA21EE}" destId="{18D3C59A-E426-41A0-A6FF-C5C7A1F37047}" srcOrd="0" destOrd="0" presId="urn:microsoft.com/office/officeart/2005/8/layout/chevron2"/>
+    <dgm:cxn modelId="{6BB94360-CA34-4FEA-9637-E691E06B2114}" type="presParOf" srcId="{BC5792F3-2281-4933-8A7F-8AE4F7DA21EE}" destId="{4DA57521-64C1-4087-B4E2-1F2E66E5C789}" srcOrd="1" destOrd="0" presId="urn:microsoft.com/office/officeart/2005/8/layout/chevron2"/>
+    <dgm:cxn modelId="{09537A9E-6544-4E63-AD0D-60DCEDB02F6D}" type="presParOf" srcId="{67F866E2-7359-4E8D-9759-EAB285129F08}" destId="{A05D5A3D-CEFE-490D-A04A-707C923D490C}" srcOrd="7" destOrd="0" presId="urn:microsoft.com/office/officeart/2005/8/layout/chevron2"/>
+    <dgm:cxn modelId="{7A9A0A84-7E29-4E44-8AA3-59310CC04E27}" type="presParOf" srcId="{67F866E2-7359-4E8D-9759-EAB285129F08}" destId="{20C386C4-BB56-47DB-873A-99F0F2424517}" srcOrd="8" destOrd="0" presId="urn:microsoft.com/office/officeart/2005/8/layout/chevron2"/>
+    <dgm:cxn modelId="{F02B991C-9A9B-408A-87A0-837DD622732A}" type="presParOf" srcId="{20C386C4-BB56-47DB-873A-99F0F2424517}" destId="{8BCB014B-23EF-4BBB-B03A-98893BC136B7}" srcOrd="0" destOrd="0" presId="urn:microsoft.com/office/officeart/2005/8/layout/chevron2"/>
+    <dgm:cxn modelId="{E4DD6C60-D4EA-4369-93DE-C6A327F1BA11}" type="presParOf" srcId="{20C386C4-BB56-47DB-873A-99F0F2424517}" destId="{30D49103-E33C-457C-8CA8-3D7485B9EAA1}" srcOrd="1" destOrd="0" presId="urn:microsoft.com/office/officeart/2005/8/layout/chevron2"/>
+    <dgm:cxn modelId="{C443F0B6-91B8-40A7-9D12-D9090987A8A2}" type="presParOf" srcId="{67F866E2-7359-4E8D-9759-EAB285129F08}" destId="{F728D089-E161-4165-BED1-71C1CA18408B}" srcOrd="9" destOrd="0" presId="urn:microsoft.com/office/officeart/2005/8/layout/chevron2"/>
+    <dgm:cxn modelId="{7DE6E6D8-95D5-44C8-A163-4AB2931241AE}" type="presParOf" srcId="{67F866E2-7359-4E8D-9759-EAB285129F08}" destId="{83C0BBAB-9503-483F-B1A9-268E21A93936}" srcOrd="10" destOrd="0" presId="urn:microsoft.com/office/officeart/2005/8/layout/chevron2"/>
+    <dgm:cxn modelId="{0C5D9EA6-9BE6-49F6-A549-D9EA28ABCD76}" type="presParOf" srcId="{83C0BBAB-9503-483F-B1A9-268E21A93936}" destId="{E36ED771-F09E-405E-BB5A-90014EF6DF1C}" srcOrd="0" destOrd="0" presId="urn:microsoft.com/office/officeart/2005/8/layout/chevron2"/>
+    <dgm:cxn modelId="{F5CDD19C-4E1D-4270-BCEE-2989058642F3}" type="presParOf" srcId="{83C0BBAB-9503-483F-B1A9-268E21A93936}" destId="{485489C7-E87B-488B-BB7A-E1899997107C}" srcOrd="1" destOrd="0" presId="urn:microsoft.com/office/officeart/2005/8/layout/chevron2"/>
+    <dgm:cxn modelId="{92E4DE1D-51FA-424C-ABBE-7ED7ABDD086D}" type="presParOf" srcId="{67F866E2-7359-4E8D-9759-EAB285129F08}" destId="{70862188-C956-4366-978D-3CA527908489}" srcOrd="11" destOrd="0" presId="urn:microsoft.com/office/officeart/2005/8/layout/chevron2"/>
+    <dgm:cxn modelId="{EB353568-5BAD-4DE2-B538-78637FC06664}" type="presParOf" srcId="{67F866E2-7359-4E8D-9759-EAB285129F08}" destId="{15F03384-2B37-4107-8E76-6E853B26AD1A}" srcOrd="12" destOrd="0" presId="urn:microsoft.com/office/officeart/2005/8/layout/chevron2"/>
+    <dgm:cxn modelId="{9B962C5E-7F24-46A5-B105-BBBD89C417D4}" type="presParOf" srcId="{15F03384-2B37-4107-8E76-6E853B26AD1A}" destId="{46FB4409-531D-4515-8659-E552B402490B}" srcOrd="0" destOrd="0" presId="urn:microsoft.com/office/officeart/2005/8/layout/chevron2"/>
+    <dgm:cxn modelId="{991F8993-09CD-4E8D-96A9-DB74710A1739}" type="presParOf" srcId="{15F03384-2B37-4107-8E76-6E853B26AD1A}" destId="{F5FC5DCA-18C6-4FB0-A744-3159ABFAACA0}" srcOrd="1" destOrd="0" presId="urn:microsoft.com/office/officeart/2005/8/layout/chevron2"/>
+  </dgm:cxnLst>
+  <dgm:bg/>
+  <dgm:whole/>
+  <dgm:extLst>
+    <a:ext uri="http://schemas.microsoft.com/office/drawing/2008/diagram">
+      <dsp:dataModelExt xmlns:dsp="http://schemas.microsoft.com/office/drawing/2008/diagram" relId="rId6" minVer="http://schemas.openxmlformats.org/drawingml/2006/diagram"/>
+    </a:ext>
+  </dgm:extLst>
+</dgm:dataModel>
+</file>
+
+<file path=ppt/diagrams/drawing1.xml><?xml version="1.0" encoding="utf-8"?>
+<dsp:drawing xmlns:dgm="http://schemas.openxmlformats.org/drawingml/2006/diagram" xmlns:dsp="http://schemas.microsoft.com/office/drawing/2008/diagram" xmlns:a="http://schemas.openxmlformats.org/drawingml/2006/main">
+  <dsp:spTree>
+    <dsp:nvGrpSpPr>
+      <dsp:cNvPr id="0" name=""/>
+      <dsp:cNvGrpSpPr/>
+    </dsp:nvGrpSpPr>
+    <dsp:grpSpPr/>
+    <dsp:sp modelId="{6855968B-091A-40A9-8185-BAAFFC4E415A}">
+      <dsp:nvSpPr>
+        <dsp:cNvPr id="0" name=""/>
+        <dsp:cNvSpPr/>
+      </dsp:nvSpPr>
+      <dsp:spPr>
+        <a:xfrm rot="5400000">
+          <a:off x="-116697" y="122680"/>
+          <a:ext cx="777982" cy="544587"/>
+        </a:xfrm>
+        <a:prstGeom prst="chevron">
+          <a:avLst/>
+        </a:prstGeom>
+        <a:solidFill>
+          <a:schemeClr val="accent1">
+            <a:hueOff val="0"/>
+            <a:satOff val="0"/>
+            <a:lumOff val="0"/>
+            <a:alphaOff val="0"/>
+          </a:schemeClr>
+        </a:solidFill>
+        <a:ln w="19050" cap="rnd" cmpd="sng" algn="ctr">
+          <a:solidFill>
+            <a:schemeClr val="accent1">
+              <a:hueOff val="0"/>
+              <a:satOff val="0"/>
+              <a:lumOff val="0"/>
+              <a:alphaOff val="0"/>
+            </a:schemeClr>
+          </a:solidFill>
+          <a:prstDash val="solid"/>
+        </a:ln>
+        <a:effectLst/>
+      </dsp:spPr>
+      <dsp:style>
+        <a:lnRef idx="2">
+          <a:scrgbClr r="0" g="0" b="0"/>
+        </a:lnRef>
+        <a:fillRef idx="1">
+          <a:scrgbClr r="0" g="0" b="0"/>
+        </a:fillRef>
+        <a:effectRef idx="0">
+          <a:scrgbClr r="0" g="0" b="0"/>
+        </a:effectRef>
+        <a:fontRef idx="minor">
+          <a:schemeClr val="lt1"/>
+        </a:fontRef>
+      </dsp:style>
+      <dsp:txBody>
+        <a:bodyPr spcFirstLastPara="0" vert="horz" wrap="square" lIns="12700" tIns="12700" rIns="12700" bIns="12700" numCol="1" spcCol="1270" anchor="ctr" anchorCtr="0">
+          <a:noAutofit/>
+        </a:bodyPr>
+        <a:lstStyle/>
+        <a:p>
+          <a:pPr marL="0" lvl="0" indent="0" algn="ctr" defTabSz="889000">
+            <a:lnSpc>
+              <a:spcPct val="90000"/>
+            </a:lnSpc>
+            <a:spcBef>
+              <a:spcPct val="0"/>
+            </a:spcBef>
+            <a:spcAft>
+              <a:spcPct val="35000"/>
+            </a:spcAft>
+            <a:buNone/>
+          </a:pPr>
+          <a:r>
+            <a:rPr lang="es-CO" sz="2000" kern="1200" dirty="0"/>
+            <a:t>1</a:t>
+          </a:r>
+          <a:endParaRPr lang="es-ES" sz="2000" kern="1200" dirty="0"/>
+        </a:p>
+      </dsp:txBody>
+      <dsp:txXfrm rot="-5400000">
+        <a:off x="1" y="278277"/>
+        <a:ext cx="544587" cy="233395"/>
+      </dsp:txXfrm>
+    </dsp:sp>
+    <dsp:sp modelId="{84F4D9FA-8172-40FF-9F9E-4A60BAB4F818}">
+      <dsp:nvSpPr>
+        <dsp:cNvPr id="0" name=""/>
+        <dsp:cNvSpPr/>
+      </dsp:nvSpPr>
+      <dsp:spPr>
+        <a:xfrm rot="5400000">
+          <a:off x="3496918" y="-2952330"/>
+          <a:ext cx="505954" cy="6410615"/>
+        </a:xfrm>
+        <a:prstGeom prst="round2SameRect">
+          <a:avLst/>
+        </a:prstGeom>
+        <a:solidFill>
+          <a:schemeClr val="lt1">
+            <a:alpha val="90000"/>
+            <a:hueOff val="0"/>
+            <a:satOff val="0"/>
+            <a:lumOff val="0"/>
+            <a:alphaOff val="0"/>
+          </a:schemeClr>
+        </a:solidFill>
+        <a:ln w="19050" cap="rnd" cmpd="sng" algn="ctr">
+          <a:solidFill>
+            <a:schemeClr val="accent1">
+              <a:hueOff val="0"/>
+              <a:satOff val="0"/>
+              <a:lumOff val="0"/>
+              <a:alphaOff val="0"/>
+            </a:schemeClr>
+          </a:solidFill>
+          <a:prstDash val="solid"/>
+        </a:ln>
+        <a:effectLst/>
+      </dsp:spPr>
+      <dsp:style>
+        <a:lnRef idx="2">
+          <a:scrgbClr r="0" g="0" b="0"/>
+        </a:lnRef>
+        <a:fillRef idx="1">
+          <a:scrgbClr r="0" g="0" b="0"/>
+        </a:fillRef>
+        <a:effectRef idx="0">
+          <a:scrgbClr r="0" g="0" b="0"/>
+        </a:effectRef>
+        <a:fontRef idx="minor"/>
+      </dsp:style>
+      <dsp:txBody>
+        <a:bodyPr spcFirstLastPara="0" vert="horz" wrap="square" lIns="142240" tIns="12700" rIns="12700" bIns="12700" numCol="1" spcCol="1270" anchor="ctr" anchorCtr="0">
+          <a:noAutofit/>
+        </a:bodyPr>
+        <a:lstStyle/>
+        <a:p>
+          <a:pPr marL="228600" lvl="1" indent="-228600" algn="l" defTabSz="889000">
+            <a:lnSpc>
+              <a:spcPct val="90000"/>
+            </a:lnSpc>
+            <a:spcBef>
+              <a:spcPct val="0"/>
+            </a:spcBef>
+            <a:spcAft>
+              <a:spcPct val="15000"/>
+            </a:spcAft>
+            <a:buNone/>
+          </a:pPr>
+          <a:r>
+            <a:rPr lang="es-ES" sz="2000" kern="1200" dirty="0"/>
+            <a:t>Preparar los datos.</a:t>
+          </a:r>
+        </a:p>
+      </dsp:txBody>
+      <dsp:txXfrm rot="-5400000">
+        <a:off x="544588" y="24699"/>
+        <a:ext cx="6385916" cy="456556"/>
+      </dsp:txXfrm>
+    </dsp:sp>
+    <dsp:sp modelId="{C17BDD43-3791-4BC1-84E1-B73A3A8031C3}">
+      <dsp:nvSpPr>
+        <dsp:cNvPr id="0" name=""/>
+        <dsp:cNvSpPr/>
+      </dsp:nvSpPr>
+      <dsp:spPr>
+        <a:xfrm rot="5400000">
+          <a:off x="-116697" y="816522"/>
+          <a:ext cx="777982" cy="544587"/>
+        </a:xfrm>
+        <a:prstGeom prst="chevron">
+          <a:avLst/>
+        </a:prstGeom>
+        <a:solidFill>
+          <a:schemeClr val="accent1">
+            <a:hueOff val="0"/>
+            <a:satOff val="0"/>
+            <a:lumOff val="0"/>
+            <a:alphaOff val="0"/>
+          </a:schemeClr>
+        </a:solidFill>
+        <a:ln w="19050" cap="rnd" cmpd="sng" algn="ctr">
+          <a:solidFill>
+            <a:schemeClr val="accent1">
+              <a:hueOff val="0"/>
+              <a:satOff val="0"/>
+              <a:lumOff val="0"/>
+              <a:alphaOff val="0"/>
+            </a:schemeClr>
+          </a:solidFill>
+          <a:prstDash val="solid"/>
+        </a:ln>
+        <a:effectLst/>
+      </dsp:spPr>
+      <dsp:style>
+        <a:lnRef idx="2">
+          <a:scrgbClr r="0" g="0" b="0"/>
+        </a:lnRef>
+        <a:fillRef idx="1">
+          <a:scrgbClr r="0" g="0" b="0"/>
+        </a:fillRef>
+        <a:effectRef idx="0">
+          <a:scrgbClr r="0" g="0" b="0"/>
+        </a:effectRef>
+        <a:fontRef idx="minor">
+          <a:schemeClr val="lt1"/>
+        </a:fontRef>
+      </dsp:style>
+      <dsp:txBody>
+        <a:bodyPr spcFirstLastPara="0" vert="horz" wrap="square" lIns="12700" tIns="12700" rIns="12700" bIns="12700" numCol="1" spcCol="1270" anchor="ctr" anchorCtr="0">
+          <a:noAutofit/>
+        </a:bodyPr>
+        <a:lstStyle/>
+        <a:p>
+          <a:pPr marL="0" lvl="0" indent="0" algn="ctr" defTabSz="889000">
+            <a:lnSpc>
+              <a:spcPct val="90000"/>
+            </a:lnSpc>
+            <a:spcBef>
+              <a:spcPct val="0"/>
+            </a:spcBef>
+            <a:spcAft>
+              <a:spcPct val="35000"/>
+            </a:spcAft>
+            <a:buNone/>
+          </a:pPr>
+          <a:r>
+            <a:rPr lang="es-CO" sz="2000" kern="1200" dirty="0"/>
+            <a:t>2</a:t>
+          </a:r>
+          <a:endParaRPr lang="es-ES" sz="2000" kern="1200" dirty="0"/>
+        </a:p>
+      </dsp:txBody>
+      <dsp:txXfrm rot="-5400000">
+        <a:off x="1" y="972119"/>
+        <a:ext cx="544587" cy="233395"/>
+      </dsp:txXfrm>
+    </dsp:sp>
+    <dsp:sp modelId="{C23993E8-FA8A-4271-A9AE-4F73167E39B5}">
+      <dsp:nvSpPr>
+        <dsp:cNvPr id="0" name=""/>
+        <dsp:cNvSpPr/>
+      </dsp:nvSpPr>
+      <dsp:spPr>
+        <a:xfrm rot="5400000">
+          <a:off x="3497051" y="-2252638"/>
+          <a:ext cx="505688" cy="6410615"/>
+        </a:xfrm>
+        <a:prstGeom prst="round2SameRect">
+          <a:avLst/>
+        </a:prstGeom>
+        <a:solidFill>
+          <a:schemeClr val="lt1">
+            <a:alpha val="90000"/>
+            <a:hueOff val="0"/>
+            <a:satOff val="0"/>
+            <a:lumOff val="0"/>
+            <a:alphaOff val="0"/>
+          </a:schemeClr>
+        </a:solidFill>
+        <a:ln w="19050" cap="rnd" cmpd="sng" algn="ctr">
+          <a:solidFill>
+            <a:schemeClr val="accent1">
+              <a:hueOff val="0"/>
+              <a:satOff val="0"/>
+              <a:lumOff val="0"/>
+              <a:alphaOff val="0"/>
+            </a:schemeClr>
+          </a:solidFill>
+          <a:prstDash val="solid"/>
+        </a:ln>
+        <a:effectLst/>
+      </dsp:spPr>
+      <dsp:style>
+        <a:lnRef idx="2">
+          <a:scrgbClr r="0" g="0" b="0"/>
+        </a:lnRef>
+        <a:fillRef idx="1">
+          <a:scrgbClr r="0" g="0" b="0"/>
+        </a:fillRef>
+        <a:effectRef idx="0">
+          <a:scrgbClr r="0" g="0" b="0"/>
+        </a:effectRef>
+        <a:fontRef idx="minor"/>
+      </dsp:style>
+      <dsp:txBody>
+        <a:bodyPr spcFirstLastPara="0" vert="horz" wrap="square" lIns="142240" tIns="12700" rIns="12700" bIns="12700" numCol="1" spcCol="1270" anchor="ctr" anchorCtr="0">
+          <a:noAutofit/>
+        </a:bodyPr>
+        <a:lstStyle/>
+        <a:p>
+          <a:pPr marL="228600" lvl="1" indent="-228600" algn="l" defTabSz="889000">
+            <a:lnSpc>
+              <a:spcPct val="90000"/>
+            </a:lnSpc>
+            <a:spcBef>
+              <a:spcPct val="0"/>
+            </a:spcBef>
+            <a:spcAft>
+              <a:spcPct val="15000"/>
+            </a:spcAft>
+            <a:buNone/>
+          </a:pPr>
+          <a:r>
+            <a:rPr lang="es-ES" sz="2000" kern="1200" dirty="0"/>
+            <a:t>Conecte sus datos a </a:t>
+          </a:r>
+          <a:r>
+            <a:rPr lang="es-ES" sz="2000" kern="1200" dirty="0" err="1"/>
+            <a:t>AppSheet</a:t>
+          </a:r>
+          <a:r>
+            <a:rPr lang="es-ES" sz="2000" kern="1200" dirty="0"/>
+            <a:t>.</a:t>
+          </a:r>
+        </a:p>
+      </dsp:txBody>
+      <dsp:txXfrm rot="-5400000">
+        <a:off x="544588" y="724511"/>
+        <a:ext cx="6385929" cy="456316"/>
+      </dsp:txXfrm>
+    </dsp:sp>
+    <dsp:sp modelId="{F0C55D6E-0298-46B1-A6CA-E0E486E8DC9E}">
+      <dsp:nvSpPr>
+        <dsp:cNvPr id="0" name=""/>
+        <dsp:cNvSpPr/>
+      </dsp:nvSpPr>
+      <dsp:spPr>
+        <a:xfrm rot="5400000">
+          <a:off x="-116697" y="1510363"/>
+          <a:ext cx="777982" cy="544587"/>
+        </a:xfrm>
+        <a:prstGeom prst="chevron">
+          <a:avLst/>
+        </a:prstGeom>
+        <a:solidFill>
+          <a:schemeClr val="accent1">
+            <a:hueOff val="0"/>
+            <a:satOff val="0"/>
+            <a:lumOff val="0"/>
+            <a:alphaOff val="0"/>
+          </a:schemeClr>
+        </a:solidFill>
+        <a:ln w="19050" cap="rnd" cmpd="sng" algn="ctr">
+          <a:solidFill>
+            <a:schemeClr val="accent1">
+              <a:hueOff val="0"/>
+              <a:satOff val="0"/>
+              <a:lumOff val="0"/>
+              <a:alphaOff val="0"/>
+            </a:schemeClr>
+          </a:solidFill>
+          <a:prstDash val="solid"/>
+        </a:ln>
+        <a:effectLst/>
+      </dsp:spPr>
+      <dsp:style>
+        <a:lnRef idx="2">
+          <a:scrgbClr r="0" g="0" b="0"/>
+        </a:lnRef>
+        <a:fillRef idx="1">
+          <a:scrgbClr r="0" g="0" b="0"/>
+        </a:fillRef>
+        <a:effectRef idx="0">
+          <a:scrgbClr r="0" g="0" b="0"/>
+        </a:effectRef>
+        <a:fontRef idx="minor">
+          <a:schemeClr val="lt1"/>
+        </a:fontRef>
+      </dsp:style>
+      <dsp:txBody>
+        <a:bodyPr spcFirstLastPara="0" vert="horz" wrap="square" lIns="12700" tIns="12700" rIns="12700" bIns="12700" numCol="1" spcCol="1270" anchor="ctr" anchorCtr="0">
+          <a:noAutofit/>
+        </a:bodyPr>
+        <a:lstStyle/>
+        <a:p>
+          <a:pPr marL="0" lvl="0" indent="0" algn="ctr" defTabSz="889000">
+            <a:lnSpc>
+              <a:spcPct val="90000"/>
+            </a:lnSpc>
+            <a:spcBef>
+              <a:spcPct val="0"/>
+            </a:spcBef>
+            <a:spcAft>
+              <a:spcPct val="35000"/>
+            </a:spcAft>
+            <a:buNone/>
+          </a:pPr>
+          <a:r>
+            <a:rPr lang="es-CO" sz="2000" kern="1200" dirty="0"/>
+            <a:t>3</a:t>
+          </a:r>
+          <a:endParaRPr lang="es-ES" sz="2000" kern="1200" dirty="0"/>
+        </a:p>
+      </dsp:txBody>
+      <dsp:txXfrm rot="-5400000">
+        <a:off x="1" y="1665960"/>
+        <a:ext cx="544587" cy="233395"/>
+      </dsp:txXfrm>
+    </dsp:sp>
+    <dsp:sp modelId="{6E480E8F-3EB4-4AF2-8F1B-F74A5F9796BA}">
+      <dsp:nvSpPr>
+        <dsp:cNvPr id="0" name=""/>
+        <dsp:cNvSpPr/>
+      </dsp:nvSpPr>
+      <dsp:spPr>
+        <a:xfrm rot="5400000">
+          <a:off x="3497051" y="-1558796"/>
+          <a:ext cx="505688" cy="6410615"/>
+        </a:xfrm>
+        <a:prstGeom prst="round2SameRect">
+          <a:avLst/>
+        </a:prstGeom>
+        <a:solidFill>
+          <a:schemeClr val="lt1">
+            <a:alpha val="90000"/>
+            <a:hueOff val="0"/>
+            <a:satOff val="0"/>
+            <a:lumOff val="0"/>
+            <a:alphaOff val="0"/>
+          </a:schemeClr>
+        </a:solidFill>
+        <a:ln w="19050" cap="rnd" cmpd="sng" algn="ctr">
+          <a:solidFill>
+            <a:schemeClr val="accent1">
+              <a:hueOff val="0"/>
+              <a:satOff val="0"/>
+              <a:lumOff val="0"/>
+              <a:alphaOff val="0"/>
+            </a:schemeClr>
+          </a:solidFill>
+          <a:prstDash val="solid"/>
+        </a:ln>
+        <a:effectLst/>
+      </dsp:spPr>
+      <dsp:style>
+        <a:lnRef idx="2">
+          <a:scrgbClr r="0" g="0" b="0"/>
+        </a:lnRef>
+        <a:fillRef idx="1">
+          <a:scrgbClr r="0" g="0" b="0"/>
+        </a:fillRef>
+        <a:effectRef idx="0">
+          <a:scrgbClr r="0" g="0" b="0"/>
+        </a:effectRef>
+        <a:fontRef idx="minor"/>
+      </dsp:style>
+      <dsp:txBody>
+        <a:bodyPr spcFirstLastPara="0" vert="horz" wrap="square" lIns="142240" tIns="12700" rIns="12700" bIns="12700" numCol="1" spcCol="1270" anchor="ctr" anchorCtr="0">
+          <a:noAutofit/>
+        </a:bodyPr>
+        <a:lstStyle/>
+        <a:p>
+          <a:pPr marL="228600" lvl="1" indent="-228600" algn="l" defTabSz="889000">
+            <a:lnSpc>
+              <a:spcPct val="90000"/>
+            </a:lnSpc>
+            <a:spcBef>
+              <a:spcPct val="0"/>
+            </a:spcBef>
+            <a:spcAft>
+              <a:spcPct val="15000"/>
+            </a:spcAft>
+            <a:buNone/>
+          </a:pPr>
+          <a:r>
+            <a:rPr lang="es-ES" sz="2000" kern="1200" dirty="0"/>
+            <a:t>Familiarícese con el Editor de </a:t>
+          </a:r>
+          <a:r>
+            <a:rPr lang="es-ES" sz="2000" kern="1200" dirty="0" err="1"/>
+            <a:t>AppSheet</a:t>
+          </a:r>
+          <a:r>
+            <a:rPr lang="es-ES" sz="2000" kern="1200" dirty="0"/>
+            <a:t>.</a:t>
+          </a:r>
+        </a:p>
+      </dsp:txBody>
+      <dsp:txXfrm rot="-5400000">
+        <a:off x="544588" y="1418353"/>
+        <a:ext cx="6385929" cy="456316"/>
+      </dsp:txXfrm>
+    </dsp:sp>
+    <dsp:sp modelId="{18D3C59A-E426-41A0-A6FF-C5C7A1F37047}">
+      <dsp:nvSpPr>
+        <dsp:cNvPr id="0" name=""/>
+        <dsp:cNvSpPr/>
+      </dsp:nvSpPr>
+      <dsp:spPr>
+        <a:xfrm rot="5400000">
+          <a:off x="-116697" y="2204205"/>
+          <a:ext cx="777982" cy="544587"/>
+        </a:xfrm>
+        <a:prstGeom prst="chevron">
+          <a:avLst/>
+        </a:prstGeom>
+        <a:solidFill>
+          <a:schemeClr val="accent1">
+            <a:hueOff val="0"/>
+            <a:satOff val="0"/>
+            <a:lumOff val="0"/>
+            <a:alphaOff val="0"/>
+          </a:schemeClr>
+        </a:solidFill>
+        <a:ln w="19050" cap="rnd" cmpd="sng" algn="ctr">
+          <a:solidFill>
+            <a:schemeClr val="accent1">
+              <a:hueOff val="0"/>
+              <a:satOff val="0"/>
+              <a:lumOff val="0"/>
+              <a:alphaOff val="0"/>
+            </a:schemeClr>
+          </a:solidFill>
+          <a:prstDash val="solid"/>
+        </a:ln>
+        <a:effectLst/>
+      </dsp:spPr>
+      <dsp:style>
+        <a:lnRef idx="2">
+          <a:scrgbClr r="0" g="0" b="0"/>
+        </a:lnRef>
+        <a:fillRef idx="1">
+          <a:scrgbClr r="0" g="0" b="0"/>
+        </a:fillRef>
+        <a:effectRef idx="0">
+          <a:scrgbClr r="0" g="0" b="0"/>
+        </a:effectRef>
+        <a:fontRef idx="minor">
+          <a:schemeClr val="lt1"/>
+        </a:fontRef>
+      </dsp:style>
+      <dsp:txBody>
+        <a:bodyPr spcFirstLastPara="0" vert="horz" wrap="square" lIns="12700" tIns="12700" rIns="12700" bIns="12700" numCol="1" spcCol="1270" anchor="ctr" anchorCtr="0">
+          <a:noAutofit/>
+        </a:bodyPr>
+        <a:lstStyle/>
+        <a:p>
+          <a:pPr marL="0" lvl="0" indent="0" algn="ctr" defTabSz="889000">
+            <a:lnSpc>
+              <a:spcPct val="90000"/>
+            </a:lnSpc>
+            <a:spcBef>
+              <a:spcPct val="0"/>
+            </a:spcBef>
+            <a:spcAft>
+              <a:spcPct val="35000"/>
+            </a:spcAft>
+            <a:buNone/>
+          </a:pPr>
+          <a:r>
+            <a:rPr lang="es-CO" sz="2000" kern="1200" dirty="0"/>
+            <a:t>4</a:t>
+          </a:r>
+          <a:endParaRPr lang="es-ES" sz="2000" kern="1200" dirty="0"/>
+        </a:p>
+      </dsp:txBody>
+      <dsp:txXfrm rot="-5400000">
+        <a:off x="1" y="2359802"/>
+        <a:ext cx="544587" cy="233395"/>
+      </dsp:txXfrm>
+    </dsp:sp>
+    <dsp:sp modelId="{4DA57521-64C1-4087-B4E2-1F2E66E5C789}">
+      <dsp:nvSpPr>
+        <dsp:cNvPr id="0" name=""/>
+        <dsp:cNvSpPr/>
+      </dsp:nvSpPr>
+      <dsp:spPr>
+        <a:xfrm rot="5400000">
+          <a:off x="3497051" y="-864955"/>
+          <a:ext cx="505688" cy="6410615"/>
+        </a:xfrm>
+        <a:prstGeom prst="round2SameRect">
+          <a:avLst/>
+        </a:prstGeom>
+        <a:solidFill>
+          <a:schemeClr val="lt1">
+            <a:alpha val="90000"/>
+            <a:hueOff val="0"/>
+            <a:satOff val="0"/>
+            <a:lumOff val="0"/>
+            <a:alphaOff val="0"/>
+          </a:schemeClr>
+        </a:solidFill>
+        <a:ln w="19050" cap="rnd" cmpd="sng" algn="ctr">
+          <a:solidFill>
+            <a:schemeClr val="accent1">
+              <a:hueOff val="0"/>
+              <a:satOff val="0"/>
+              <a:lumOff val="0"/>
+              <a:alphaOff val="0"/>
+            </a:schemeClr>
+          </a:solidFill>
+          <a:prstDash val="solid"/>
+        </a:ln>
+        <a:effectLst/>
+      </dsp:spPr>
+      <dsp:style>
+        <a:lnRef idx="2">
+          <a:scrgbClr r="0" g="0" b="0"/>
+        </a:lnRef>
+        <a:fillRef idx="1">
+          <a:scrgbClr r="0" g="0" b="0"/>
+        </a:fillRef>
+        <a:effectRef idx="0">
+          <a:scrgbClr r="0" g="0" b="0"/>
+        </a:effectRef>
+        <a:fontRef idx="minor"/>
+      </dsp:style>
+      <dsp:txBody>
+        <a:bodyPr spcFirstLastPara="0" vert="horz" wrap="square" lIns="142240" tIns="12700" rIns="12700" bIns="12700" numCol="1" spcCol="1270" anchor="ctr" anchorCtr="0">
+          <a:noAutofit/>
+        </a:bodyPr>
+        <a:lstStyle/>
+        <a:p>
+          <a:pPr marL="228600" lvl="1" indent="-228600" algn="l" defTabSz="889000">
+            <a:lnSpc>
+              <a:spcPct val="90000"/>
+            </a:lnSpc>
+            <a:spcBef>
+              <a:spcPct val="0"/>
+            </a:spcBef>
+            <a:spcAft>
+              <a:spcPct val="15000"/>
+            </a:spcAft>
+            <a:buNone/>
+          </a:pPr>
+          <a:r>
+            <a:rPr lang="es-ES" sz="2000" kern="1200"/>
+            <a:t>Defina cómo se utilizarán los datos conectados.</a:t>
+          </a:r>
+        </a:p>
+      </dsp:txBody>
+      <dsp:txXfrm rot="-5400000">
+        <a:off x="544588" y="2112194"/>
+        <a:ext cx="6385929" cy="456316"/>
+      </dsp:txXfrm>
+    </dsp:sp>
+    <dsp:sp modelId="{8BCB014B-23EF-4BBB-B03A-98893BC136B7}">
+      <dsp:nvSpPr>
+        <dsp:cNvPr id="0" name=""/>
+        <dsp:cNvSpPr/>
+      </dsp:nvSpPr>
+      <dsp:spPr>
+        <a:xfrm rot="5400000">
+          <a:off x="-116697" y="2898047"/>
+          <a:ext cx="777982" cy="544587"/>
+        </a:xfrm>
+        <a:prstGeom prst="chevron">
+          <a:avLst/>
+        </a:prstGeom>
+        <a:solidFill>
+          <a:schemeClr val="accent1">
+            <a:hueOff val="0"/>
+            <a:satOff val="0"/>
+            <a:lumOff val="0"/>
+            <a:alphaOff val="0"/>
+          </a:schemeClr>
+        </a:solidFill>
+        <a:ln w="19050" cap="rnd" cmpd="sng" algn="ctr">
+          <a:solidFill>
+            <a:schemeClr val="accent1">
+              <a:hueOff val="0"/>
+              <a:satOff val="0"/>
+              <a:lumOff val="0"/>
+              <a:alphaOff val="0"/>
+            </a:schemeClr>
+          </a:solidFill>
+          <a:prstDash val="solid"/>
+        </a:ln>
+        <a:effectLst/>
+      </dsp:spPr>
+      <dsp:style>
+        <a:lnRef idx="2">
+          <a:scrgbClr r="0" g="0" b="0"/>
+        </a:lnRef>
+        <a:fillRef idx="1">
+          <a:scrgbClr r="0" g="0" b="0"/>
+        </a:fillRef>
+        <a:effectRef idx="0">
+          <a:scrgbClr r="0" g="0" b="0"/>
+        </a:effectRef>
+        <a:fontRef idx="minor">
+          <a:schemeClr val="lt1"/>
+        </a:fontRef>
+      </dsp:style>
+      <dsp:txBody>
+        <a:bodyPr spcFirstLastPara="0" vert="horz" wrap="square" lIns="12700" tIns="12700" rIns="12700" bIns="12700" numCol="1" spcCol="1270" anchor="ctr" anchorCtr="0">
+          <a:noAutofit/>
+        </a:bodyPr>
+        <a:lstStyle/>
+        <a:p>
+          <a:pPr marL="0" lvl="0" indent="0" algn="ctr" defTabSz="889000">
+            <a:lnSpc>
+              <a:spcPct val="90000"/>
+            </a:lnSpc>
+            <a:spcBef>
+              <a:spcPct val="0"/>
+            </a:spcBef>
+            <a:spcAft>
+              <a:spcPct val="35000"/>
+            </a:spcAft>
+            <a:buNone/>
+          </a:pPr>
+          <a:r>
+            <a:rPr lang="es-ES" sz="2000" b="1" kern="1200" dirty="0"/>
+            <a:t>5</a:t>
+          </a:r>
+          <a:endParaRPr lang="es-ES" sz="2000" kern="1200" dirty="0"/>
+        </a:p>
+      </dsp:txBody>
+      <dsp:txXfrm rot="-5400000">
+        <a:off x="1" y="3053644"/>
+        <a:ext cx="544587" cy="233395"/>
+      </dsp:txXfrm>
+    </dsp:sp>
+    <dsp:sp modelId="{30D49103-E33C-457C-8CA8-3D7485B9EAA1}">
+      <dsp:nvSpPr>
+        <dsp:cNvPr id="0" name=""/>
+        <dsp:cNvSpPr/>
+      </dsp:nvSpPr>
+      <dsp:spPr>
+        <a:xfrm rot="5400000">
+          <a:off x="3497051" y="-171113"/>
+          <a:ext cx="505688" cy="6410615"/>
+        </a:xfrm>
+        <a:prstGeom prst="round2SameRect">
+          <a:avLst/>
+        </a:prstGeom>
+        <a:solidFill>
+          <a:schemeClr val="lt1">
+            <a:alpha val="90000"/>
+            <a:hueOff val="0"/>
+            <a:satOff val="0"/>
+            <a:lumOff val="0"/>
+            <a:alphaOff val="0"/>
+          </a:schemeClr>
+        </a:solidFill>
+        <a:ln w="19050" cap="rnd" cmpd="sng" algn="ctr">
+          <a:solidFill>
+            <a:schemeClr val="accent1">
+              <a:hueOff val="0"/>
+              <a:satOff val="0"/>
+              <a:lumOff val="0"/>
+              <a:alphaOff val="0"/>
+            </a:schemeClr>
+          </a:solidFill>
+          <a:prstDash val="solid"/>
+        </a:ln>
+        <a:effectLst/>
+      </dsp:spPr>
+      <dsp:style>
+        <a:lnRef idx="2">
+          <a:scrgbClr r="0" g="0" b="0"/>
+        </a:lnRef>
+        <a:fillRef idx="1">
+          <a:scrgbClr r="0" g="0" b="0"/>
+        </a:fillRef>
+        <a:effectRef idx="0">
+          <a:scrgbClr r="0" g="0" b="0"/>
+        </a:effectRef>
+        <a:fontRef idx="minor"/>
+      </dsp:style>
+      <dsp:txBody>
+        <a:bodyPr spcFirstLastPara="0" vert="horz" wrap="square" lIns="142240" tIns="12700" rIns="12700" bIns="12700" numCol="1" spcCol="1270" anchor="ctr" anchorCtr="0">
+          <a:noAutofit/>
+        </a:bodyPr>
+        <a:lstStyle/>
+        <a:p>
+          <a:pPr marL="228600" lvl="1" indent="-228600" algn="l" defTabSz="889000">
+            <a:lnSpc>
+              <a:spcPct val="90000"/>
+            </a:lnSpc>
+            <a:spcBef>
+              <a:spcPct val="0"/>
+            </a:spcBef>
+            <a:spcAft>
+              <a:spcPct val="15000"/>
+            </a:spcAft>
+            <a:buNone/>
+          </a:pPr>
+          <a:r>
+            <a:rPr lang="es-ES" sz="2000" kern="1200"/>
+            <a:t>Crea vistas y personaliza la apariencia.</a:t>
+          </a:r>
+        </a:p>
+      </dsp:txBody>
+      <dsp:txXfrm rot="-5400000">
+        <a:off x="544588" y="2806036"/>
+        <a:ext cx="6385929" cy="456316"/>
+      </dsp:txXfrm>
+    </dsp:sp>
+    <dsp:sp modelId="{E36ED771-F09E-405E-BB5A-90014EF6DF1C}">
+      <dsp:nvSpPr>
+        <dsp:cNvPr id="0" name=""/>
+        <dsp:cNvSpPr/>
+      </dsp:nvSpPr>
+      <dsp:spPr>
+        <a:xfrm rot="5400000">
+          <a:off x="-116697" y="3591888"/>
+          <a:ext cx="777982" cy="544587"/>
+        </a:xfrm>
+        <a:prstGeom prst="chevron">
+          <a:avLst/>
+        </a:prstGeom>
+        <a:solidFill>
+          <a:schemeClr val="accent1">
+            <a:hueOff val="0"/>
+            <a:satOff val="0"/>
+            <a:lumOff val="0"/>
+            <a:alphaOff val="0"/>
+          </a:schemeClr>
+        </a:solidFill>
+        <a:ln w="19050" cap="rnd" cmpd="sng" algn="ctr">
+          <a:solidFill>
+            <a:schemeClr val="accent1">
+              <a:hueOff val="0"/>
+              <a:satOff val="0"/>
+              <a:lumOff val="0"/>
+              <a:alphaOff val="0"/>
+            </a:schemeClr>
+          </a:solidFill>
+          <a:prstDash val="solid"/>
+        </a:ln>
+        <a:effectLst/>
+      </dsp:spPr>
+      <dsp:style>
+        <a:lnRef idx="2">
+          <a:scrgbClr r="0" g="0" b="0"/>
+        </a:lnRef>
+        <a:fillRef idx="1">
+          <a:scrgbClr r="0" g="0" b="0"/>
+        </a:fillRef>
+        <a:effectRef idx="0">
+          <a:scrgbClr r="0" g="0" b="0"/>
+        </a:effectRef>
+        <a:fontRef idx="minor">
+          <a:schemeClr val="lt1"/>
+        </a:fontRef>
+      </dsp:style>
+      <dsp:txBody>
+        <a:bodyPr spcFirstLastPara="0" vert="horz" wrap="square" lIns="12700" tIns="12700" rIns="12700" bIns="12700" numCol="1" spcCol="1270" anchor="ctr" anchorCtr="0">
+          <a:noAutofit/>
+        </a:bodyPr>
+        <a:lstStyle/>
+        <a:p>
+          <a:pPr marL="0" lvl="0" indent="0" algn="ctr" defTabSz="889000">
+            <a:lnSpc>
+              <a:spcPct val="90000"/>
+            </a:lnSpc>
+            <a:spcBef>
+              <a:spcPct val="0"/>
+            </a:spcBef>
+            <a:spcAft>
+              <a:spcPct val="35000"/>
+            </a:spcAft>
+            <a:buNone/>
+          </a:pPr>
+          <a:r>
+            <a:rPr lang="es-ES" sz="2000" b="1" kern="1200" dirty="0"/>
+            <a:t>6</a:t>
+          </a:r>
+          <a:endParaRPr lang="es-ES" sz="2000" kern="1200" dirty="0"/>
+        </a:p>
+      </dsp:txBody>
+      <dsp:txXfrm rot="-5400000">
+        <a:off x="1" y="3747485"/>
+        <a:ext cx="544587" cy="233395"/>
+      </dsp:txXfrm>
+    </dsp:sp>
+    <dsp:sp modelId="{485489C7-E87B-488B-BB7A-E1899997107C}">
+      <dsp:nvSpPr>
+        <dsp:cNvPr id="0" name=""/>
+        <dsp:cNvSpPr/>
+      </dsp:nvSpPr>
+      <dsp:spPr>
+        <a:xfrm rot="5400000">
+          <a:off x="3497051" y="522728"/>
+          <a:ext cx="505688" cy="6410615"/>
+        </a:xfrm>
+        <a:prstGeom prst="round2SameRect">
+          <a:avLst/>
+        </a:prstGeom>
+        <a:solidFill>
+          <a:schemeClr val="lt1">
+            <a:alpha val="90000"/>
+            <a:hueOff val="0"/>
+            <a:satOff val="0"/>
+            <a:lumOff val="0"/>
+            <a:alphaOff val="0"/>
+          </a:schemeClr>
+        </a:solidFill>
+        <a:ln w="19050" cap="rnd" cmpd="sng" algn="ctr">
+          <a:solidFill>
+            <a:schemeClr val="accent1">
+              <a:hueOff val="0"/>
+              <a:satOff val="0"/>
+              <a:lumOff val="0"/>
+              <a:alphaOff val="0"/>
+            </a:schemeClr>
+          </a:solidFill>
+          <a:prstDash val="solid"/>
+        </a:ln>
+        <a:effectLst/>
+      </dsp:spPr>
+      <dsp:style>
+        <a:lnRef idx="2">
+          <a:scrgbClr r="0" g="0" b="0"/>
+        </a:lnRef>
+        <a:fillRef idx="1">
+          <a:scrgbClr r="0" g="0" b="0"/>
+        </a:fillRef>
+        <a:effectRef idx="0">
+          <a:scrgbClr r="0" g="0" b="0"/>
+        </a:effectRef>
+        <a:fontRef idx="minor"/>
+      </dsp:style>
+      <dsp:txBody>
+        <a:bodyPr spcFirstLastPara="0" vert="horz" wrap="square" lIns="142240" tIns="12700" rIns="12700" bIns="12700" numCol="1" spcCol="1270" anchor="ctr" anchorCtr="0">
+          <a:noAutofit/>
+        </a:bodyPr>
+        <a:lstStyle/>
+        <a:p>
+          <a:pPr marL="228600" lvl="1" indent="-228600" algn="l" defTabSz="889000">
+            <a:lnSpc>
+              <a:spcPct val="90000"/>
+            </a:lnSpc>
+            <a:spcBef>
+              <a:spcPct val="0"/>
+            </a:spcBef>
+            <a:spcAft>
+              <a:spcPct val="15000"/>
+            </a:spcAft>
+            <a:buNone/>
+          </a:pPr>
+          <a:r>
+            <a:rPr lang="es-ES" sz="2000" kern="1200"/>
+            <a:t>Crear bots para ejecutar automatizaciones.</a:t>
+          </a:r>
+        </a:p>
+      </dsp:txBody>
+      <dsp:txXfrm rot="-5400000">
+        <a:off x="544588" y="3499877"/>
+        <a:ext cx="6385929" cy="456316"/>
+      </dsp:txXfrm>
+    </dsp:sp>
+    <dsp:sp modelId="{46FB4409-531D-4515-8659-E552B402490B}">
+      <dsp:nvSpPr>
+        <dsp:cNvPr id="0" name=""/>
+        <dsp:cNvSpPr/>
+      </dsp:nvSpPr>
+      <dsp:spPr>
+        <a:xfrm rot="5400000">
+          <a:off x="-116697" y="4285730"/>
+          <a:ext cx="777982" cy="544587"/>
+        </a:xfrm>
+        <a:prstGeom prst="chevron">
+          <a:avLst/>
+        </a:prstGeom>
+        <a:solidFill>
+          <a:schemeClr val="accent1">
+            <a:hueOff val="0"/>
+            <a:satOff val="0"/>
+            <a:lumOff val="0"/>
+            <a:alphaOff val="0"/>
+          </a:schemeClr>
+        </a:solidFill>
+        <a:ln w="19050" cap="rnd" cmpd="sng" algn="ctr">
+          <a:solidFill>
+            <a:schemeClr val="accent1">
+              <a:hueOff val="0"/>
+              <a:satOff val="0"/>
+              <a:lumOff val="0"/>
+              <a:alphaOff val="0"/>
+            </a:schemeClr>
+          </a:solidFill>
+          <a:prstDash val="solid"/>
+        </a:ln>
+        <a:effectLst/>
+      </dsp:spPr>
+      <dsp:style>
+        <a:lnRef idx="2">
+          <a:scrgbClr r="0" g="0" b="0"/>
+        </a:lnRef>
+        <a:fillRef idx="1">
+          <a:scrgbClr r="0" g="0" b="0"/>
+        </a:fillRef>
+        <a:effectRef idx="0">
+          <a:scrgbClr r="0" g="0" b="0"/>
+        </a:effectRef>
+        <a:fontRef idx="minor">
+          <a:schemeClr val="lt1"/>
+        </a:fontRef>
+      </dsp:style>
+      <dsp:txBody>
+        <a:bodyPr spcFirstLastPara="0" vert="horz" wrap="square" lIns="12700" tIns="12700" rIns="12700" bIns="12700" numCol="1" spcCol="1270" anchor="ctr" anchorCtr="0">
+          <a:noAutofit/>
+        </a:bodyPr>
+        <a:lstStyle/>
+        <a:p>
+          <a:pPr marL="0" lvl="0" indent="0" algn="ctr" defTabSz="889000">
+            <a:lnSpc>
+              <a:spcPct val="90000"/>
+            </a:lnSpc>
+            <a:spcBef>
+              <a:spcPct val="0"/>
+            </a:spcBef>
+            <a:spcAft>
+              <a:spcPct val="35000"/>
+            </a:spcAft>
+            <a:buNone/>
+          </a:pPr>
+          <a:r>
+            <a:rPr lang="es-ES" sz="2000" kern="1200" dirty="0"/>
+            <a:t>7</a:t>
+          </a:r>
+        </a:p>
+      </dsp:txBody>
+      <dsp:txXfrm rot="-5400000">
+        <a:off x="1" y="4441327"/>
+        <a:ext cx="544587" cy="233395"/>
+      </dsp:txXfrm>
+    </dsp:sp>
+    <dsp:sp modelId="{F5FC5DCA-18C6-4FB0-A744-3159ABFAACA0}">
+      <dsp:nvSpPr>
+        <dsp:cNvPr id="0" name=""/>
+        <dsp:cNvSpPr/>
+      </dsp:nvSpPr>
+      <dsp:spPr>
+        <a:xfrm rot="5400000">
+          <a:off x="3497051" y="1216569"/>
+          <a:ext cx="505688" cy="6410615"/>
+        </a:xfrm>
+        <a:prstGeom prst="round2SameRect">
+          <a:avLst/>
+        </a:prstGeom>
+        <a:solidFill>
+          <a:schemeClr val="lt1">
+            <a:alpha val="90000"/>
+            <a:hueOff val="0"/>
+            <a:satOff val="0"/>
+            <a:lumOff val="0"/>
+            <a:alphaOff val="0"/>
+          </a:schemeClr>
+        </a:solidFill>
+        <a:ln w="19050" cap="rnd" cmpd="sng" algn="ctr">
+          <a:solidFill>
+            <a:schemeClr val="accent1">
+              <a:hueOff val="0"/>
+              <a:satOff val="0"/>
+              <a:lumOff val="0"/>
+              <a:alphaOff val="0"/>
+            </a:schemeClr>
+          </a:solidFill>
+          <a:prstDash val="solid"/>
+        </a:ln>
+        <a:effectLst/>
+      </dsp:spPr>
+      <dsp:style>
+        <a:lnRef idx="2">
+          <a:scrgbClr r="0" g="0" b="0"/>
+        </a:lnRef>
+        <a:fillRef idx="1">
+          <a:scrgbClr r="0" g="0" b="0"/>
+        </a:fillRef>
+        <a:effectRef idx="0">
+          <a:scrgbClr r="0" g="0" b="0"/>
+        </a:effectRef>
+        <a:fontRef idx="minor"/>
+      </dsp:style>
+      <dsp:txBody>
+        <a:bodyPr spcFirstLastPara="0" vert="horz" wrap="square" lIns="142240" tIns="12700" rIns="12700" bIns="12700" numCol="1" spcCol="1270" anchor="ctr" anchorCtr="0">
+          <a:noAutofit/>
+        </a:bodyPr>
+        <a:lstStyle/>
+        <a:p>
+          <a:pPr marL="228600" lvl="1" indent="-228600" algn="l" defTabSz="889000">
+            <a:lnSpc>
+              <a:spcPct val="90000"/>
+            </a:lnSpc>
+            <a:spcBef>
+              <a:spcPct val="0"/>
+            </a:spcBef>
+            <a:spcAft>
+              <a:spcPct val="15000"/>
+            </a:spcAft>
+            <a:buNone/>
+          </a:pPr>
+          <a:r>
+            <a:rPr lang="es-ES" sz="2000" b="0" kern="1200" dirty="0"/>
+            <a:t>Prueba, comparte e implementa la aplicación.</a:t>
+          </a:r>
+        </a:p>
+      </dsp:txBody>
+      <dsp:txXfrm rot="-5400000">
+        <a:off x="544588" y="4193718"/>
+        <a:ext cx="6385929" cy="456316"/>
+      </dsp:txXfrm>
+    </dsp:sp>
+  </dsp:spTree>
+</dsp:drawing>
+</file>
+
+<file path=ppt/diagrams/layout1.xml><?xml version="1.0" encoding="utf-8"?>
+<dgm:layoutDef xmlns:dgm="http://schemas.openxmlformats.org/drawingml/2006/diagram" xmlns:a="http://schemas.openxmlformats.org/drawingml/2006/main" uniqueId="urn:microsoft.com/office/officeart/2005/8/layout/chevron2">
+  <dgm:title val=""/>
+  <dgm:desc val=""/>
+  <dgm:catLst>
+    <dgm:cat type="process" pri="12000"/>
+    <dgm:cat type="list" pri="16000"/>
+    <dgm:cat type="convert" pri="11000"/>
+  </dgm:catLst>
+  <dgm:sampData>
+    <dgm:dataModel>
+      <dgm:ptLst>
+        <dgm:pt modelId="0" type="doc"/>
+        <dgm:pt modelId="1">
+          <dgm:prSet phldr="1"/>
+        </dgm:pt>
+        <dgm:pt modelId="11">
+          <dgm:prSet phldr="1"/>
+        </dgm:pt>
+        <dgm:pt modelId="12">
+          <dgm:prSet phldr="1"/>
+        </dgm:pt>
+        <dgm:pt modelId="2">
+          <dgm:prSet phldr="1"/>
+        </dgm:pt>
+        <dgm:pt modelId="21">
+          <dgm:prSet phldr="1"/>
+        </dgm:pt>
+        <dgm:pt modelId="22">
+          <dgm:prSet phldr="1"/>
+        </dgm:pt>
+        <dgm:pt modelId="3">
+          <dgm:prSet phldr="1"/>
+        </dgm:pt>
+        <dgm:pt modelId="31">
+          <dgm:prSet phldr="1"/>
+        </dgm:pt>
+        <dgm:pt modelId="32">
+          <dgm:prSet phldr="1"/>
+        </dgm:pt>
+      </dgm:ptLst>
+      <dgm:cxnLst>
+        <dgm:cxn modelId="4" srcId="0" destId="1" srcOrd="0" destOrd="0"/>
+        <dgm:cxn modelId="5" srcId="0" destId="2" srcOrd="1" destOrd="0"/>
+        <dgm:cxn modelId="6" srcId="0" destId="3" srcOrd="2" destOrd="0"/>
+        <dgm:cxn modelId="13" srcId="1" destId="11" srcOrd="0" destOrd="0"/>
+        <dgm:cxn modelId="14" srcId="1" destId="12" srcOrd="1" destOrd="0"/>
+        <dgm:cxn modelId="23" srcId="2" destId="21" srcOrd="0" destOrd="0"/>
+        <dgm:cxn modelId="24" srcId="2" destId="22" srcOrd="1" destOrd="0"/>
+        <dgm:cxn modelId="33" srcId="3" destId="31" srcOrd="0" destOrd="0"/>
+        <dgm:cxn modelId="34" srcId="3" destId="32" srcOrd="1" destOrd="0"/>
+      </dgm:cxnLst>
+      <dgm:bg/>
+      <dgm:whole/>
+    </dgm:dataModel>
+  </dgm:sampData>
+  <dgm:styleData>
+    <dgm:dataModel>
+      <dgm:ptLst>
+        <dgm:pt modelId="0" type="doc"/>
+        <dgm:pt modelId="1"/>
+      </dgm:ptLst>
+      <dgm:cxnLst>
+        <dgm:cxn modelId="4" srcId="0" destId="1" srcOrd="0" destOrd="0"/>
+      </dgm:cxnLst>
+      <dgm:bg/>
+      <dgm:whole/>
+    </dgm:dataModel>
+  </dgm:styleData>
+  <dgm:clrData>
+    <dgm:dataModel>
+      <dgm:ptLst>
+        <dgm:pt modelId="0" type="doc"/>
+        <dgm:pt modelId="1"/>
+        <dgm:pt modelId="11"/>
+        <dgm:pt modelId="2"/>
+        <dgm:pt modelId="21"/>
+        <dgm:pt modelId="3"/>
+        <dgm:pt modelId="31"/>
+        <dgm:pt modelId="4"/>
+        <dgm:pt modelId="41"/>
+      </dgm:ptLst>
+      <dgm:cxnLst>
+        <dgm:cxn modelId="5" srcId="0" destId="1" srcOrd="0" destOrd="0"/>
+        <dgm:cxn modelId="6" srcId="0" destId="2" srcOrd="1" destOrd="0"/>
+        <dgm:cxn modelId="7" srcId="0" destId="3" srcOrd="2" destOrd="0"/>
+        <dgm:cxn modelId="8" srcId="0" destId="4" srcOrd="3" destOrd="0"/>
+        <dgm:cxn modelId="13" srcId="1" destId="11" srcOrd="0" destOrd="0"/>
+        <dgm:cxn modelId="23" srcId="2" destId="21" srcOrd="0" destOrd="0"/>
+        <dgm:cxn modelId="33" srcId="3" destId="31" srcOrd="0" destOrd="0"/>
+        <dgm:cxn modelId="43" srcId="4" destId="41" srcOrd="0" destOrd="0"/>
+      </dgm:cxnLst>
+      <dgm:bg/>
+      <dgm:whole/>
+    </dgm:dataModel>
+  </dgm:clrData>
+  <dgm:layoutNode name="linearFlow">
+    <dgm:varLst>
+      <dgm:dir/>
+      <dgm:animLvl val="lvl"/>
+      <dgm:resizeHandles val="exact"/>
+    </dgm:varLst>
+    <dgm:alg type="lin">
+      <dgm:param type="linDir" val="fromT"/>
+      <dgm:param type="nodeHorzAlign" val="l"/>
+    </dgm:alg>
+    <dgm:shape xmlns:r="http://schemas.openxmlformats.org/officeDocument/2006/relationships" r:blip="">
+      <dgm:adjLst/>
+    </dgm:shape>
+    <dgm:presOf/>
+    <dgm:constrLst>
+      <dgm:constr type="h" for="ch" forName="composite" refType="h"/>
+      <dgm:constr type="w" for="ch" forName="composite" refType="w"/>
+      <dgm:constr type="h" for="des" forName="parentText" op="equ"/>
+      <dgm:constr type="h" for="ch" forName="sp" val="-14.88"/>
+      <dgm:constr type="h" for="ch" forName="sp" refType="w" refFor="des" refForName="parentText" op="gte" fact="-0.3"/>
+      <dgm:constr type="primFontSz" for="des" forName="parentText" op="equ" val="65"/>
+      <dgm:constr type="primFontSz" for="des" forName="descendantText" op="equ" val="65"/>
+    </dgm:constrLst>
+    <dgm:ruleLst/>
+    <dgm:forEach name="Name0" axis="ch" ptType="node">
+      <dgm:layoutNode name="composite">
+        <dgm:alg type="composite"/>
+        <dgm:shape xmlns:r="http://schemas.openxmlformats.org/officeDocument/2006/relationships" r:blip="">
+          <dgm:adjLst/>
+        </dgm:shape>
+        <dgm:presOf/>
+        <dgm:choose name="Name1">
+          <dgm:if name="Name2" func="var" arg="dir" op="equ" val="norm">
+            <dgm:constrLst>
+              <dgm:constr type="t" for="ch" forName="parentText"/>
+              <dgm:constr type="l" for="ch" forName="parentText"/>
+              <dgm:constr type="w" for="ch" forName="parentText" refType="w" fact="0.4"/>
+              <dgm:constr type="h" for="ch" forName="parentText" refType="h"/>
+              <dgm:constr type="w" for="ch" forName="parentText" refType="w" op="lte" fact="0.5"/>
+              <dgm:constr type="w" for="ch" forName="parentText" refType="h" refFor="ch" refForName="parentText" op="lte" fact="0.7"/>
+              <dgm:constr type="h" for="ch" forName="parentText" refType="w" refFor="ch" refForName="parentText" op="lte" fact="3"/>
+              <dgm:constr type="l" for="ch" forName="descendantText" refType="w" refFor="ch" refForName="parentText"/>
+              <dgm:constr type="w" for="ch" forName="descendantText" refType="w"/>
+              <dgm:constr type="wOff" for="ch" forName="descendantText" refType="w" refFor="ch" refForName="parentText" fact="-1"/>
+              <dgm:constr type="t" for="ch" forName="descendantText"/>
+              <dgm:constr type="b" for="ch" forName="descendantText" refType="h" refFor="ch" refForName="parentText"/>
+              <dgm:constr type="bOff" for="ch" forName="descendantText" refType="w" refFor="ch" refForName="parentText" fact="-0.5"/>
+            </dgm:constrLst>
+          </dgm:if>
+          <dgm:else name="Name3">
+            <dgm:constrLst>
+              <dgm:constr type="t" for="ch" forName="parentText"/>
+              <dgm:constr type="r" for="ch" forName="parentText" refType="w"/>
+              <dgm:constr type="w" for="ch" forName="parentText" refType="w" fact="0.4"/>
+              <dgm:constr type="h" for="ch" forName="parentText" refType="h"/>
+              <dgm:constr type="w" for="ch" forName="parentText" refType="w" op="lte" fact="0.5"/>
+              <dgm:constr type="w" for="ch" forName="parentText" refType="h" refFor="ch" refForName="parentText" op="lte" fact="0.7"/>
+              <dgm:constr type="h" for="ch" forName="parentText" refType="w" refFor="ch" refForName="parentText" op="lte" fact="3"/>
+              <dgm:constr type="l" for="ch" forName="descendantText"/>
+              <dgm:constr type="w" for="ch" forName="descendantText" refType="w"/>
+              <dgm:constr type="wOff" for="ch" forName="descendantText" refType="w" refFor="ch" refForName="parentText" fact="-1"/>
+              <dgm:constr type="t" for="ch" forName="descendantText"/>
+              <dgm:constr type="b" for="ch" forName="descendantText" refType="h" refFor="ch" refForName="parentText"/>
+              <dgm:constr type="bOff" for="ch" forName="descendantText" refType="w" refFor="ch" refForName="parentText" fact="-0.5"/>
+            </dgm:constrLst>
+          </dgm:else>
+        </dgm:choose>
+        <dgm:ruleLst/>
+        <dgm:layoutNode name="parentText" styleLbl="alignNode1">
+          <dgm:varLst>
+            <dgm:chMax val="1"/>
+            <dgm:bulletEnabled val="1"/>
+          </dgm:varLst>
+          <dgm:alg type="tx"/>
+          <dgm:shape xmlns:r="http://schemas.openxmlformats.org/officeDocument/2006/relationships" rot="90" type="chevron" r:blip="">
+            <dgm:adjLst/>
+          </dgm:shape>
+          <dgm:presOf axis="self" ptType="node"/>
+          <dgm:constrLst>
+            <dgm:constr type="lMarg" refType="primFontSz" fact="0.05"/>
+            <dgm:constr type="rMarg" refType="primFontSz" fact="0.05"/>
+            <dgm:constr type="tMarg" refType="primFontSz" fact="0.05"/>
+            <dgm:constr type="bMarg" refType="primFontSz" fact="0.05"/>
+          </dgm:constrLst>
+          <dgm:ruleLst>
+            <dgm:rule type="h" val="100" fact="NaN" max="NaN"/>
+            <dgm:rule type="primFontSz" val="24" fact="NaN" max="NaN"/>
+            <dgm:rule type="h" val="110" fact="NaN" max="NaN"/>
+            <dgm:rule type="primFontSz" val="18" fact="NaN" max="NaN"/>
+            <dgm:rule type="h" val="INF" fact="NaN" max="NaN"/>
+            <dgm:rule type="primFontSz" val="5" fact="NaN" max="NaN"/>
+          </dgm:ruleLst>
+        </dgm:layoutNode>
+        <dgm:layoutNode name="descendantText" styleLbl="alignAcc1">
+          <dgm:varLst>
+            <dgm:bulletEnabled val="1"/>
+          </dgm:varLst>
+          <dgm:choose name="Name4">
+            <dgm:if name="Name5" func="var" arg="dir" op="equ" val="norm">
+              <dgm:alg type="tx">
+                <dgm:param type="stBulletLvl" val="1"/>
+                <dgm:param type="txAnchorVertCh" val="mid"/>
+              </dgm:alg>
+              <dgm:shape xmlns:r="http://schemas.openxmlformats.org/officeDocument/2006/relationships" rot="90" type="round2SameRect" r:blip="">
+                <dgm:adjLst/>
+              </dgm:shape>
+            </dgm:if>
+            <dgm:else name="Name6">
+              <dgm:alg type="tx">
+                <dgm:param type="stBulletLvl" val="1"/>
+                <dgm:param type="txAnchorVertCh" val="mid"/>
+              </dgm:alg>
+              <dgm:shape xmlns:r="http://schemas.openxmlformats.org/officeDocument/2006/relationships" rot="-90" type="round2SameRect" r:blip="">
+                <dgm:adjLst/>
+              </dgm:shape>
+            </dgm:else>
+          </dgm:choose>
+          <dgm:presOf axis="des" ptType="node"/>
+          <dgm:choose name="Name7">
+            <dgm:if name="Name8" func="var" arg="dir" op="equ" val="norm">
+              <dgm:constrLst>
+                <dgm:constr type="secFontSz" refType="primFontSz"/>
+                <dgm:constr type="tMarg" refType="primFontSz" fact="0.05"/>
+                <dgm:constr type="bMarg" refType="primFontSz" fact="0.05"/>
+                <dgm:constr type="rMarg" refType="primFontSz" fact="0.05"/>
+              </dgm:constrLst>
+            </dgm:if>
+            <dgm:else name="Name9">
+              <dgm:constrLst>
+                <dgm:constr type="secFontSz" refType="primFontSz"/>
+                <dgm:constr type="tMarg" refType="primFontSz" fact="0.05"/>
+                <dgm:constr type="bMarg" refType="primFontSz" fact="0.05"/>
+                <dgm:constr type="lMarg" refType="primFontSz" fact="0.05"/>
+              </dgm:constrLst>
+            </dgm:else>
+          </dgm:choose>
+          <dgm:ruleLst>
+            <dgm:rule type="primFontSz" val="5" fact="NaN" max="NaN"/>
+          </dgm:ruleLst>
+        </dgm:layoutNode>
+      </dgm:layoutNode>
+      <dgm:forEach name="Name10" axis="followSib" ptType="sibTrans" cnt="1">
+        <dgm:layoutNode name="sp">
+          <dgm:alg type="sp"/>
+          <dgm:shape xmlns:r="http://schemas.openxmlformats.org/officeDocument/2006/relationships" r:blip="">
+            <dgm:adjLst/>
+          </dgm:shape>
+          <dgm:presOf axis="self"/>
+          <dgm:constrLst>
+            <dgm:constr type="w" val="1"/>
+            <dgm:constr type="h" val="37.5"/>
+          </dgm:constrLst>
+          <dgm:ruleLst/>
+        </dgm:layoutNode>
+      </dgm:forEach>
+    </dgm:forEach>
+  </dgm:layoutNode>
+</dgm:layoutDef>
+</file>
+
+<file path=ppt/diagrams/quickStyle1.xml><?xml version="1.0" encoding="utf-8"?>
+<dgm:styleDef xmlns:dgm="http://schemas.openxmlformats.org/drawingml/2006/diagram" xmlns:a="http://schemas.openxmlformats.org/drawingml/2006/main" uniqueId="urn:microsoft.com/office/officeart/2005/8/quickstyle/simple1">
+  <dgm:title val=""/>
+  <dgm:desc val=""/>
+  <dgm:catLst>
+    <dgm:cat type="simple" pri="10100"/>
+  </dgm:catLst>
+  <dgm:scene3d>
+    <a:camera prst="orthographicFront"/>
+    <a:lightRig rig="threePt" dir="t"/>
+  </dgm:scene3d>
+  <dgm:styleLbl name="node0">
+    <dgm:scene3d>
+      <a:camera prst="orthographicFront"/>
+      <a:lightRig rig="threePt" dir="t"/>
+    </dgm:scene3d>
+    <dgm:sp3d/>
+    <dgm:txPr/>
+    <dgm:style>
+      <a:lnRef idx="2">
+        <a:scrgbClr r="0" g="0" b="0"/>
+      </a:lnRef>
+      <a:fillRef idx="1">
+        <a:scrgbClr r="0" g="0" b="0"/>
+      </a:fillRef>
+      <a:effectRef idx="0">
+        <a:scrgbClr r="0" g="0" b="0"/>
+      </a:effectRef>
+      <a:fontRef idx="minor">
+        <a:schemeClr val="lt1"/>
+      </a:fontRef>
+    </dgm:style>
+  </dgm:styleLbl>
+  <dgm:styleLbl name="lnNode1">
+    <dgm:scene3d>
+      <a:camera prst="orthographicFront"/>
+      <a:lightRig rig="threePt" dir="t"/>
+    </dgm:scene3d>
+    <dgm:sp3d/>
+    <dgm:txPr/>
+    <dgm:style>
+      <a:lnRef idx="2">
+        <a:scrgbClr r="0" g="0" b="0"/>
+      </a:lnRef>
+      <a:fillRef idx="1">
+        <a:scrgbClr r="0" g="0" b="0"/>
+      </a:fillRef>
+      <a:effectRef idx="0">
+        <a:scrgbClr r="0" g="0" b="0"/>
+      </a:effectRef>
+      <a:fontRef idx="minor">
+        <a:schemeClr val="lt1"/>
+      </a:fontRef>
+    </dgm:style>
+  </dgm:styleLbl>
+  <dgm:styleLbl name="vennNode1">
+    <dgm:scene3d>
+      <a:camera prst="orthographicFront"/>
+      <a:lightRig rig="threePt" dir="t"/>
+    </dgm:scene3d>
+    <dgm:sp3d/>
+    <dgm:txPr/>
+    <dgm:style>
+      <a:lnRef idx="2">
+        <a:scrgbClr r="0" g="0" b="0"/>
+      </a:lnRef>
+      <a:fillRef idx="1">
+        <a:scrgbClr r="0" g="0" b="0"/>
+      </a:fillRef>
+      <a:effectRef idx="0">
+        <a:scrgbClr r="0" g="0" b="0"/>
+      </a:effectRef>
+      <a:fontRef idx="minor">
+        <a:schemeClr val="tx1"/>
+      </a:fontRef>
+    </dgm:style>
+  </dgm:styleLbl>
+  <dgm:styleLbl name="alignNode1">
+    <dgm:scene3d>
+      <a:camera prst="orthographicFront"/>
+      <a:lightRig rig="threePt" dir="t"/>
+    </dgm:scene3d>
+    <dgm:sp3d/>
+    <dgm:txPr/>
+    <dgm:style>
+      <a:lnRef idx="2">
+        <a:scrgbClr r="0" g="0" b="0"/>
+      </a:lnRef>
+      <a:fillRef idx="1">
+        <a:scrgbClr r="0" g="0" b="0"/>
+      </a:fillRef>
+      <a:effectRef idx="0">
+        <a:scrgbClr r="0" g="0" b="0"/>
+      </a:effectRef>
+      <a:fontRef idx="minor">
+        <a:schemeClr val="lt1"/>
+      </a:fontRef>
+    </dgm:style>
+  </dgm:styleLbl>
+  <dgm:styleLbl name="node1">
+    <dgm:scene3d>
+      <a:camera prst="orthographicFront"/>
+      <a:lightRig rig="threePt" dir="t"/>
+    </dgm:scene3d>
+    <dgm:sp3d/>
+    <dgm:txPr/>
+    <dgm:style>
+      <a:lnRef idx="2">
+        <a:scrgbClr r="0" g="0" b="0"/>
+      </a:lnRef>
+      <a:fillRef idx="1">
+        <a:scrgbClr r="0" g="0" b="0"/>
+      </a:fillRef>
+      <a:effectRef idx="0">
+        <a:scrgbClr r="0" g="0" b="0"/>
+      </a:effectRef>
+      <a:fontRef idx="minor">
+        <a:schemeClr val="lt1"/>
+      </a:fontRef>
+    </dgm:style>
+  </dgm:styleLbl>
+  <dgm:styleLbl name="node2">
+    <dgm:scene3d>
+      <a:camera prst="orthographicFront"/>
+      <a:lightRig rig="threePt" dir="t"/>
+    </dgm:scene3d>
+    <dgm:sp3d/>
+    <dgm:txPr/>
+    <dgm:style>
+      <a:lnRef idx="2">
+        <a:scrgbClr r="0" g="0" b="0"/>
+      </a:lnRef>
+      <a:fillRef idx="1">
+        <a:scrgbClr r="0" g="0" b="0"/>
+      </a:fillRef>
+      <a:effectRef idx="0">
+        <a:scrgbClr r="0" g="0" b="0"/>
+      </a:effectRef>
+      <a:fontRef idx="minor">
+        <a:schemeClr val="lt1"/>
+      </a:fontRef>
+    </dgm:style>
+  </dgm:styleLbl>
+  <dgm:styleLbl name="node3">
+    <dgm:scene3d>
+      <a:camera prst="orthographicFront"/>
+      <a:lightRig rig="threePt" dir="t"/>
+    </dgm:scene3d>
+    <dgm:sp3d/>
+    <dgm:txPr/>
+    <dgm:style>
+      <a:lnRef idx="2">
+        <a:scrgbClr r="0" g="0" b="0"/>
+      </a:lnRef>
+      <a:fillRef idx="1">
+        <a:scrgbClr r="0" g="0" b="0"/>
+      </a:fillRef>
+      <a:effectRef idx="0">
+        <a:scrgbClr r="0" g="0" b="0"/>
+      </a:effectRef>
+      <a:fontRef idx="minor">
+        <a:schemeClr val="lt1"/>
+      </a:fontRef>
+    </dgm:style>
+  </dgm:styleLbl>
+  <dgm:styleLbl name="node4">
+    <dgm:scene3d>
+      <a:camera prst="orthographicFront"/>
+      <a:lightRig rig="threePt" dir="t"/>
+    </dgm:scene3d>
+    <dgm:sp3d/>
+    <dgm:txPr/>
+    <dgm:style>
+      <a:lnRef idx="2">
+        <a:scrgbClr r="0" g="0" b="0"/>
+      </a:lnRef>
+      <a:fillRef idx="1">
+        <a:scrgbClr r="0" g="0" b="0"/>
+      </a:fillRef>
+      <a:effectRef idx="0">
+        <a:scrgbClr r="0" g="0" b="0"/>
+      </a:effectRef>
+      <a:fontRef idx="minor">
+        <a:schemeClr val="lt1"/>
+      </a:fontRef>
+    </dgm:style>
+  </dgm:styleLbl>
+  <dgm:styleLbl name="fgImgPlace1">
+    <dgm:scene3d>
+      <a:camera prst="orthographicFront"/>
+      <a:lightRig rig="threePt" dir="t"/>
+    </dgm:scene3d>
+    <dgm:sp3d/>
+    <dgm:txPr/>
+    <dgm:style>
+      <a:lnRef idx="2">
+        <a:scrgbClr r="0" g="0" b="0"/>
+      </a:lnRef>
+      <a:fillRef idx="1">
+        <a:scrgbClr r="0" g="0" b="0"/>
+      </a:fillRef>
+      <a:effectRef idx="0">
+        <a:scrgbClr r="0" g="0" b="0"/>
+      </a:effectRef>
+      <a:fontRef idx="minor"/>
+    </dgm:style>
+  </dgm:styleLbl>
+  <dgm:styleLbl name="alignImgPlace1">
+    <dgm:scene3d>
+      <a:camera prst="orthographicFront"/>
+      <a:lightRig rig="threePt" dir="t"/>
+    </dgm:scene3d>
+    <dgm:sp3d/>
+    <dgm:txPr/>
+    <dgm:style>
+      <a:lnRef idx="2">
+        <a:scrgbClr r="0" g="0" b="0"/>
+      </a:lnRef>
+      <a:fillRef idx="1">
+        <a:scrgbClr r="0" g="0" b="0"/>
+      </a:fillRef>
+      <a:effectRef idx="0">
+        <a:scrgbClr r="0" g="0" b="0"/>
+      </a:effectRef>
+      <a:fontRef idx="minor"/>
+    </dgm:style>
+  </dgm:styleLbl>
+  <dgm:styleLbl name="bgImgPlace1">
+    <dgm:scene3d>
+      <a:camera prst="orthographicFront"/>
+      <a:lightRig rig="threePt" dir="t"/>
+    </dgm:scene3d>
+    <dgm:sp3d/>
+    <dgm:txPr/>
+    <dgm:style>
+      <a:lnRef idx="2">
+        <a:scrgbClr r="0" g="0" b="0"/>
+      </a:lnRef>
+      <a:fillRef idx="1">
+        <a:scrgbClr r="0" g="0" b="0"/>
+      </a:fillRef>
+      <a:effectRef idx="0">
+        <a:scrgbClr r="0" g="0" b="0"/>
+      </a:effectRef>
+      <a:fontRef idx="minor"/>
+    </dgm:style>
+  </dgm:styleLbl>
+  <dgm:styleLbl name="sibTrans2D1">
+    <dgm:scene3d>
+      <a:camera prst="orthographicFront"/>
+      <a:lightRig rig="threePt" dir="t"/>
+    </dgm:scene3d>
+    <dgm:sp3d/>
+    <dgm:txPr/>
+    <dgm:style>
+      <a:lnRef idx="0">
+        <a:scrgbClr r="0" g="0" b="0"/>
+      </a:lnRef>
+      <a:fillRef idx="1">
+        <a:scrgbClr r="0" g="0" b="0"/>
+      </a:fillRef>
+      <a:effectRef idx="0">
+        <a:scrgbClr r="0" g="0" b="0"/>
+      </a:effectRef>
+      <a:fontRef idx="minor">
+        <a:schemeClr val="lt1"/>
+      </a:fontRef>
+    </dgm:style>
+  </dgm:styleLbl>
+  <dgm:styleLbl name="fgSibTrans2D1">
+    <dgm:scene3d>
+      <a:camera prst="orthographicFront"/>
+      <a:lightRig rig="threePt" dir="t"/>
+    </dgm:scene3d>
+    <dgm:sp3d/>
+    <dgm:txPr/>
+    <dgm:style>
+      <a:lnRef idx="0">
+        <a:scrgbClr r="0" g="0" b="0"/>
+      </a:lnRef>
+      <a:fillRef idx="1">
+        <a:scrgbClr r="0" g="0" b="0"/>
+      </a:fillRef>
+      <a:effectRef idx="0">
+        <a:scrgbClr r="0" g="0" b="0"/>
+      </a:effectRef>
+      <a:fontRef idx="minor">
+        <a:schemeClr val="lt1"/>
+      </a:fontRef>
+    </dgm:style>
+  </dgm:styleLbl>
+  <dgm:styleLbl name="bgSibTrans2D1">
+    <dgm:scene3d>
+      <a:camera prst="orthographicFront"/>
+      <a:lightRig rig="threePt" dir="t"/>
+    </dgm:scene3d>
+    <dgm:sp3d/>
+    <dgm:txPr/>
+    <dgm:style>
+      <a:lnRef idx="0">
+        <a:scrgbClr r="0" g="0" b="0"/>
+      </a:lnRef>
+      <a:fillRef idx="1">
+        <a:scrgbClr r="0" g="0" b="0"/>
+      </a:fillRef>
+      <a:effectRef idx="0">
+        <a:scrgbClr r="0" g="0" b="0"/>
+      </a:effectRef>
+      <a:fontRef idx="minor">
+        <a:schemeClr val="lt1"/>
+      </a:fontRef>
+    </dgm:style>
+  </dgm:styleLbl>
+  <dgm:styleLbl name="sibTrans1D1">
+    <dgm:scene3d>
+      <a:camera prst="orthographicFront"/>
+      <a:lightRig rig="threePt" dir="t"/>
+    </dgm:scene3d>
+    <dgm:sp3d/>
+    <dgm:txPr/>
+    <dgm:style>
+      <a:lnRef idx="1">
+        <a:scrgbClr r="0" g="0" b="0"/>
+      </a:lnRef>
+      <a:fillRef idx="0">
+        <a:scrgbClr r="0" g="0" b="0"/>
+      </a:fillRef>
+      <a:effectRef idx="0">
+        <a:scrgbClr r="0" g="0" b="0"/>
+      </a:effectRef>
+      <a:fontRef idx="minor"/>
+    </dgm:style>
+  </dgm:styleLbl>
+  <dgm:styleLbl name="callout">
+    <dgm:scene3d>
+      <a:camera prst="orthographicFront"/>
+      <a:lightRig rig="threePt" dir="t"/>
+    </dgm:scene3d>
+    <dgm:sp3d/>
+    <dgm:txPr/>
+    <dgm:style>
+      <a:lnRef idx="2">
+        <a:scrgbClr r="0" g="0" b="0"/>
+      </a:lnRef>
+      <a:fillRef idx="1">
+        <a:scrgbClr r="0" g="0" b="0"/>
+      </a:fillRef>
+      <a:effectRef idx="0">
+        <a:scrgbClr r="0" g="0" b="0"/>
+      </a:effectRef>
+      <a:fontRef idx="minor"/>
+    </dgm:style>
+  </dgm:styleLbl>
+  <dgm:styleLbl name="asst0">
+    <dgm:scene3d>
+      <a:camera prst="orthographicFront"/>
+      <a:lightRig rig="threePt" dir="t"/>
+    </dgm:scene3d>
+    <dgm:sp3d/>
+    <dgm:txPr/>
+    <dgm:style>
+      <a:lnRef idx="2">
+        <a:scrgbClr r="0" g="0" b="0"/>
+      </a:lnRef>
+      <a:fillRef idx="1">
+        <a:scrgbClr r="0" g="0" b="0"/>
+      </a:fillRef>
+      <a:effectRef idx="0">
+        <a:scrgbClr r="0" g="0" b="0"/>
+      </a:effectRef>
+      <a:fontRef idx="minor">
+        <a:schemeClr val="lt1"/>
+      </a:fontRef>
+    </dgm:style>
+  </dgm:styleLbl>
+  <dgm:styleLbl name="asst1">
+    <dgm:scene3d>
+      <a:camera prst="orthographicFront"/>
+      <a:lightRig rig="threePt" dir="t"/>
+    </dgm:scene3d>
+    <dgm:sp3d/>
+    <dgm:txPr/>
+    <dgm:style>
+      <a:lnRef idx="2">
+        <a:scrgbClr r="0" g="0" b="0"/>
+      </a:lnRef>
+      <a:fillRef idx="1">
+        <a:scrgbClr r="0" g="0" b="0"/>
+      </a:fillRef>
+      <a:effectRef idx="0">
+        <a:scrgbClr r="0" g="0" b="0"/>
+      </a:effectRef>
+      <a:fontRef idx="minor">
+        <a:schemeClr val="lt1"/>
+      </a:fontRef>
+    </dgm:style>
+  </dgm:styleLbl>
+  <dgm:styleLbl name="asst2">
+    <dgm:scene3d>
+      <a:camera prst="orthographicFront"/>
+      <a:lightRig rig="threePt" dir="t"/>
+    </dgm:scene3d>
+    <dgm:sp3d/>
+    <dgm:txPr/>
+    <dgm:style>
+      <a:lnRef idx="2">
+        <a:scrgbClr r="0" g="0" b="0"/>
+      </a:lnRef>
+      <a:fillRef idx="1">
+        <a:scrgbClr r="0" g="0" b="0"/>
+      </a:fillRef>
+      <a:effectRef idx="0">
+        <a:scrgbClr r="0" g="0" b="0"/>
+      </a:effectRef>
+      <a:fontRef idx="minor">
+        <a:schemeClr val="lt1"/>
+      </a:fontRef>
+    </dgm:style>
+  </dgm:styleLbl>
+  <dgm:styleLbl name="asst3">
+    <dgm:scene3d>
+      <a:camera prst="orthographicFront"/>
+      <a:lightRig rig="threePt" dir="t"/>
+    </dgm:scene3d>
+    <dgm:sp3d/>
+    <dgm:txPr/>
+    <dgm:style>
+      <a:lnRef idx="2">
+        <a:scrgbClr r="0" g="0" b="0"/>
+      </a:lnRef>
+      <a:fillRef idx="1">
+        <a:scrgbClr r="0" g="0" b="0"/>
+      </a:fillRef>
+      <a:effectRef idx="0">
+        <a:scrgbClr r="0" g="0" b="0"/>
+      </a:effectRef>
+      <a:fontRef idx="minor">
+        <a:schemeClr val="lt1"/>
+      </a:fontRef>
+    </dgm:style>
+  </dgm:styleLbl>
+  <dgm:styleLbl name="asst4">
+    <dgm:scene3d>
+      <a:camera prst="orthographicFront"/>
+      <a:lightRig rig="threePt" dir="t"/>
+    </dgm:scene3d>
+    <dgm:sp3d/>
+    <dgm:txPr/>
+    <dgm:style>
+      <a:lnRef idx="2">
+        <a:scrgbClr r="0" g="0" b="0"/>
+      </a:lnRef>
+      <a:fillRef idx="1">
+        <a:scrgbClr r="0" g="0" b="0"/>
+      </a:fillRef>
+      <a:effectRef idx="0">
+        <a:scrgbClr r="0" g="0" b="0"/>
+      </a:effectRef>
+      <a:fontRef idx="minor">
+        <a:schemeClr val="lt1"/>
+      </a:fontRef>
+    </dgm:style>
+  </dgm:styleLbl>
+  <dgm:styleLbl name="parChTrans2D1">
+    <dgm:scene3d>
+      <a:camera prst="orthographicFront"/>
+      <a:lightRig rig="threePt" dir="t"/>
+    </dgm:scene3d>
+    <dgm:sp3d/>
+    <dgm:txPr/>
+    <dgm:style>
+      <a:lnRef idx="2">
+        <a:scrgbClr r="0" g="0" b="0"/>
+      </a:lnRef>
+      <a:fillRef idx="1">
+        <a:scrgbClr r="0" g="0" b="0"/>
+      </a:fillRef>
+      <a:effectRef idx="0">
+        <a:scrgbClr r="0" g="0" b="0"/>
+      </a:effectRef>
+      <a:fontRef idx="minor">
+        <a:schemeClr val="lt1"/>
+      </a:fontRef>
+    </dgm:style>
+  </dgm:styleLbl>
+  <dgm:styleLbl name="parChTrans2D2">
+    <dgm:scene3d>
+      <a:camera prst="orthographicFront"/>
+      <a:lightRig rig="threePt" dir="t"/>
+    </dgm:scene3d>
+    <dgm:sp3d/>
+    <dgm:txPr/>
+    <dgm:style>
+      <a:lnRef idx="2">
+        <a:scrgbClr r="0" g="0" b="0"/>
+      </a:lnRef>
+      <a:fillRef idx="1">
+        <a:scrgbClr r="0" g="0" b="0"/>
+      </a:fillRef>
+      <a:effectRef idx="0">
+        <a:scrgbClr r="0" g="0" b="0"/>
+      </a:effectRef>
+      <a:fontRef idx="minor">
+        <a:schemeClr val="lt1"/>
+      </a:fontRef>
+    </dgm:style>
+  </dgm:styleLbl>
+  <dgm:styleLbl name="parChTrans2D3">
+    <dgm:scene3d>
+      <a:camera prst="orthographicFront"/>
+      <a:lightRig rig="threePt" dir="t"/>
+    </dgm:scene3d>
+    <dgm:sp3d/>
+    <dgm:txPr/>
+    <dgm:style>
+      <a:lnRef idx="2">
+        <a:scrgbClr r="0" g="0" b="0"/>
+      </a:lnRef>
+      <a:fillRef idx="1">
+        <a:scrgbClr r="0" g="0" b="0"/>
+      </a:fillRef>
+      <a:effectRef idx="0">
+        <a:scrgbClr r="0" g="0" b="0"/>
+      </a:effectRef>
+      <a:fontRef idx="minor">
+        <a:schemeClr val="lt1"/>
+      </a:fontRef>
+    </dgm:style>
+  </dgm:styleLbl>
+  <dgm:styleLbl name="parChTrans2D4">
+    <dgm:scene3d>
+      <a:camera prst="orthographicFront"/>
+      <a:lightRig rig="threePt" dir="t"/>
+    </dgm:scene3d>
+    <dgm:sp3d/>
+    <dgm:txPr/>
+    <dgm:style>
+      <a:lnRef idx="2">
+        <a:scrgbClr r="0" g="0" b="0"/>
+      </a:lnRef>
+      <a:fillRef idx="1">
+        <a:scrgbClr r="0" g="0" b="0"/>
+      </a:fillRef>
+      <a:effectRef idx="0">
+        <a:scrgbClr r="0" g="0" b="0"/>
+      </a:effectRef>
+      <a:fontRef idx="minor">
+        <a:schemeClr val="lt1"/>
+      </a:fontRef>
+    </dgm:style>
+  </dgm:styleLbl>
+  <dgm:styleLbl name="parChTrans1D1">
+    <dgm:scene3d>
+      <a:camera prst="orthographicFront"/>
+      <a:lightRig rig="threePt" dir="t"/>
+    </dgm:scene3d>
+    <dgm:sp3d/>
+    <dgm:txPr/>
+    <dgm:style>
+      <a:lnRef idx="2">
+        <a:scrgbClr r="0" g="0" b="0"/>
+      </a:lnRef>
+      <a:fillRef idx="0">
+        <a:scrgbClr r="0" g="0" b="0"/>
+      </a:fillRef>
+      <a:effectRef idx="0">
+        <a:scrgbClr r="0" g="0" b="0"/>
+      </a:effectRef>
+      <a:fontRef idx="minor"/>
+    </dgm:style>
+  </dgm:styleLbl>
+  <dgm:styleLbl name="parChTrans1D2">
+    <dgm:scene3d>
+      <a:camera prst="orthographicFront"/>
+      <a:lightRig rig="threePt" dir="t"/>
+    </dgm:scene3d>
+    <dgm:sp3d/>
+    <dgm:txPr/>
+    <dgm:style>
+      <a:lnRef idx="2">
+        <a:scrgbClr r="0" g="0" b="0"/>
+      </a:lnRef>
+      <a:fillRef idx="0">
+        <a:scrgbClr r="0" g="0" b="0"/>
+      </a:fillRef>
+      <a:effectRef idx="0">
+        <a:scrgbClr r="0" g="0" b="0"/>
+      </a:effectRef>
+      <a:fontRef idx="minor"/>
+    </dgm:style>
+  </dgm:styleLbl>
+  <dgm:styleLbl name="parChTrans1D3">
+    <dgm:scene3d>
+      <a:camera prst="orthographicFront"/>
+      <a:lightRig rig="threePt" dir="t"/>
+    </dgm:scene3d>
+    <dgm:sp3d/>
+    <dgm:txPr/>
+    <dgm:style>
+      <a:lnRef idx="2">
+        <a:scrgbClr r="0" g="0" b="0"/>
+      </a:lnRef>
+      <a:fillRef idx="0">
+        <a:scrgbClr r="0" g="0" b="0"/>
+      </a:fillRef>
+      <a:effectRef idx="0">
+        <a:scrgbClr r="0" g="0" b="0"/>
+      </a:effectRef>
+      <a:fontRef idx="minor"/>
+    </dgm:style>
+  </dgm:styleLbl>
+  <dgm:styleLbl name="parChTrans1D4">
+    <dgm:scene3d>
+      <a:camera prst="orthographicFront"/>
+      <a:lightRig rig="threePt" dir="t"/>
+    </dgm:scene3d>
+    <dgm:sp3d/>
+    <dgm:txPr/>
+    <dgm:style>
+      <a:lnRef idx="2">
+        <a:scrgbClr r="0" g="0" b="0"/>
+      </a:lnRef>
+      <a:fillRef idx="0">
+        <a:scrgbClr r="0" g="0" b="0"/>
+      </a:fillRef>
+      <a:effectRef idx="0">
+        <a:scrgbClr r="0" g="0" b="0"/>
+      </a:effectRef>
+      <a:fontRef idx="minor"/>
+    </dgm:style>
+  </dgm:styleLbl>
+  <dgm:styleLbl name="fgAcc1">
+    <dgm:scene3d>
+      <a:camera prst="orthographicFront"/>
+      <a:lightRig rig="threePt" dir="t"/>
+    </dgm:scene3d>
+    <dgm:sp3d/>
+    <dgm:txPr/>
+    <dgm:style>
+      <a:lnRef idx="2">
+        <a:scrgbClr r="0" g="0" b="0"/>
+      </a:lnRef>
+      <a:fillRef idx="1">
+        <a:scrgbClr r="0" g="0" b="0"/>
+      </a:fillRef>
+      <a:effectRef idx="0">
+        <a:scrgbClr r="0" g="0" b="0"/>
+      </a:effectRef>
+      <a:fontRef idx="minor"/>
+    </dgm:style>
+  </dgm:styleLbl>
+  <dgm:styleLbl name="conFgAcc1">
+    <dgm:scene3d>
+      <a:camera prst="orthographicFront"/>
+      <a:lightRig rig="threePt" dir="t"/>
+    </dgm:scene3d>
+    <dgm:sp3d/>
+    <dgm:txPr/>
+    <dgm:style>
+      <a:lnRef idx="2">
+        <a:scrgbClr r="0" g="0" b="0"/>
+      </a:lnRef>
+      <a:fillRef idx="1">
+        <a:scrgbClr r="0" g="0" b="0"/>
+      </a:fillRef>
+      <a:effectRef idx="0">
+        <a:scrgbClr r="0" g="0" b="0"/>
+      </a:effectRef>
+      <a:fontRef idx="minor"/>
+    </dgm:style>
+  </dgm:styleLbl>
+  <dgm:styleLbl name="alignAcc1">
+    <dgm:scene3d>
+      <a:camera prst="orthographicFront"/>
+      <a:lightRig rig="threePt" dir="t"/>
+    </dgm:scene3d>
+    <dgm:sp3d/>
+    <dgm:txPr/>
+    <dgm:style>
+      <a:lnRef idx="2">
+        <a:scrgbClr r="0" g="0" b="0"/>
+      </a:lnRef>
+      <a:fillRef idx="1">
+        <a:scrgbClr r="0" g="0" b="0"/>
+      </a:fillRef>
+      <a:effectRef idx="0">
+        <a:scrgbClr r="0" g="0" b="0"/>
+      </a:effectRef>
+      <a:fontRef idx="minor"/>
+    </dgm:style>
+  </dgm:styleLbl>
+  <dgm:styleLbl name="trAlignAcc1">
+    <dgm:scene3d>
+      <a:camera prst="orthographicFront"/>
+      <a:lightRig rig="threePt" dir="t"/>
+    </dgm:scene3d>
+    <dgm:sp3d/>
+    <dgm:txPr/>
+    <dgm:style>
+      <a:lnRef idx="1">
+        <a:scrgbClr r="0" g="0" b="0"/>
+      </a:lnRef>
+      <a:fillRef idx="1">
+        <a:scrgbClr r="0" g="0" b="0"/>
+      </a:fillRef>
+      <a:effectRef idx="0">
+        <a:scrgbClr r="0" g="0" b="0"/>
+      </a:effectRef>
+      <a:fontRef idx="minor"/>
+    </dgm:style>
+  </dgm:styleLbl>
+  <dgm:styleLbl name="bgAcc1">
+    <dgm:scene3d>
+      <a:camera prst="orthographicFront"/>
+      <a:lightRig rig="threePt" dir="t"/>
+    </dgm:scene3d>
+    <dgm:sp3d/>
+    <dgm:txPr/>
+    <dgm:style>
+      <a:lnRef idx="2">
+        <a:scrgbClr r="0" g="0" b="0"/>
+      </a:lnRef>
+      <a:fillRef idx="1">
+        <a:scrgbClr r="0" g="0" b="0"/>
+      </a:fillRef>
+      <a:effectRef idx="0">
+        <a:scrgbClr r="0" g="0" b="0"/>
+      </a:effectRef>
+      <a:fontRef idx="minor"/>
+    </dgm:style>
+  </dgm:styleLbl>
+  <dgm:styleLbl name="solidFgAcc1">
+    <dgm:scene3d>
+      <a:camera prst="orthographicFront"/>
+      <a:lightRig rig="threePt" dir="t"/>
+    </dgm:scene3d>
+    <dgm:sp3d/>
+    <dgm:txPr/>
+    <dgm:style>
+      <a:lnRef idx="2">
+        <a:scrgbClr r="0" g="0" b="0"/>
+      </a:lnRef>
+      <a:fillRef idx="1">
+        <a:scrgbClr r="0" g="0" b="0"/>
+      </a:fillRef>
+      <a:effectRef idx="0">
+        <a:scrgbClr r="0" g="0" b="0"/>
+      </a:effectRef>
+      <a:fontRef idx="minor"/>
+    </dgm:style>
+  </dgm:styleLbl>
+  <dgm:styleLbl name="solidAlignAcc1">
+    <dgm:scene3d>
+      <a:camera prst="orthographicFront"/>
+      <a:lightRig rig="threePt" dir="t"/>
+    </dgm:scene3d>
+    <dgm:sp3d/>
+    <dgm:txPr/>
+    <dgm:style>
+      <a:lnRef idx="2">
+        <a:scrgbClr r="0" g="0" b="0"/>
+      </a:lnRef>
+      <a:fillRef idx="1">
+        <a:scrgbClr r="0" g="0" b="0"/>
+      </a:fillRef>
+      <a:effectRef idx="0">
+        <a:scrgbClr r="0" g="0" b="0"/>
+      </a:effectRef>
+      <a:fontRef idx="minor"/>
+    </dgm:style>
+  </dgm:styleLbl>
+  <dgm:styleLbl name="solidBgAcc1">
+    <dgm:scene3d>
+      <a:camera prst="orthographicFront"/>
+      <a:lightRig rig="threePt" dir="t"/>
+    </dgm:scene3d>
+    <dgm:sp3d/>
+    <dgm:txPr/>
+    <dgm:style>
+      <a:lnRef idx="2">
+        <a:scrgbClr r="0" g="0" b="0"/>
+      </a:lnRef>
+      <a:fillRef idx="1">
+        <a:scrgbClr r="0" g="0" b="0"/>
+      </a:fillRef>
+      <a:effectRef idx="0">
+        <a:scrgbClr r="0" g="0" b="0"/>
+      </a:effectRef>
+      <a:fontRef idx="minor"/>
+    </dgm:style>
+  </dgm:styleLbl>
+  <dgm:styleLbl name="fgAccFollowNode1">
+    <dgm:scene3d>
+      <a:camera prst="orthographicFront"/>
+      <a:lightRig rig="threePt" dir="t"/>
+    </dgm:scene3d>
+    <dgm:sp3d/>
+    <dgm:txPr/>
+    <dgm:style>
+      <a:lnRef idx="2">
+        <a:scrgbClr r="0" g="0" b="0"/>
+      </a:lnRef>
+      <a:fillRef idx="1">
+        <a:scrgbClr r="0" g="0" b="0"/>
+      </a:fillRef>
+      <a:effectRef idx="0">
+        <a:scrgbClr r="0" g="0" b="0"/>
+      </a:effectRef>
+      <a:fontRef idx="minor"/>
+    </dgm:style>
+  </dgm:styleLbl>
+  <dgm:styleLbl name="alignAccFollowNode1">
+    <dgm:scene3d>
+      <a:camera prst="orthographicFront"/>
+      <a:lightRig rig="threePt" dir="t"/>
+    </dgm:scene3d>
+    <dgm:sp3d/>
+    <dgm:txPr/>
+    <dgm:style>
+      <a:lnRef idx="2">
+        <a:scrgbClr r="0" g="0" b="0"/>
+      </a:lnRef>
+      <a:fillRef idx="1">
+        <a:scrgbClr r="0" g="0" b="0"/>
+      </a:fillRef>
+      <a:effectRef idx="0">
+        <a:scrgbClr r="0" g="0" b="0"/>
+      </a:effectRef>
+      <a:fontRef idx="minor"/>
+    </dgm:style>
+  </dgm:styleLbl>
+  <dgm:styleLbl name="bgAccFollowNode1">
+    <dgm:scene3d>
+      <a:camera prst="orthographicFront"/>
+      <a:lightRig rig="threePt" dir="t"/>
+    </dgm:scene3d>
+    <dgm:sp3d/>
+    <dgm:txPr/>
+    <dgm:style>
+      <a:lnRef idx="2">
+        <a:scrgbClr r="0" g="0" b="0"/>
+      </a:lnRef>
+      <a:fillRef idx="1">
+        <a:scrgbClr r="0" g="0" b="0"/>
+      </a:fillRef>
+      <a:effectRef idx="0">
+        <a:scrgbClr r="0" g="0" b="0"/>
+      </a:effectRef>
+      <a:fontRef idx="minor"/>
+    </dgm:style>
+  </dgm:styleLbl>
+  <dgm:styleLbl name="fgAcc0">
+    <dgm:scene3d>
+      <a:camera prst="orthographicFront"/>
+      <a:lightRig rig="threePt" dir="t"/>
+    </dgm:scene3d>
+    <dgm:sp3d/>
+    <dgm:txPr/>
+    <dgm:style>
+      <a:lnRef idx="2">
+        <a:scrgbClr r="0" g="0" b="0"/>
+      </a:lnRef>
+      <a:fillRef idx="1">
+        <a:scrgbClr r="0" g="0" b="0"/>
+      </a:fillRef>
+      <a:effectRef idx="0">
+        <a:scrgbClr r="0" g="0" b="0"/>
+      </a:effectRef>
+      <a:fontRef idx="minor"/>
+    </dgm:style>
+  </dgm:styleLbl>
+  <dgm:styleLbl name="fgAcc2">
+    <dgm:scene3d>
+      <a:camera prst="orthographicFront"/>
+      <a:lightRig rig="threePt" dir="t"/>
+    </dgm:scene3d>
+    <dgm:sp3d/>
+    <dgm:txPr/>
+    <dgm:style>
+      <a:lnRef idx="2">
+        <a:scrgbClr r="0" g="0" b="0"/>
+      </a:lnRef>
+      <a:fillRef idx="1">
+        <a:scrgbClr r="0" g="0" b="0"/>
+      </a:fillRef>
+      <a:effectRef idx="0">
+        <a:scrgbClr r="0" g="0" b="0"/>
+      </a:effectRef>
+      <a:fontRef idx="minor"/>
+    </dgm:style>
+  </dgm:styleLbl>
+  <dgm:styleLbl name="fgAcc3">
+    <dgm:scene3d>
+      <a:camera prst="orthographicFront"/>
+      <a:lightRig rig="threePt" dir="t"/>
+    </dgm:scene3d>
+    <dgm:sp3d/>
+    <dgm:txPr/>
+    <dgm:style>
+      <a:lnRef idx="2">
+        <a:scrgbClr r="0" g="0" b="0"/>
+      </a:lnRef>
+      <a:fillRef idx="1">
+        <a:scrgbClr r="0" g="0" b="0"/>
+      </a:fillRef>
+      <a:effectRef idx="0">
+        <a:scrgbClr r="0" g="0" b="0"/>
+      </a:effectRef>
+      <a:fontRef idx="minor"/>
+    </dgm:style>
+  </dgm:styleLbl>
+  <dgm:styleLbl name="fgAcc4">
+    <dgm:scene3d>
+      <a:camera prst="orthographicFront"/>
+      <a:lightRig rig="threePt" dir="t"/>
+    </dgm:scene3d>
+    <dgm:sp3d/>
+    <dgm:txPr/>
+    <dgm:style>
+      <a:lnRef idx="2">
+        <a:scrgbClr r="0" g="0" b="0"/>
+      </a:lnRef>
+      <a:fillRef idx="1">
+        <a:scrgbClr r="0" g="0" b="0"/>
+      </a:fillRef>
+      <a:effectRef idx="0">
+        <a:scrgbClr r="0" g="0" b="0"/>
+      </a:effectRef>
+      <a:fontRef idx="minor"/>
+    </dgm:style>
+  </dgm:styleLbl>
+  <dgm:styleLbl name="bgShp">
+    <dgm:scene3d>
+      <a:camera prst="orthographicFront"/>
+      <a:lightRig rig="threePt" dir="t"/>
+    </dgm:scene3d>
+    <dgm:sp3d/>
+    <dgm:txPr/>
+    <dgm:style>
+      <a:lnRef idx="0">
+        <a:scrgbClr r="0" g="0" b="0"/>
+      </a:lnRef>
+      <a:fillRef idx="1">
+        <a:scrgbClr r="0" g="0" b="0"/>
+      </a:fillRef>
+      <a:effectRef idx="0">
+        <a:scrgbClr r="0" g="0" b="0"/>
+      </a:effectRef>
+      <a:fontRef idx="minor"/>
+    </dgm:style>
+  </dgm:styleLbl>
+  <dgm:styleLbl name="dkBgShp">
+    <dgm:scene3d>
+      <a:camera prst="orthographicFront"/>
+      <a:lightRig rig="threePt" dir="t"/>
+    </dgm:scene3d>
+    <dgm:sp3d/>
+    <dgm:txPr/>
+    <dgm:style>
+      <a:lnRef idx="0">
+        <a:scrgbClr r="0" g="0" b="0"/>
+      </a:lnRef>
+      <a:fillRef idx="1">
+        <a:scrgbClr r="0" g="0" b="0"/>
+      </a:fillRef>
+      <a:effectRef idx="0">
+        <a:scrgbClr r="0" g="0" b="0"/>
+      </a:effectRef>
+      <a:fontRef idx="minor"/>
+    </dgm:style>
+  </dgm:styleLbl>
+  <dgm:styleLbl name="trBgShp">
+    <dgm:scene3d>
+      <a:camera prst="orthographicFront"/>
+      <a:lightRig rig="threePt" dir="t"/>
+    </dgm:scene3d>
+    <dgm:sp3d/>
+    <dgm:txPr/>
+    <dgm:style>
+      <a:lnRef idx="0">
+        <a:scrgbClr r="0" g="0" b="0"/>
+      </a:lnRef>
+      <a:fillRef idx="1">
+        <a:scrgbClr r="0" g="0" b="0"/>
+      </a:fillRef>
+      <a:effectRef idx="0">
+        <a:scrgbClr r="0" g="0" b="0"/>
+      </a:effectRef>
+      <a:fontRef idx="minor"/>
+    </dgm:style>
+  </dgm:styleLbl>
+  <dgm:styleLbl name="fgShp">
+    <dgm:scene3d>
+      <a:camera prst="orthographicFront"/>
+      <a:lightRig rig="threePt" dir="t"/>
+    </dgm:scene3d>
+    <dgm:sp3d/>
+    <dgm:txPr/>
+    <dgm:style>
+      <a:lnRef idx="2">
+        <a:scrgbClr r="0" g="0" b="0"/>
+      </a:lnRef>
+      <a:fillRef idx="1">
+        <a:scrgbClr r="0" g="0" b="0"/>
+      </a:fillRef>
+      <a:effectRef idx="0">
+        <a:scrgbClr r="0" g="0" b="0"/>
+      </a:effectRef>
+      <a:fontRef idx="minor"/>
+    </dgm:style>
+  </dgm:styleLbl>
+  <dgm:styleLbl name="revTx">
+    <dgm:scene3d>
+      <a:camera prst="orthographicFront"/>
+      <a:lightRig rig="threePt" dir="t"/>
+    </dgm:scene3d>
+    <dgm:sp3d/>
+    <dgm:txPr/>
+    <dgm:style>
+      <a:lnRef idx="0">
+        <a:scrgbClr r="0" g="0" b="0"/>
+      </a:lnRef>
+      <a:fillRef idx="0">
+        <a:scrgbClr r="0" g="0" b="0"/>
+      </a:fillRef>
+      <a:effectRef idx="0">
+        <a:scrgbClr r="0" g="0" b="0"/>
+      </a:effectRef>
+      <a:fontRef idx="minor"/>
+    </dgm:style>
+  </dgm:styleLbl>
+</dgm:styleDef>
 </file>
 
 <file path=ppt/notesMasters/notesMaster1.xml><?xml version="1.0" encoding="utf-8"?>
@@ -199,7 +4158,7 @@
           <a:p>
             <a:fld id="{30D47ABA-D0F3-4CF3-9200-CC734B4A85C4}" type="datetimeFigureOut">
               <a:rPr lang="es-ES" smtClean="0"/>
-              <a:t>02/05/2024</a:t>
+              <a:t>03/05/2024</a:t>
             </a:fld>
             <a:endParaRPr lang="es-ES"/>
           </a:p>
@@ -671,7 +4630,7 @@
                 </a:highlight>
                 <a:latin typeface="Google Sans Text"/>
               </a:rPr>
-              <a:t> Pasa de la idea a la aplicación en cuestión de minutos con el uso de Gemini.</a:t>
+              <a:t> Pasa de la idea a la aplicación en cuestión de minutos con el uso de Gemini..</a:t>
             </a:r>
           </a:p>
           <a:p>
@@ -690,7 +4649,7 @@
                 </a:highlight>
                 <a:latin typeface="Google Sans Text"/>
               </a:rPr>
-              <a:t> Simplemente describe lo que quiere que haga la aplicación y deja que Gemini haga el trabajo</a:t>
+              <a:t> Simplemente describe lo que quiere que haga la aplicación y deja que Gemini haga el trabajo.</a:t>
             </a:r>
           </a:p>
           <a:p>
@@ -709,7 +4668,7 @@
                 </a:highlight>
                 <a:latin typeface="Google Sans Text"/>
               </a:rPr>
-              <a:t> Incorpore IA en sus aplicaciones para hacerlas más inteligentes y fáciles de usar</a:t>
+              <a:t> Incorpore IA en sus aplicaciones para hacerlas más inteligentes y fáciles de usar.</a:t>
             </a:r>
           </a:p>
           <a:p>
@@ -828,7 +4787,7 @@
                 </a:highlight>
                 <a:latin typeface="Google Sans Text"/>
               </a:rPr>
-              <a:t> Crea aplicaciones para Google Chat y publícalas con un solo clic</a:t>
+              <a:t> Crea aplicaciones para Google Chat y publícalas con un solo clic.</a:t>
             </a:r>
           </a:p>
           <a:p>
@@ -847,7 +4806,7 @@
                 </a:highlight>
                 <a:latin typeface="Google Sans Text"/>
               </a:rPr>
-              <a:t> Capture datos enriquecidos mediante formularios, códigos de barras, ubicaciones, firmas y formato de foto</a:t>
+              <a:t> Capture datos enriquecidos mediante formularios, códigos de barras, ubicaciones, firmas y formato de foto.</a:t>
             </a:r>
           </a:p>
           <a:p>
@@ -881,22 +4840,6 @@
               </a:rPr>
               <a:t>AppSheet</a:t>
             </a:r>
-            <a:endParaRPr lang="es-ES" b="0" i="0" dirty="0">
-              <a:solidFill>
-                <a:srgbClr val="5F6368"/>
-              </a:solidFill>
-              <a:effectLst/>
-              <a:highlight>
-                <a:srgbClr val="FFFFFF"/>
-              </a:highlight>
-              <a:latin typeface="Google Sans Text"/>
-            </a:endParaRPr>
-          </a:p>
-          <a:p>
-            <a:pPr algn="l">
-              <a:buFont typeface="Arial" panose="020B0604020202020204" pitchFamily="34" charset="0"/>
-              <a:buChar char="•"/>
-            </a:pPr>
             <a:r>
               <a:rPr lang="es-ES" b="0" i="0" dirty="0">
                 <a:solidFill>
@@ -908,7 +4851,26 @@
                 </a:highlight>
                 <a:latin typeface="Google Sans Text"/>
               </a:rPr>
-              <a:t> Personaliza las características, el diseño, la seguridad y la marca</a:t>
+              <a:t>.</a:t>
+            </a:r>
+          </a:p>
+          <a:p>
+            <a:pPr algn="l">
+              <a:buFont typeface="Arial" panose="020B0604020202020204" pitchFamily="34" charset="0"/>
+              <a:buChar char="•"/>
+            </a:pPr>
+            <a:r>
+              <a:rPr lang="es-ES" b="0" i="0" dirty="0">
+                <a:solidFill>
+                  <a:srgbClr val="5F6368"/>
+                </a:solidFill>
+                <a:effectLst/>
+                <a:highlight>
+                  <a:srgbClr val="FFFFFF"/>
+                </a:highlight>
+                <a:latin typeface="Google Sans Text"/>
+              </a:rPr>
+              <a:t> Personaliza las características, el diseño, la seguridad y la marca.</a:t>
             </a:r>
           </a:p>
           <a:p>
@@ -953,7 +4915,7 @@
                 </a:highlight>
                 <a:latin typeface="Google Sans Text"/>
               </a:rPr>
-              <a:t> con chips inteligentes</a:t>
+              <a:t> con chips inteligentes.</a:t>
             </a:r>
           </a:p>
           <a:p>
@@ -1041,7 +5003,122 @@
           <a:bodyPr/>
           <a:lstStyle/>
           <a:p>
-            <a:endParaRPr lang="es-ES" dirty="0"/>
+            <a:pPr algn="l"/>
+            <a:r>
+              <a:rPr lang="es-ES" b="0" dirty="0">
+                <a:solidFill>
+                  <a:srgbClr val="5F6368"/>
+                </a:solidFill>
+                <a:effectLst/>
+                <a:highlight>
+                  <a:srgbClr val="FFFFFF"/>
+                </a:highlight>
+                <a:latin typeface="Google Sans Text"/>
+              </a:rPr>
+              <a:t>Automatiza las tareas manuales y acelera el trabajo:</a:t>
+            </a:r>
+          </a:p>
+          <a:p>
+            <a:pPr algn="l">
+              <a:buFont typeface="Arial" panose="020B0604020202020204" pitchFamily="34" charset="0"/>
+              <a:buChar char="•"/>
+            </a:pPr>
+            <a:r>
+              <a:rPr lang="es-ES" b="0" i="0" dirty="0">
+                <a:solidFill>
+                  <a:srgbClr val="5F6368"/>
+                </a:solidFill>
+                <a:effectLst/>
+                <a:highlight>
+                  <a:srgbClr val="FFFFFF"/>
+                </a:highlight>
+                <a:latin typeface="Google Sans Text"/>
+              </a:rPr>
+              <a:t> Envíe y automatice notificaciones por correo electrónico, SMS y notificaciones </a:t>
+            </a:r>
+            <a:r>
+              <a:rPr lang="es-ES" b="0" i="0" dirty="0" err="1">
+                <a:solidFill>
+                  <a:srgbClr val="5F6368"/>
+                </a:solidFill>
+                <a:effectLst/>
+                <a:highlight>
+                  <a:srgbClr val="FFFFFF"/>
+                </a:highlight>
+                <a:latin typeface="Google Sans Text"/>
+              </a:rPr>
+              <a:t>push</a:t>
+            </a:r>
+            <a:r>
+              <a:rPr lang="es-ES" b="0" i="0" dirty="0">
+                <a:solidFill>
+                  <a:srgbClr val="5F6368"/>
+                </a:solidFill>
+                <a:effectLst/>
+                <a:highlight>
+                  <a:srgbClr val="FFFFFF"/>
+                </a:highlight>
+                <a:latin typeface="Google Sans Text"/>
+              </a:rPr>
+              <a:t>.</a:t>
+            </a:r>
+          </a:p>
+          <a:p>
+            <a:pPr algn="l">
+              <a:buFont typeface="Arial" panose="020B0604020202020204" pitchFamily="34" charset="0"/>
+              <a:buChar char="•"/>
+            </a:pPr>
+            <a:r>
+              <a:rPr lang="es-ES" b="0" i="0" dirty="0">
+                <a:solidFill>
+                  <a:srgbClr val="5F6368"/>
+                </a:solidFill>
+                <a:effectLst/>
+                <a:highlight>
+                  <a:srgbClr val="FFFFFF"/>
+                </a:highlight>
+                <a:latin typeface="Google Sans Text"/>
+              </a:rPr>
+              <a:t> Cree una lógica de flujo de trabajo con desencadenadores, condiciones y bifurcaciones.</a:t>
+            </a:r>
+          </a:p>
+          <a:p>
+            <a:pPr algn="l">
+              <a:buFont typeface="Arial" panose="020B0604020202020204" pitchFamily="34" charset="0"/>
+              <a:buChar char="•"/>
+            </a:pPr>
+            <a:r>
+              <a:rPr lang="es-ES" b="0" i="0" dirty="0">
+                <a:solidFill>
+                  <a:srgbClr val="5F6368"/>
+                </a:solidFill>
+                <a:effectLst/>
+                <a:highlight>
+                  <a:srgbClr val="FFFFFF"/>
+                </a:highlight>
+                <a:latin typeface="Google Sans Text"/>
+              </a:rPr>
+              <a:t> Incorpore la IA y el aprendizaje automático, incluido el procesamiento inteligente de documentos y el reconocimiento óptico de caracteres.</a:t>
+            </a:r>
+          </a:p>
+          <a:p>
+            <a:pPr algn="l">
+              <a:buFont typeface="Arial" panose="020B0604020202020204" pitchFamily="34" charset="0"/>
+              <a:buChar char="•"/>
+            </a:pPr>
+            <a:r>
+              <a:rPr lang="es-ES" b="0" i="0" dirty="0">
+                <a:solidFill>
+                  <a:srgbClr val="5F6368"/>
+                </a:solidFill>
+                <a:effectLst/>
+                <a:highlight>
+                  <a:srgbClr val="FFFFFF"/>
+                </a:highlight>
+                <a:latin typeface="Google Sans Text"/>
+              </a:rPr>
+              <a:t> Llamar y procesar respuestas desde funciones conectadas de Google Apps Script.</a:t>
+            </a:r>
           </a:p>
         </p:txBody>
       </p:sp>
@@ -1125,6 +5202,228 @@
           <a:bodyPr/>
           <a:lstStyle/>
           <a:p>
+            <a:pPr algn="l"/>
+            <a:r>
+              <a:rPr lang="es-ES" b="0" dirty="0">
+                <a:solidFill>
+                  <a:srgbClr val="5F6368"/>
+                </a:solidFill>
+                <a:effectLst/>
+                <a:highlight>
+                  <a:srgbClr val="FFFFFF"/>
+                </a:highlight>
+                <a:latin typeface="Google Sans Text"/>
+              </a:rPr>
+              <a:t>Conecta los datos y software en una única plataforma que también está totalmente integrada con Google </a:t>
+            </a:r>
+            <a:r>
+              <a:rPr lang="es-ES" b="0" dirty="0" err="1">
+                <a:solidFill>
+                  <a:srgbClr val="5F6368"/>
+                </a:solidFill>
+                <a:effectLst/>
+                <a:highlight>
+                  <a:srgbClr val="FFFFFF"/>
+                </a:highlight>
+                <a:latin typeface="Google Sans Text"/>
+              </a:rPr>
+              <a:t>Workspace</a:t>
+            </a:r>
+            <a:r>
+              <a:rPr lang="es-ES" b="0" dirty="0">
+                <a:solidFill>
+                  <a:srgbClr val="5F6368"/>
+                </a:solidFill>
+                <a:effectLst/>
+                <a:highlight>
+                  <a:srgbClr val="FFFFFF"/>
+                </a:highlight>
+                <a:latin typeface="Google Sans Text"/>
+              </a:rPr>
+              <a:t>:</a:t>
+            </a:r>
+          </a:p>
+          <a:p>
+            <a:pPr algn="l">
+              <a:buFont typeface="Arial" panose="020B0604020202020204" pitchFamily="34" charset="0"/>
+              <a:buChar char="•"/>
+            </a:pPr>
+            <a:r>
+              <a:rPr lang="es-ES" b="0" i="0" dirty="0">
+                <a:solidFill>
+                  <a:srgbClr val="5F6368"/>
+                </a:solidFill>
+                <a:effectLst/>
+                <a:highlight>
+                  <a:srgbClr val="FFFFFF"/>
+                </a:highlight>
+                <a:latin typeface="Google Sans Text"/>
+              </a:rPr>
+              <a:t> Integración con Google </a:t>
+            </a:r>
+            <a:r>
+              <a:rPr lang="es-ES" b="0" i="0" dirty="0" err="1">
+                <a:solidFill>
+                  <a:srgbClr val="5F6368"/>
+                </a:solidFill>
+                <a:effectLst/>
+                <a:highlight>
+                  <a:srgbClr val="FFFFFF"/>
+                </a:highlight>
+                <a:latin typeface="Google Sans Text"/>
+              </a:rPr>
+              <a:t>Workspace</a:t>
+            </a:r>
+            <a:r>
+              <a:rPr lang="es-ES" b="0" i="0" dirty="0">
+                <a:solidFill>
+                  <a:srgbClr val="5F6368"/>
+                </a:solidFill>
+                <a:effectLst/>
+                <a:highlight>
+                  <a:srgbClr val="FFFFFF"/>
+                </a:highlight>
+                <a:latin typeface="Google Sans Text"/>
+              </a:rPr>
+              <a:t> a través de las integraciones de Gmail, Hojas de cálculo de Google, Apps Script y Chat.</a:t>
+            </a:r>
+          </a:p>
+          <a:p>
+            <a:pPr algn="l">
+              <a:buFont typeface="Arial" panose="020B0604020202020204" pitchFamily="34" charset="0"/>
+              <a:buChar char="•"/>
+            </a:pPr>
+            <a:r>
+              <a:rPr lang="es-ES" b="0" i="0" dirty="0">
+                <a:solidFill>
+                  <a:srgbClr val="5F6368"/>
+                </a:solidFill>
+                <a:effectLst/>
+                <a:highlight>
+                  <a:srgbClr val="FFFFFF"/>
+                </a:highlight>
+                <a:latin typeface="Google Sans Text"/>
+              </a:rPr>
+              <a:t> Conéctate a aplicaciones de terceros como Office 365, Dropbox y Salesforce.</a:t>
+            </a:r>
+          </a:p>
+          <a:p>
+            <a:pPr algn="l">
+              <a:buFont typeface="Arial" panose="020B0604020202020204" pitchFamily="34" charset="0"/>
+              <a:buChar char="•"/>
+            </a:pPr>
+            <a:r>
+              <a:rPr lang="es-ES" b="0" i="0" dirty="0">
+                <a:solidFill>
+                  <a:srgbClr val="5F6368"/>
+                </a:solidFill>
+                <a:effectLst/>
+                <a:highlight>
+                  <a:srgbClr val="FFFFFF"/>
+                </a:highlight>
+                <a:latin typeface="Google Sans Text"/>
+              </a:rPr>
+              <a:t> Personaliza las funciones, la experiencia de usuario, la seguridad y la marca.</a:t>
+            </a:r>
+          </a:p>
+          <a:p>
+            <a:pPr algn="l">
+              <a:buFont typeface="Arial" panose="020B0604020202020204" pitchFamily="34" charset="0"/>
+              <a:buChar char="•"/>
+            </a:pPr>
+            <a:r>
+              <a:rPr lang="es-ES" b="0" i="0" dirty="0">
+                <a:solidFill>
+                  <a:srgbClr val="5F6368"/>
+                </a:solidFill>
+                <a:effectLst/>
+                <a:highlight>
+                  <a:srgbClr val="FFFFFF"/>
+                </a:highlight>
+                <a:latin typeface="Google Sans Text"/>
+              </a:rPr>
+              <a:t> Integración con Big </a:t>
+            </a:r>
+            <a:r>
+              <a:rPr lang="es-ES" b="0" i="0" dirty="0" err="1">
+                <a:solidFill>
+                  <a:srgbClr val="5F6368"/>
+                </a:solidFill>
+                <a:effectLst/>
+                <a:highlight>
+                  <a:srgbClr val="FFFFFF"/>
+                </a:highlight>
+                <a:latin typeface="Google Sans Text"/>
+              </a:rPr>
+              <a:t>Query</a:t>
+            </a:r>
+            <a:r>
+              <a:rPr lang="es-ES" b="0" i="0" dirty="0">
+                <a:solidFill>
+                  <a:srgbClr val="5F6368"/>
+                </a:solidFill>
+                <a:effectLst/>
+                <a:highlight>
+                  <a:srgbClr val="FFFFFF"/>
+                </a:highlight>
+                <a:latin typeface="Google Sans Text"/>
+              </a:rPr>
+              <a:t>, bases de datos SQL, </a:t>
+            </a:r>
+            <a:r>
+              <a:rPr lang="es-ES" b="0" i="0" dirty="0" err="1">
+                <a:solidFill>
+                  <a:srgbClr val="5F6368"/>
+                </a:solidFill>
+                <a:effectLst/>
+                <a:highlight>
+                  <a:srgbClr val="FFFFFF"/>
+                </a:highlight>
+                <a:latin typeface="Google Sans Text"/>
+              </a:rPr>
+              <a:t>Apigee</a:t>
+            </a:r>
+            <a:r>
+              <a:rPr lang="es-ES" b="0" i="0" dirty="0">
+                <a:solidFill>
+                  <a:srgbClr val="5F6368"/>
+                </a:solidFill>
+                <a:effectLst/>
+                <a:highlight>
+                  <a:srgbClr val="FFFFFF"/>
+                </a:highlight>
+                <a:latin typeface="Google Sans Text"/>
+              </a:rPr>
+              <a:t>, API REST y </a:t>
+            </a:r>
+            <a:r>
+              <a:rPr lang="es-ES" b="0" i="0" dirty="0" err="1">
+                <a:solidFill>
+                  <a:srgbClr val="5F6368"/>
+                </a:solidFill>
+                <a:effectLst/>
+                <a:highlight>
+                  <a:srgbClr val="FFFFFF"/>
+                </a:highlight>
+                <a:latin typeface="Google Sans Text"/>
+              </a:rPr>
+              <a:t>Odata</a:t>
+            </a:r>
+            <a:r>
+              <a:rPr lang="es-ES" b="0" i="0" dirty="0">
+                <a:solidFill>
+                  <a:srgbClr val="5F6368"/>
+                </a:solidFill>
+                <a:effectLst/>
+                <a:highlight>
+                  <a:srgbClr val="FFFFFF"/>
+                </a:highlight>
+                <a:latin typeface="Google Sans Text"/>
+              </a:rPr>
+              <a:t>.</a:t>
+            </a:r>
+          </a:p>
+          <a:p>
             <a:endParaRPr lang="es-ES" dirty="0"/>
           </a:p>
         </p:txBody>
@@ -1209,7 +5508,167 @@
           <a:bodyPr/>
           <a:lstStyle/>
           <a:p>
-            <a:endParaRPr lang="es-ES" dirty="0"/>
+            <a:pPr algn="l"/>
+            <a:r>
+              <a:rPr lang="es-ES" b="0" dirty="0">
+                <a:solidFill>
+                  <a:srgbClr val="5F6368"/>
+                </a:solidFill>
+                <a:effectLst/>
+                <a:highlight>
+                  <a:srgbClr val="FFFFFF"/>
+                </a:highlight>
+                <a:latin typeface="Google Sans Text"/>
+              </a:rPr>
+              <a:t>Administre desarrolladores y usuarios y gobierne las aplicaciones y los datos de toda la organización:</a:t>
+            </a:r>
+          </a:p>
+          <a:p>
+            <a:pPr algn="l">
+              <a:buFont typeface="Arial" panose="020B0604020202020204" pitchFamily="34" charset="0"/>
+              <a:buChar char="•"/>
+            </a:pPr>
+            <a:r>
+              <a:rPr lang="es-ES" b="0" i="0" dirty="0">
+                <a:solidFill>
+                  <a:srgbClr val="5F6368"/>
+                </a:solidFill>
+                <a:effectLst/>
+                <a:highlight>
+                  <a:srgbClr val="FFFFFF"/>
+                </a:highlight>
+                <a:latin typeface="Google Sans Text"/>
+              </a:rPr>
+              <a:t> Seleccione de una amplia biblioteca de directivas de gobernanza de aplicaciones o cree las suyas propias.</a:t>
+            </a:r>
+          </a:p>
+          <a:p>
+            <a:pPr algn="l">
+              <a:buFont typeface="Arial" panose="020B0604020202020204" pitchFamily="34" charset="0"/>
+              <a:buChar char="•"/>
+            </a:pPr>
+            <a:r>
+              <a:rPr lang="es-ES" b="0" i="0" dirty="0">
+                <a:solidFill>
+                  <a:srgbClr val="5F6368"/>
+                </a:solidFill>
+                <a:effectLst/>
+                <a:highlight>
+                  <a:srgbClr val="FFFFFF"/>
+                </a:highlight>
+                <a:latin typeface="Google Sans Text"/>
+              </a:rPr>
+              <a:t> Gestionar equipos en una organización.</a:t>
+            </a:r>
+          </a:p>
+          <a:p>
+            <a:pPr algn="l">
+              <a:buFont typeface="Arial" panose="020B0604020202020204" pitchFamily="34" charset="0"/>
+              <a:buChar char="•"/>
+            </a:pPr>
+            <a:r>
+              <a:rPr lang="es-ES" b="0" i="0" dirty="0">
+                <a:solidFill>
+                  <a:srgbClr val="5F6368"/>
+                </a:solidFill>
+                <a:effectLst/>
+                <a:highlight>
+                  <a:srgbClr val="FFFFFF"/>
+                </a:highlight>
+                <a:latin typeface="Google Sans Text"/>
+              </a:rPr>
+              <a:t> Establezca barreras de seguridad y gane visibilidad con una verdadera plataforma de desarrollo sin código.</a:t>
+            </a:r>
+          </a:p>
+          <a:p>
+            <a:pPr algn="l">
+              <a:buFont typeface="Arial" panose="020B0604020202020204" pitchFamily="34" charset="0"/>
+              <a:buChar char="•"/>
+            </a:pPr>
+            <a:r>
+              <a:rPr lang="es-ES" b="0" i="0" dirty="0">
+                <a:solidFill>
+                  <a:srgbClr val="5F6368"/>
+                </a:solidFill>
+                <a:effectLst/>
+                <a:highlight>
+                  <a:srgbClr val="FFFFFF"/>
+                </a:highlight>
+                <a:latin typeface="Google Sans Text"/>
+              </a:rPr>
+              <a:t> Controles de seguridad, cifrado y verificación integrados en todas partes con un enfoque Zero Trust.</a:t>
+            </a:r>
+          </a:p>
+          <a:p>
+            <a:pPr algn="l">
+              <a:buFont typeface="Arial" panose="020B0604020202020204" pitchFamily="34" charset="0"/>
+              <a:buChar char="•"/>
+            </a:pPr>
+            <a:r>
+              <a:rPr lang="es-ES" b="0" i="0" dirty="0">
+                <a:solidFill>
+                  <a:srgbClr val="5F6368"/>
+                </a:solidFill>
+                <a:effectLst/>
+                <a:highlight>
+                  <a:srgbClr val="FFFFFF"/>
+                </a:highlight>
+                <a:latin typeface="Google Sans Text"/>
+              </a:rPr>
+              <a:t> Los datos que las empresas, las escuelas y las agencias gubernamentales introducen en </a:t>
+            </a:r>
+            <a:r>
+              <a:rPr lang="es-ES" b="0" i="0" dirty="0" err="1">
+                <a:solidFill>
+                  <a:srgbClr val="5F6368"/>
+                </a:solidFill>
+                <a:effectLst/>
+                <a:highlight>
+                  <a:srgbClr val="FFFFFF"/>
+                </a:highlight>
+                <a:latin typeface="Google Sans Text"/>
+              </a:rPr>
+              <a:t>AppSheet</a:t>
+            </a:r>
+            <a:r>
+              <a:rPr lang="es-ES" b="0" i="0" dirty="0">
+                <a:solidFill>
+                  <a:srgbClr val="5F6368"/>
+                </a:solidFill>
+                <a:effectLst/>
+                <a:highlight>
+                  <a:srgbClr val="FFFFFF"/>
+                </a:highlight>
+                <a:latin typeface="Google Sans Text"/>
+              </a:rPr>
+              <a:t> no son controlados ni administrados por </a:t>
+            </a:r>
+            <a:r>
+              <a:rPr lang="es-ES" b="0" i="0" dirty="0" err="1">
+                <a:solidFill>
+                  <a:srgbClr val="5F6368"/>
+                </a:solidFill>
+                <a:effectLst/>
+                <a:highlight>
+                  <a:srgbClr val="FFFFFF"/>
+                </a:highlight>
+                <a:latin typeface="Google Sans Text"/>
+              </a:rPr>
+              <a:t>AppSheet</a:t>
+            </a:r>
+            <a:r>
+              <a:rPr lang="es-ES" b="0" i="0" dirty="0">
+                <a:solidFill>
+                  <a:srgbClr val="5F6368"/>
+                </a:solidFill>
+                <a:effectLst/>
+                <a:highlight>
+                  <a:srgbClr val="FFFFFF"/>
+                </a:highlight>
+                <a:latin typeface="Google Sans Text"/>
+              </a:rPr>
+              <a:t>: usted conserva el control total.</a:t>
+            </a:r>
           </a:p>
         </p:txBody>
       </p:sp>
@@ -1240,6 +5699,650 @@
     <p:extLst>
       <p:ext uri="{BB962C8B-B14F-4D97-AF65-F5344CB8AC3E}">
         <p14:creationId xmlns:p14="http://schemas.microsoft.com/office/powerpoint/2010/main" val="2046975072"/>
+      </p:ext>
+    </p:extLst>
+  </p:cSld>
+  <p:clrMapOvr>
+    <a:masterClrMapping/>
+  </p:clrMapOvr>
+</p:notes>
+</file>
+
+<file path=ppt/notesSlides/notesSlide7.xml><?xml version="1.0" encoding="utf-8"?>
+<p:notes xmlns:a="http://schemas.openxmlformats.org/drawingml/2006/main" xmlns:r="http://schemas.openxmlformats.org/officeDocument/2006/relationships" xmlns:p="http://schemas.openxmlformats.org/presentationml/2006/main">
+  <p:cSld>
+    <p:spTree>
+      <p:nvGrpSpPr>
+        <p:cNvPr id="1" name=""/>
+        <p:cNvGrpSpPr/>
+        <p:nvPr/>
+      </p:nvGrpSpPr>
+      <p:grpSpPr>
+        <a:xfrm>
+          <a:off x="0" y="0"/>
+          <a:ext cx="0" cy="0"/>
+          <a:chOff x="0" y="0"/>
+          <a:chExt cx="0" cy="0"/>
+        </a:xfrm>
+      </p:grpSpPr>
+      <p:sp>
+        <p:nvSpPr>
+          <p:cNvPr id="2" name="Marcador de imagen de diapositiva 1"/>
+          <p:cNvSpPr>
+            <a:spLocks noGrp="1" noRot="1" noChangeAspect="1"/>
+          </p:cNvSpPr>
+          <p:nvPr>
+            <p:ph type="sldImg"/>
+          </p:nvPr>
+        </p:nvSpPr>
+        <p:spPr/>
+      </p:sp>
+      <p:sp>
+        <p:nvSpPr>
+          <p:cNvPr id="3" name="Marcador de notas 2"/>
+          <p:cNvSpPr>
+            <a:spLocks noGrp="1"/>
+          </p:cNvSpPr>
+          <p:nvPr>
+            <p:ph type="body" idx="1"/>
+          </p:nvPr>
+        </p:nvSpPr>
+        <p:spPr/>
+        <p:txBody>
+          <a:bodyPr/>
+          <a:lstStyle/>
+          <a:p>
+            <a:r>
+              <a:rPr lang="es-ES" sz="1800" b="1" i="0" u="none" strike="noStrike" dirty="0">
+                <a:solidFill>
+                  <a:srgbClr val="FFFFFF"/>
+                </a:solidFill>
+                <a:effectLst/>
+                <a:highlight>
+                  <a:srgbClr val="104861"/>
+                </a:highlight>
+                <a:latin typeface="Arial" panose="020B0604020202020204" pitchFamily="34" charset="0"/>
+              </a:rPr>
+              <a:t>Entorno de prueba: </a:t>
+            </a:r>
+          </a:p>
+          <a:p>
+            <a:pPr marL="285750" indent="-285750">
+              <a:buFont typeface="Arial" panose="020B0604020202020204" pitchFamily="34" charset="0"/>
+              <a:buChar char="•"/>
+            </a:pPr>
+            <a:r>
+              <a:rPr lang="es-ES" sz="1800" b="0" i="0" u="none" strike="noStrike" dirty="0">
+                <a:solidFill>
+                  <a:srgbClr val="000000"/>
+                </a:solidFill>
+                <a:effectLst/>
+                <a:latin typeface="Aptos Narrow" panose="020B0004020202020204" pitchFamily="34" charset="0"/>
+              </a:rPr>
+              <a:t>Explorar sus aplicaciones con hasta 10 usuarios, utilizando funciones de cualquier plan.</a:t>
+            </a:r>
+            <a:r>
+              <a:rPr lang="es-ES" dirty="0"/>
+              <a:t> </a:t>
+            </a:r>
+          </a:p>
+          <a:p>
+            <a:pPr marL="0" indent="0">
+              <a:buFont typeface="Arial" panose="020B0604020202020204" pitchFamily="34" charset="0"/>
+              <a:buNone/>
+            </a:pPr>
+            <a:r>
+              <a:rPr lang="es-ES" sz="1800" b="1" i="0" u="none" strike="noStrike" dirty="0">
+                <a:solidFill>
+                  <a:srgbClr val="FFFFFF"/>
+                </a:solidFill>
+                <a:effectLst/>
+                <a:highlight>
+                  <a:srgbClr val="104861"/>
+                </a:highlight>
+                <a:latin typeface="Arial" panose="020B0604020202020204" pitchFamily="34" charset="0"/>
+              </a:rPr>
+              <a:t>Starter:</a:t>
+            </a:r>
+          </a:p>
+          <a:p>
+            <a:pPr marL="285750" indent="-285750">
+              <a:buFont typeface="Arial" panose="020B0604020202020204" pitchFamily="34" charset="0"/>
+              <a:buChar char="•"/>
+            </a:pPr>
+            <a:r>
+              <a:rPr lang="es-ES" sz="1800" b="0" i="0" u="none" strike="noStrike" dirty="0">
+                <a:solidFill>
+                  <a:srgbClr val="000000"/>
+                </a:solidFill>
+                <a:effectLst/>
+                <a:latin typeface="Aptos Narrow" panose="020B0004020202020204" pitchFamily="34" charset="0"/>
+              </a:rPr>
+              <a:t>Funciones básicas de aplicación y automatización.</a:t>
+            </a:r>
+            <a:r>
+              <a:rPr lang="es-ES" dirty="0"/>
+              <a:t> </a:t>
+            </a:r>
+          </a:p>
+          <a:p>
+            <a:pPr marL="285750" indent="-285750">
+              <a:buFont typeface="Arial" panose="020B0604020202020204" pitchFamily="34" charset="0"/>
+              <a:buChar char="•"/>
+            </a:pPr>
+            <a:r>
+              <a:rPr lang="es-ES" sz="1800" b="0" i="0" u="none" strike="noStrike" dirty="0">
+                <a:solidFill>
+                  <a:srgbClr val="000000"/>
+                </a:solidFill>
+                <a:effectLst/>
+                <a:latin typeface="Aptos Narrow" panose="020B0004020202020204" pitchFamily="34" charset="0"/>
+              </a:rPr>
+              <a:t>Conéctese a hojas de cálculo y proveedores de almacenamiento de archivos en la nube.</a:t>
+            </a:r>
+            <a:r>
+              <a:rPr lang="es-ES" dirty="0"/>
+              <a:t> </a:t>
+            </a:r>
+          </a:p>
+          <a:p>
+            <a:pPr marL="285750" indent="-285750">
+              <a:buFont typeface="Arial" panose="020B0604020202020204" pitchFamily="34" charset="0"/>
+              <a:buChar char="•"/>
+            </a:pPr>
+            <a:r>
+              <a:rPr lang="es-ES" sz="1800" b="0" i="0" u="none" strike="noStrike" dirty="0">
+                <a:solidFill>
+                  <a:srgbClr val="000000"/>
+                </a:solidFill>
+                <a:effectLst/>
+                <a:latin typeface="Aptos Narrow" panose="020B0004020202020204" pitchFamily="34" charset="0"/>
+              </a:rPr>
+              <a:t>Base de datos de </a:t>
+            </a:r>
+            <a:r>
+              <a:rPr lang="es-ES" sz="1800" b="0" i="0" u="none" strike="noStrike" dirty="0" err="1">
+                <a:solidFill>
+                  <a:srgbClr val="000000"/>
+                </a:solidFill>
+                <a:effectLst/>
+                <a:latin typeface="Aptos Narrow" panose="020B0004020202020204" pitchFamily="34" charset="0"/>
+              </a:rPr>
+              <a:t>AppSheet</a:t>
+            </a:r>
+            <a:r>
+              <a:rPr lang="es-ES" sz="1800" b="0" i="0" u="none" strike="noStrike" dirty="0">
+                <a:solidFill>
+                  <a:srgbClr val="000000"/>
+                </a:solidFill>
+                <a:effectLst/>
+                <a:latin typeface="Aptos Narrow" panose="020B0004020202020204" pitchFamily="34" charset="0"/>
+              </a:rPr>
+              <a:t>.</a:t>
+            </a:r>
+            <a:r>
+              <a:rPr lang="es-ES" dirty="0"/>
+              <a:t> </a:t>
+            </a:r>
+          </a:p>
+          <a:p>
+            <a:pPr marL="0" indent="0">
+              <a:buFont typeface="Arial" panose="020B0604020202020204" pitchFamily="34" charset="0"/>
+              <a:buNone/>
+            </a:pPr>
+            <a:r>
+              <a:rPr lang="es-ES" sz="1800" b="1" i="0" u="none" strike="noStrike" dirty="0">
+                <a:solidFill>
+                  <a:srgbClr val="FFFFFF"/>
+                </a:solidFill>
+                <a:effectLst/>
+                <a:highlight>
+                  <a:srgbClr val="104861"/>
+                </a:highlight>
+                <a:latin typeface="Arial" panose="020B0604020202020204" pitchFamily="34" charset="0"/>
+              </a:rPr>
+              <a:t>Core:</a:t>
+            </a:r>
+          </a:p>
+          <a:p>
+            <a:pPr marL="285750" indent="-285750">
+              <a:buFont typeface="Arial" panose="020B0604020202020204" pitchFamily="34" charset="0"/>
+              <a:buChar char="•"/>
+            </a:pPr>
+            <a:r>
+              <a:rPr lang="es-ES" sz="1800" b="0" i="0" u="none" strike="noStrike" dirty="0">
+                <a:solidFill>
+                  <a:srgbClr val="000000"/>
+                </a:solidFill>
+                <a:effectLst/>
+                <a:latin typeface="Aptos Narrow" panose="020B0004020202020204" pitchFamily="34" charset="0"/>
+              </a:rPr>
+              <a:t>Funciones avanzadas de aplicación y automatización.</a:t>
+            </a:r>
+          </a:p>
+          <a:p>
+            <a:pPr marL="285750" indent="-285750">
+              <a:buFont typeface="Arial" panose="020B0604020202020204" pitchFamily="34" charset="0"/>
+              <a:buChar char="•"/>
+            </a:pPr>
+            <a:r>
+              <a:rPr lang="es-ES" sz="1800" b="0" i="0" u="none" strike="noStrike" dirty="0">
+                <a:solidFill>
+                  <a:srgbClr val="000000"/>
+                </a:solidFill>
+                <a:effectLst/>
+                <a:latin typeface="Aptos Narrow" panose="020B0004020202020204" pitchFamily="34" charset="0"/>
+              </a:rPr>
+              <a:t>Conéctese a hojas de cálculo y proveedores de almacenamiento de archivos.</a:t>
+            </a:r>
+          </a:p>
+          <a:p>
+            <a:pPr marL="285750" indent="-285750">
+              <a:buFont typeface="Arial" panose="020B0604020202020204" pitchFamily="34" charset="0"/>
+              <a:buChar char="•"/>
+            </a:pPr>
+            <a:r>
+              <a:rPr lang="es-ES" sz="1800" b="0" i="0" u="none" strike="noStrike" dirty="0">
+                <a:solidFill>
+                  <a:srgbClr val="000000"/>
+                </a:solidFill>
+                <a:effectLst/>
+                <a:latin typeface="Aptos Narrow" panose="020B0004020202020204" pitchFamily="34" charset="0"/>
+              </a:rPr>
+              <a:t>Controles de seguridad de las aplicaciones.</a:t>
+            </a:r>
+          </a:p>
+          <a:p>
+            <a:pPr marL="285750" indent="-285750">
+              <a:buFont typeface="Arial" panose="020B0604020202020204" pitchFamily="34" charset="0"/>
+              <a:buChar char="•"/>
+            </a:pPr>
+            <a:r>
+              <a:rPr lang="es-ES" sz="1800" b="0" i="0" u="none" strike="noStrike" dirty="0">
+                <a:solidFill>
+                  <a:srgbClr val="000000"/>
+                </a:solidFill>
+                <a:effectLst/>
+                <a:latin typeface="Aptos Narrow" panose="020B0004020202020204" pitchFamily="34" charset="0"/>
+              </a:rPr>
+              <a:t>Atención al cliente por correo electrónico.</a:t>
+            </a:r>
+          </a:p>
+          <a:p>
+            <a:pPr marL="285750" indent="-285750">
+              <a:buFont typeface="Arial" panose="020B0604020202020204" pitchFamily="34" charset="0"/>
+              <a:buChar char="•"/>
+            </a:pPr>
+            <a:r>
+              <a:rPr lang="es-ES" sz="1800" b="0" i="0" u="none" strike="noStrike" dirty="0">
+                <a:solidFill>
+                  <a:srgbClr val="000000"/>
+                </a:solidFill>
+                <a:effectLst/>
+                <a:latin typeface="Aptos Narrow" panose="020B0004020202020204" pitchFamily="34" charset="0"/>
+              </a:rPr>
+              <a:t>Base de datos de </a:t>
+            </a:r>
+            <a:r>
+              <a:rPr lang="es-ES" sz="1800" b="0" i="0" u="none" strike="noStrike" dirty="0" err="1">
+                <a:solidFill>
+                  <a:srgbClr val="000000"/>
+                </a:solidFill>
+                <a:effectLst/>
+                <a:latin typeface="Aptos Narrow" panose="020B0004020202020204" pitchFamily="34" charset="0"/>
+              </a:rPr>
+              <a:t>AppSheet</a:t>
+            </a:r>
+            <a:r>
+              <a:rPr lang="es-ES" sz="1800" b="0" i="0" u="none" strike="noStrike" dirty="0">
+                <a:solidFill>
+                  <a:srgbClr val="000000"/>
+                </a:solidFill>
+                <a:effectLst/>
+                <a:latin typeface="Aptos Narrow" panose="020B0004020202020204" pitchFamily="34" charset="0"/>
+              </a:rPr>
+              <a:t>.</a:t>
+            </a:r>
+          </a:p>
+          <a:p>
+            <a:pPr marL="0" indent="0">
+              <a:buFont typeface="Arial" panose="020B0604020202020204" pitchFamily="34" charset="0"/>
+              <a:buNone/>
+            </a:pPr>
+            <a:r>
+              <a:rPr lang="es-ES" sz="1800" b="1" i="0" u="none" strike="noStrike" dirty="0">
+                <a:solidFill>
+                  <a:srgbClr val="FFFFFF"/>
+                </a:solidFill>
+                <a:effectLst/>
+                <a:highlight>
+                  <a:srgbClr val="104861"/>
+                </a:highlight>
+                <a:latin typeface="Arial" panose="020B0604020202020204" pitchFamily="34" charset="0"/>
+              </a:rPr>
+              <a:t>Enterprise Standard:</a:t>
+            </a:r>
+          </a:p>
+          <a:p>
+            <a:pPr marL="285750" indent="-285750">
+              <a:buFont typeface="Arial" panose="020B0604020202020204" pitchFamily="34" charset="0"/>
+              <a:buChar char="•"/>
+            </a:pPr>
+            <a:r>
+              <a:rPr lang="es-ES" sz="1800" b="0" i="0" u="none" strike="noStrike" dirty="0">
+                <a:solidFill>
+                  <a:srgbClr val="000000"/>
+                </a:solidFill>
+                <a:effectLst/>
+                <a:latin typeface="Aptos Narrow" panose="020B0004020202020204" pitchFamily="34" charset="0"/>
+              </a:rPr>
+              <a:t>Funciones avanzadas de aplicación y automatización.</a:t>
+            </a:r>
+            <a:r>
+              <a:rPr lang="es-ES" dirty="0"/>
+              <a:t> </a:t>
+            </a:r>
+          </a:p>
+          <a:p>
+            <a:pPr marL="285750" indent="-285750">
+              <a:buFont typeface="Arial" panose="020B0604020202020204" pitchFamily="34" charset="0"/>
+              <a:buChar char="•"/>
+            </a:pPr>
+            <a:r>
+              <a:rPr lang="es-ES" sz="1800" b="0" i="0" u="none" strike="noStrike" dirty="0">
+                <a:solidFill>
+                  <a:srgbClr val="000000"/>
+                </a:solidFill>
+                <a:effectLst/>
+                <a:latin typeface="Aptos Narrow" panose="020B0004020202020204" pitchFamily="34" charset="0"/>
+              </a:rPr>
+              <a:t>Conéctese a hojas de cálculo, almacenamiento de archivos en la nube, bases de datos en la nube, API y servicios SaaS.</a:t>
+            </a:r>
+            <a:r>
+              <a:rPr lang="es-ES" dirty="0"/>
+              <a:t> </a:t>
+            </a:r>
+          </a:p>
+          <a:p>
+            <a:pPr marL="285750" indent="-285750">
+              <a:buFont typeface="Arial" panose="020B0604020202020204" pitchFamily="34" charset="0"/>
+              <a:buChar char="•"/>
+            </a:pPr>
+            <a:r>
+              <a:rPr lang="es-ES" sz="1800" b="0" i="0" u="none" strike="noStrike" dirty="0">
+                <a:solidFill>
+                  <a:srgbClr val="000000"/>
+                </a:solidFill>
+                <a:effectLst/>
+                <a:latin typeface="Aptos Narrow" panose="020B0004020202020204" pitchFamily="34" charset="0"/>
+              </a:rPr>
+              <a:t>Seguridad de las aplicaciones y controles de gestión de equipos.</a:t>
+            </a:r>
+            <a:r>
+              <a:rPr lang="es-ES" dirty="0"/>
+              <a:t> </a:t>
+            </a:r>
+          </a:p>
+          <a:p>
+            <a:pPr marL="285750" indent="-285750">
+              <a:buFont typeface="Arial" panose="020B0604020202020204" pitchFamily="34" charset="0"/>
+              <a:buChar char="•"/>
+            </a:pPr>
+            <a:r>
+              <a:rPr lang="es-ES" sz="1800" b="0" i="0" u="none" strike="noStrike" dirty="0">
+                <a:solidFill>
+                  <a:srgbClr val="000000"/>
+                </a:solidFill>
+                <a:effectLst/>
+                <a:latin typeface="Aptos Narrow" panose="020B0004020202020204" pitchFamily="34" charset="0"/>
+              </a:rPr>
+              <a:t>Modelado de aprendizaje automático.</a:t>
+            </a:r>
+            <a:r>
+              <a:rPr lang="es-ES" dirty="0"/>
+              <a:t> </a:t>
+            </a:r>
+          </a:p>
+          <a:p>
+            <a:pPr marL="285750" indent="-285750">
+              <a:buFont typeface="Arial" panose="020B0604020202020204" pitchFamily="34" charset="0"/>
+              <a:buChar char="•"/>
+            </a:pPr>
+            <a:r>
+              <a:rPr lang="es-ES" sz="1800" b="0" i="0" u="none" strike="noStrike" dirty="0">
+                <a:solidFill>
+                  <a:srgbClr val="000000"/>
+                </a:solidFill>
+                <a:effectLst/>
+                <a:latin typeface="Aptos Narrow" panose="020B0004020202020204" pitchFamily="34" charset="0"/>
+              </a:rPr>
+              <a:t>Atención al cliente prioritaria.</a:t>
+            </a:r>
+            <a:r>
+              <a:rPr lang="es-ES" dirty="0"/>
+              <a:t> </a:t>
+            </a:r>
+          </a:p>
+          <a:p>
+            <a:pPr marL="285750" indent="-285750">
+              <a:buFont typeface="Arial" panose="020B0604020202020204" pitchFamily="34" charset="0"/>
+              <a:buChar char="•"/>
+            </a:pPr>
+            <a:r>
+              <a:rPr lang="es-ES" sz="1800" b="0" i="0" u="none" strike="noStrike" dirty="0">
+                <a:solidFill>
+                  <a:srgbClr val="000000"/>
+                </a:solidFill>
+                <a:effectLst/>
+                <a:latin typeface="Aptos Narrow" panose="020B0004020202020204" pitchFamily="34" charset="0"/>
+              </a:rPr>
+              <a:t>Base de datos de </a:t>
+            </a:r>
+            <a:r>
+              <a:rPr lang="es-ES" sz="1800" b="0" i="0" u="none" strike="noStrike" dirty="0" err="1">
+                <a:solidFill>
+                  <a:srgbClr val="000000"/>
+                </a:solidFill>
+                <a:effectLst/>
+                <a:latin typeface="Aptos Narrow" panose="020B0004020202020204" pitchFamily="34" charset="0"/>
+              </a:rPr>
+              <a:t>AppSheet</a:t>
+            </a:r>
+            <a:r>
+              <a:rPr lang="es-ES" sz="1800" b="0" i="0" u="none" strike="noStrike" dirty="0">
+                <a:solidFill>
+                  <a:srgbClr val="000000"/>
+                </a:solidFill>
+                <a:effectLst/>
+                <a:latin typeface="Aptos Narrow" panose="020B0004020202020204" pitchFamily="34" charset="0"/>
+              </a:rPr>
+              <a:t>.</a:t>
+            </a:r>
+          </a:p>
+          <a:p>
+            <a:pPr marL="0" indent="0">
+              <a:buFont typeface="Arial" panose="020B0604020202020204" pitchFamily="34" charset="0"/>
+              <a:buNone/>
+            </a:pPr>
+            <a:r>
+              <a:rPr lang="es-ES" sz="1800" b="1" i="0" u="none" strike="noStrike" dirty="0">
+                <a:solidFill>
+                  <a:srgbClr val="FFFFFF"/>
+                </a:solidFill>
+                <a:effectLst/>
+                <a:highlight>
+                  <a:srgbClr val="104861"/>
+                </a:highlight>
+                <a:latin typeface="Arial" panose="020B0604020202020204" pitchFamily="34" charset="0"/>
+              </a:rPr>
+              <a:t>Enterprise Plus:</a:t>
+            </a:r>
+          </a:p>
+          <a:p>
+            <a:pPr marL="285750" indent="-285750">
+              <a:buFont typeface="Arial" panose="020B0604020202020204" pitchFamily="34" charset="0"/>
+              <a:buChar char="•"/>
+            </a:pPr>
+            <a:r>
+              <a:rPr lang="es-ES" sz="1800" b="0" i="0" u="none" strike="noStrike" dirty="0">
+                <a:solidFill>
+                  <a:srgbClr val="000000"/>
+                </a:solidFill>
+                <a:effectLst/>
+                <a:latin typeface="Aptos Narrow" panose="020B0004020202020204" pitchFamily="34" charset="0"/>
+              </a:rPr>
+              <a:t>Funciones avanzadas de aplicación y automatización.</a:t>
+            </a:r>
+            <a:r>
+              <a:rPr lang="es-ES" dirty="0"/>
+              <a:t> </a:t>
+            </a:r>
+          </a:p>
+          <a:p>
+            <a:pPr marL="285750" indent="-285750">
+              <a:buFont typeface="Arial" panose="020B0604020202020204" pitchFamily="34" charset="0"/>
+              <a:buChar char="•"/>
+            </a:pPr>
+            <a:r>
+              <a:rPr lang="es-ES" sz="1800" b="0" i="0" u="none" strike="noStrike" dirty="0">
+                <a:solidFill>
+                  <a:srgbClr val="000000"/>
+                </a:solidFill>
+                <a:effectLst/>
+                <a:latin typeface="Aptos Narrow" panose="020B0004020202020204" pitchFamily="34" charset="0"/>
+              </a:rPr>
+              <a:t>Conéctese a hojas de cálculo, almacenamiento de archivos en la nube, bases de datos en la nube, API, servicios SaaS y servicios de datos empresariales.</a:t>
+            </a:r>
+            <a:r>
+              <a:rPr lang="es-ES" dirty="0"/>
+              <a:t> </a:t>
+            </a:r>
+          </a:p>
+          <a:p>
+            <a:pPr marL="285750" indent="-285750">
+              <a:buFont typeface="Arial" panose="020B0604020202020204" pitchFamily="34" charset="0"/>
+              <a:buChar char="•"/>
+            </a:pPr>
+            <a:r>
+              <a:rPr lang="es-ES" sz="1800" b="0" i="0" u="none" strike="noStrike" dirty="0">
+                <a:solidFill>
+                  <a:srgbClr val="000000"/>
+                </a:solidFill>
+                <a:effectLst/>
+                <a:latin typeface="Aptos Narrow" panose="020B0004020202020204" pitchFamily="34" charset="0"/>
+              </a:rPr>
+              <a:t>Controles mejorados de seguridad de aplicaciones, gestión de equipos y gobernanza.</a:t>
+            </a:r>
+            <a:r>
+              <a:rPr lang="es-ES" dirty="0"/>
+              <a:t> </a:t>
+            </a:r>
+          </a:p>
+          <a:p>
+            <a:pPr marL="285750" indent="-285750">
+              <a:buFont typeface="Arial" panose="020B0604020202020204" pitchFamily="34" charset="0"/>
+              <a:buChar char="•"/>
+            </a:pPr>
+            <a:r>
+              <a:rPr lang="es-ES" sz="1800" b="0" i="0" u="none" strike="noStrike" dirty="0">
+                <a:solidFill>
+                  <a:srgbClr val="000000"/>
+                </a:solidFill>
+                <a:effectLst/>
+                <a:latin typeface="Aptos Narrow" panose="020B0004020202020204" pitchFamily="34" charset="0"/>
+              </a:rPr>
+              <a:t>Modelado de aprendizaje automático.</a:t>
+            </a:r>
+          </a:p>
+          <a:p>
+            <a:pPr marL="285750" indent="-285750">
+              <a:buFont typeface="Arial" panose="020B0604020202020204" pitchFamily="34" charset="0"/>
+              <a:buChar char="•"/>
+            </a:pPr>
+            <a:r>
+              <a:rPr lang="es-ES" sz="1800" b="0" i="0" u="none" strike="noStrike" dirty="0">
+                <a:solidFill>
+                  <a:srgbClr val="000000"/>
+                </a:solidFill>
+                <a:effectLst/>
+                <a:latin typeface="Aptos Narrow" panose="020B0004020202020204" pitchFamily="34" charset="0"/>
+              </a:rPr>
+              <a:t>Atención al cliente prioritaria.</a:t>
+            </a:r>
+            <a:r>
+              <a:rPr lang="es-ES" dirty="0"/>
+              <a:t> </a:t>
+            </a:r>
+          </a:p>
+          <a:p>
+            <a:pPr marL="285750" indent="-285750">
+              <a:buFont typeface="Arial" panose="020B0604020202020204" pitchFamily="34" charset="0"/>
+              <a:buChar char="•"/>
+            </a:pPr>
+            <a:r>
+              <a:rPr lang="es-ES" sz="1800" b="0" i="0" u="none" strike="noStrike" dirty="0">
+                <a:solidFill>
+                  <a:srgbClr val="000000"/>
+                </a:solidFill>
+                <a:effectLst/>
+                <a:latin typeface="Aptos Narrow" panose="020B0004020202020204" pitchFamily="34" charset="0"/>
+              </a:rPr>
+              <a:t>Base de datos de </a:t>
+            </a:r>
+            <a:r>
+              <a:rPr lang="es-ES" sz="1800" b="0" i="0" u="none" strike="noStrike" dirty="0" err="1">
+                <a:solidFill>
+                  <a:srgbClr val="000000"/>
+                </a:solidFill>
+                <a:effectLst/>
+                <a:latin typeface="Aptos Narrow" panose="020B0004020202020204" pitchFamily="34" charset="0"/>
+              </a:rPr>
+              <a:t>AppSheet</a:t>
+            </a:r>
+            <a:r>
+              <a:rPr lang="es-ES" sz="1800" b="0" i="0" u="none" strike="noStrike" dirty="0">
+                <a:solidFill>
+                  <a:srgbClr val="000000"/>
+                </a:solidFill>
+                <a:effectLst/>
+                <a:latin typeface="Aptos Narrow" panose="020B0004020202020204" pitchFamily="34" charset="0"/>
+              </a:rPr>
+              <a:t>.</a:t>
+            </a:r>
+            <a:r>
+              <a:rPr lang="es-ES" dirty="0"/>
+              <a:t> </a:t>
+            </a:r>
+          </a:p>
+        </p:txBody>
+      </p:sp>
+      <p:sp>
+        <p:nvSpPr>
+          <p:cNvPr id="4" name="Marcador de número de diapositiva 3"/>
+          <p:cNvSpPr>
+            <a:spLocks noGrp="1"/>
+          </p:cNvSpPr>
+          <p:nvPr>
+            <p:ph type="sldNum" sz="quarter" idx="5"/>
+          </p:nvPr>
+        </p:nvSpPr>
+        <p:spPr/>
+        <p:txBody>
+          <a:bodyPr/>
+          <a:lstStyle/>
+          <a:p>
+            <a:fld id="{5C0EC3AC-7C0B-4143-8B1A-76871E3E5EE8}" type="slidenum">
+              <a:rPr lang="es-ES" smtClean="0"/>
+              <a:t>9</a:t>
+            </a:fld>
+            <a:endParaRPr lang="es-ES"/>
+          </a:p>
+        </p:txBody>
+      </p:sp>
+    </p:spTree>
+    <p:extLst>
+      <p:ext uri="{BB962C8B-B14F-4D97-AF65-F5344CB8AC3E}">
+        <p14:creationId xmlns:p14="http://schemas.microsoft.com/office/powerpoint/2010/main" val="2525605842"/>
       </p:ext>
     </p:extLst>
   </p:cSld>
@@ -1994,7 +7097,7 @@
           <a:p>
             <a:fld id="{72BDBADB-C77C-47F7-92A3-85AE4F1E1D0F}" type="datetimeFigureOut">
               <a:rPr lang="es-ES" smtClean="0"/>
-              <a:t>02/05/2024</a:t>
+              <a:t>03/05/2024</a:t>
             </a:fld>
             <a:endParaRPr lang="es-ES"/>
           </a:p>
@@ -2245,7 +7348,7 @@
           <a:p>
             <a:fld id="{72BDBADB-C77C-47F7-92A3-85AE4F1E1D0F}" type="datetimeFigureOut">
               <a:rPr lang="es-ES" smtClean="0"/>
-              <a:t>02/05/2024</a:t>
+              <a:t>03/05/2024</a:t>
             </a:fld>
             <a:endParaRPr lang="es-ES"/>
           </a:p>
@@ -2559,7 +7662,7 @@
           <a:p>
             <a:fld id="{72BDBADB-C77C-47F7-92A3-85AE4F1E1D0F}" type="datetimeFigureOut">
               <a:rPr lang="es-ES" smtClean="0"/>
-              <a:t>02/05/2024</a:t>
+              <a:t>03/05/2024</a:t>
             </a:fld>
             <a:endParaRPr lang="es-ES"/>
           </a:p>
@@ -2892,7 +7995,7 @@
           <a:p>
             <a:fld id="{72BDBADB-C77C-47F7-92A3-85AE4F1E1D0F}" type="datetimeFigureOut">
               <a:rPr lang="es-ES" smtClean="0"/>
-              <a:t>02/05/2024</a:t>
+              <a:t>03/05/2024</a:t>
             </a:fld>
             <a:endParaRPr lang="es-ES"/>
           </a:p>
@@ -3206,7 +8309,7 @@
           <a:p>
             <a:fld id="{72BDBADB-C77C-47F7-92A3-85AE4F1E1D0F}" type="datetimeFigureOut">
               <a:rPr lang="es-ES" smtClean="0"/>
-              <a:t>02/05/2024</a:t>
+              <a:t>03/05/2024</a:t>
             </a:fld>
             <a:endParaRPr lang="es-ES"/>
           </a:p>
@@ -3599,7 +8702,7 @@
           <a:p>
             <a:fld id="{72BDBADB-C77C-47F7-92A3-85AE4F1E1D0F}" type="datetimeFigureOut">
               <a:rPr lang="es-ES" smtClean="0"/>
-              <a:t>02/05/2024</a:t>
+              <a:t>03/05/2024</a:t>
             </a:fld>
             <a:endParaRPr lang="es-ES"/>
           </a:p>
@@ -3769,7 +8872,7 @@
           <a:p>
             <a:fld id="{72BDBADB-C77C-47F7-92A3-85AE4F1E1D0F}" type="datetimeFigureOut">
               <a:rPr lang="es-ES" smtClean="0"/>
-              <a:t>02/05/2024</a:t>
+              <a:t>03/05/2024</a:t>
             </a:fld>
             <a:endParaRPr lang="es-ES"/>
           </a:p>
@@ -3949,7 +9052,7 @@
           <a:p>
             <a:fld id="{72BDBADB-C77C-47F7-92A3-85AE4F1E1D0F}" type="datetimeFigureOut">
               <a:rPr lang="es-ES" smtClean="0"/>
-              <a:t>02/05/2024</a:t>
+              <a:t>03/05/2024</a:t>
             </a:fld>
             <a:endParaRPr lang="es-ES"/>
           </a:p>
@@ -4119,7 +9222,7 @@
           <a:p>
             <a:fld id="{72BDBADB-C77C-47F7-92A3-85AE4F1E1D0F}" type="datetimeFigureOut">
               <a:rPr lang="es-ES" smtClean="0"/>
-              <a:t>02/05/2024</a:t>
+              <a:t>03/05/2024</a:t>
             </a:fld>
             <a:endParaRPr lang="es-ES"/>
           </a:p>
@@ -4366,7 +9469,7 @@
           <a:p>
             <a:fld id="{72BDBADB-C77C-47F7-92A3-85AE4F1E1D0F}" type="datetimeFigureOut">
               <a:rPr lang="es-ES" smtClean="0"/>
-              <a:t>02/05/2024</a:t>
+              <a:t>03/05/2024</a:t>
             </a:fld>
             <a:endParaRPr lang="es-ES"/>
           </a:p>
@@ -4598,7 +9701,7 @@
           <a:p>
             <a:fld id="{72BDBADB-C77C-47F7-92A3-85AE4F1E1D0F}" type="datetimeFigureOut">
               <a:rPr lang="es-ES" smtClean="0"/>
-              <a:t>02/05/2024</a:t>
+              <a:t>03/05/2024</a:t>
             </a:fld>
             <a:endParaRPr lang="es-ES"/>
           </a:p>
@@ -4972,7 +10075,7 @@
           <a:p>
             <a:fld id="{72BDBADB-C77C-47F7-92A3-85AE4F1E1D0F}" type="datetimeFigureOut">
               <a:rPr lang="es-ES" smtClean="0"/>
-              <a:t>02/05/2024</a:t>
+              <a:t>03/05/2024</a:t>
             </a:fld>
             <a:endParaRPr lang="es-ES"/>
           </a:p>
@@ -5095,7 +10198,7 @@
           <a:p>
             <a:fld id="{72BDBADB-C77C-47F7-92A3-85AE4F1E1D0F}" type="datetimeFigureOut">
               <a:rPr lang="es-ES" smtClean="0"/>
-              <a:t>02/05/2024</a:t>
+              <a:t>03/05/2024</a:t>
             </a:fld>
             <a:endParaRPr lang="es-ES"/>
           </a:p>
@@ -5190,7 +10293,7 @@
           <a:p>
             <a:fld id="{72BDBADB-C77C-47F7-92A3-85AE4F1E1D0F}" type="datetimeFigureOut">
               <a:rPr lang="es-ES" smtClean="0"/>
-              <a:t>02/05/2024</a:t>
+              <a:t>03/05/2024</a:t>
             </a:fld>
             <a:endParaRPr lang="es-ES"/>
           </a:p>
@@ -5445,7 +10548,7 @@
           <a:p>
             <a:fld id="{72BDBADB-C77C-47F7-92A3-85AE4F1E1D0F}" type="datetimeFigureOut">
               <a:rPr lang="es-ES" smtClean="0"/>
-              <a:t>02/05/2024</a:t>
+              <a:t>03/05/2024</a:t>
             </a:fld>
             <a:endParaRPr lang="es-ES"/>
           </a:p>
@@ -5750,7 +10853,7 @@
           <a:p>
             <a:fld id="{72BDBADB-C77C-47F7-92A3-85AE4F1E1D0F}" type="datetimeFigureOut">
               <a:rPr lang="es-ES" smtClean="0"/>
-              <a:t>02/05/2024</a:t>
+              <a:t>03/05/2024</a:t>
             </a:fld>
             <a:endParaRPr lang="es-ES"/>
           </a:p>
@@ -6452,7 +11555,7 @@
           <a:p>
             <a:fld id="{72BDBADB-C77C-47F7-92A3-85AE4F1E1D0F}" type="datetimeFigureOut">
               <a:rPr lang="es-ES" smtClean="0"/>
-              <a:t>02/05/2024</a:t>
+              <a:t>03/05/2024</a:t>
             </a:fld>
             <a:endParaRPr lang="es-ES"/>
           </a:p>
@@ -7838,6 +12941,9 @@
   <p:clrMapOvr>
     <a:overrideClrMapping bg1="dk1" tx1="lt1" bg2="dk2" tx2="lt2" accent1="accent1" accent2="accent2" accent3="accent3" accent4="accent4" accent5="accent5" accent6="accent6" hlink="hlink" folHlink="folHlink"/>
   </p:clrMapOvr>
+  <p:transition spd="slow">
+    <p:dissolve/>
+  </p:transition>
 </p:sld>
 </file>
 
@@ -7967,6 +13073,9 @@
   <p:clrMapOvr>
     <a:masterClrMapping/>
   </p:clrMapOvr>
+  <p:transition spd="slow">
+    <p:dissolve/>
+  </p:transition>
 </p:sld>
 </file>
 
@@ -8469,6 +13578,9 @@
   <p:clrMapOvr>
     <a:masterClrMapping/>
   </p:clrMapOvr>
+  <p:transition spd="slow">
+    <p:dissolve/>
+  </p:transition>
 </p:sld>
 </file>
 
@@ -8775,6 +13887,9 @@
   <p:clrMapOvr>
     <a:masterClrMapping/>
   </p:clrMapOvr>
+  <p:transition spd="slow">
+    <p:dissolve/>
+  </p:transition>
 </p:sld>
 </file>
 
@@ -8907,6 +14022,9 @@
   <p:clrMapOvr>
     <a:masterClrMapping/>
   </p:clrMapOvr>
+  <p:transition spd="slow">
+    <p:dissolve/>
+  </p:transition>
 </p:sld>
 </file>
 
@@ -9409,6 +14527,9 @@
   <p:clrMapOvr>
     <a:masterClrMapping/>
   </p:clrMapOvr>
+  <p:transition spd="slow">
+    <p:dissolve/>
+  </p:transition>
 </p:sld>
 </file>
 
@@ -9515,7 +14636,7 @@
         </p:nvSpPr>
         <p:spPr>
           <a:xfrm>
-            <a:off x="1043950" y="1179151"/>
+            <a:off x="1078818" y="977901"/>
             <a:ext cx="3300646" cy="4463889"/>
           </a:xfrm>
         </p:spPr>
@@ -9642,119 +14763,37 @@
           </a:fontRef>
         </p:style>
       </p:cxnSp>
-      <p:sp>
-        <p:nvSpPr>
-          <p:cNvPr id="3" name="Marcador de contenido 2">
+      <p:graphicFrame>
+        <p:nvGraphicFramePr>
+          <p:cNvPr id="4" name="Marcador de contenido 3">
             <a:extLst>
               <a:ext uri="{FF2B5EF4-FFF2-40B4-BE49-F238E27FC236}">
-                <a16:creationId xmlns:a16="http://schemas.microsoft.com/office/drawing/2014/main" id="{A27D4923-4320-B880-E1C7-6F6EECB707DC}"/>
+                <a16:creationId xmlns:a16="http://schemas.microsoft.com/office/drawing/2014/main" id="{4607D6E4-ED79-2752-1FF2-CD74B7927DAA}"/>
               </a:ext>
             </a:extLst>
           </p:cNvPr>
-          <p:cNvSpPr>
-            <a:spLocks noGrp="1"/>
-          </p:cNvSpPr>
+          <p:cNvGraphicFramePr>
+            <a:graphicFrameLocks noGrp="1"/>
+          </p:cNvGraphicFramePr>
           <p:nvPr>
             <p:ph idx="1"/>
-          </p:nvPr>
-        </p:nvSpPr>
-        <p:spPr>
-          <a:xfrm>
-            <a:off x="4978918" y="1109145"/>
-            <a:ext cx="6341016" cy="4603900"/>
-          </a:xfrm>
-        </p:spPr>
-        <p:txBody>
-          <a:bodyPr anchor="ctr">
-            <a:normAutofit/>
-          </a:bodyPr>
-          <a:lstStyle/>
-          <a:p>
-            <a:r>
-              <a:rPr lang="es-ES" sz="2000" b="1" dirty="0"/>
-              <a:t>Paso 1:</a:t>
-            </a:r>
-            <a:r>
-              <a:rPr lang="es-ES" sz="2000" dirty="0"/>
-              <a:t> Preparar los datos.</a:t>
-            </a:r>
-          </a:p>
-          <a:p>
-            <a:r>
-              <a:rPr lang="es-ES" sz="2000" b="1" dirty="0"/>
-              <a:t>Paso 2:</a:t>
-            </a:r>
-            <a:r>
-              <a:rPr lang="es-ES" sz="2000" dirty="0"/>
-              <a:t> Conecte sus datos a </a:t>
-            </a:r>
-            <a:r>
-              <a:rPr lang="es-ES" sz="2000" dirty="0" err="1"/>
-              <a:t>AppSheet</a:t>
-            </a:r>
-            <a:r>
-              <a:rPr lang="es-ES" sz="2000" dirty="0"/>
-              <a:t>.</a:t>
-            </a:r>
-          </a:p>
-          <a:p>
-            <a:r>
-              <a:rPr lang="es-ES" sz="2000" b="1" dirty="0"/>
-              <a:t>Paso 3:</a:t>
-            </a:r>
-            <a:r>
-              <a:rPr lang="es-ES" sz="2000" dirty="0"/>
-              <a:t> Familiarícese con el Editor de </a:t>
-            </a:r>
-            <a:r>
-              <a:rPr lang="es-ES" sz="2000" dirty="0" err="1"/>
-              <a:t>AppSheet</a:t>
-            </a:r>
-            <a:r>
-              <a:rPr lang="es-ES" sz="2000" dirty="0"/>
-              <a:t>.</a:t>
-            </a:r>
-          </a:p>
-          <a:p>
-            <a:r>
-              <a:rPr lang="es-ES" sz="2000" b="1" dirty="0"/>
-              <a:t>Paso 4:</a:t>
-            </a:r>
-            <a:r>
-              <a:rPr lang="es-ES" sz="2000" dirty="0"/>
-              <a:t> Defina cómo se utilizarán los datos conectados.</a:t>
-            </a:r>
-          </a:p>
-          <a:p>
-            <a:r>
-              <a:rPr lang="es-ES" sz="2000" b="1" dirty="0"/>
-              <a:t>Paso 5:</a:t>
-            </a:r>
-            <a:r>
-              <a:rPr lang="es-ES" sz="2000" dirty="0"/>
-              <a:t> Crea vistas y personaliza la apariencia.</a:t>
-            </a:r>
-          </a:p>
-          <a:p>
-            <a:r>
-              <a:rPr lang="es-ES" sz="2000" b="1" dirty="0"/>
-              <a:t>Paso 6:</a:t>
-            </a:r>
-            <a:r>
-              <a:rPr lang="es-ES" sz="2000" dirty="0"/>
-              <a:t> Crear </a:t>
-            </a:r>
-            <a:r>
-              <a:rPr lang="es-ES" sz="2000" dirty="0" err="1"/>
-              <a:t>bots</a:t>
-            </a:r>
-            <a:r>
-              <a:rPr lang="es-ES" sz="2000" dirty="0"/>
-              <a:t> para ejecutar automatizaciones.</a:t>
-            </a:r>
-          </a:p>
-        </p:txBody>
-      </p:sp>
+            <p:extLst>
+              <p:ext uri="{D42A27DB-BD31-4B8C-83A1-F6EECF244321}">
+                <p14:modId xmlns:p14="http://schemas.microsoft.com/office/powerpoint/2010/main" val="3153556305"/>
+              </p:ext>
+            </p:extLst>
+          </p:nvPr>
+        </p:nvGraphicFramePr>
+        <p:xfrm>
+          <a:off x="4394200" y="977901"/>
+          <a:ext cx="6955203" cy="4952999"/>
+        </p:xfrm>
+        <a:graphic>
+          <a:graphicData uri="http://schemas.openxmlformats.org/drawingml/2006/diagram">
+            <dgm:relIds xmlns:dgm="http://schemas.openxmlformats.org/drawingml/2006/diagram" xmlns:r="http://schemas.openxmlformats.org/officeDocument/2006/relationships" r:dm="rId2" r:lo="rId3" r:qs="rId4" r:cs="rId5"/>
+          </a:graphicData>
+        </a:graphic>
+      </p:graphicFrame>
       <p:sp>
         <p:nvSpPr>
           <p:cNvPr id="14" name="Isosceles Triangle 13">
@@ -9828,6 +14867,9 @@
   <p:clrMapOvr>
     <a:masterClrMapping/>
   </p:clrMapOvr>
+  <p:transition spd="slow">
+    <p:dissolve/>
+  </p:transition>
 </p:sld>
 </file>
 
@@ -11011,6 +16053,1637 @@
   <p:clrMapOvr>
     <a:masterClrMapping/>
   </p:clrMapOvr>
+  <p:transition spd="slow">
+    <p:dissolve/>
+  </p:transition>
+</p:sld>
+</file>
+
+<file path=ppt/slides/slide9.xml><?xml version="1.0" encoding="utf-8"?>
+<p:sld xmlns:a="http://schemas.openxmlformats.org/drawingml/2006/main" xmlns:r="http://schemas.openxmlformats.org/officeDocument/2006/relationships" xmlns:p="http://schemas.openxmlformats.org/presentationml/2006/main">
+  <p:cSld>
+    <p:bg>
+      <p:bgPr>
+        <a:solidFill>
+          <a:schemeClr val="bg2"/>
+        </a:solidFill>
+        <a:effectLst/>
+      </p:bgPr>
+    </p:bg>
+    <p:spTree>
+      <p:nvGrpSpPr>
+        <p:cNvPr id="1" name=""/>
+        <p:cNvGrpSpPr/>
+        <p:nvPr/>
+      </p:nvGrpSpPr>
+      <p:grpSpPr>
+        <a:xfrm>
+          <a:off x="0" y="0"/>
+          <a:ext cx="0" cy="0"/>
+          <a:chOff x="0" y="0"/>
+          <a:chExt cx="0" cy="0"/>
+        </a:xfrm>
+      </p:grpSpPr>
+      <p:sp useBgFill="1">
+        <p:nvSpPr>
+          <p:cNvPr id="8" name="Rectangle 7">
+            <a:extLst>
+              <a:ext uri="{FF2B5EF4-FFF2-40B4-BE49-F238E27FC236}">
+                <a16:creationId xmlns:a16="http://schemas.microsoft.com/office/drawing/2014/main" id="{A65AC7D1-EAA9-48F5-B509-60A7F50BF703}"/>
+              </a:ext>
+              <a:ext uri="{C183D7F6-B498-43B3-948B-1728B52AA6E4}">
+                <adec:decorative xmlns:adec="http://schemas.microsoft.com/office/drawing/2017/decorative" val="1"/>
+              </a:ext>
+            </a:extLst>
+          </p:cNvPr>
+          <p:cNvSpPr>
+            <a:spLocks noGrp="1" noRot="1" noChangeAspect="1" noMove="1" noResize="1" noEditPoints="1" noAdjustHandles="1" noChangeArrowheads="1" noChangeShapeType="1" noTextEdit="1"/>
+          </p:cNvSpPr>
+          <p:nvPr>
+            <p:extLst>
+              <p:ext uri="{386F3935-93C4-4BCD-93E2-E3B085C9AB24}">
+                <p16:designElem xmlns:p16="http://schemas.microsoft.com/office/powerpoint/2015/main" val="1"/>
+              </p:ext>
+            </p:extLst>
+          </p:nvPr>
+        </p:nvSpPr>
+        <p:spPr>
+          <a:xfrm>
+            <a:off x="0" y="0"/>
+            <a:ext cx="12192000" cy="6858000"/>
+          </a:xfrm>
+          <a:prstGeom prst="rect">
+            <a:avLst/>
+          </a:prstGeom>
+          <a:ln>
+            <a:noFill/>
+          </a:ln>
+        </p:spPr>
+        <p:style>
+          <a:lnRef idx="2">
+            <a:schemeClr val="accent1">
+              <a:shade val="50000"/>
+            </a:schemeClr>
+          </a:lnRef>
+          <a:fillRef idx="1">
+            <a:schemeClr val="accent1"/>
+          </a:fillRef>
+          <a:effectRef idx="0">
+            <a:schemeClr val="accent1"/>
+          </a:effectRef>
+          <a:fontRef idx="minor">
+            <a:schemeClr val="lt1"/>
+          </a:fontRef>
+        </p:style>
+        <p:txBody>
+          <a:bodyPr rtlCol="0" anchor="ctr"/>
+          <a:lstStyle/>
+          <a:p>
+            <a:pPr algn="ctr"/>
+            <a:endParaRPr lang="en-US" dirty="0"/>
+          </a:p>
+        </p:txBody>
+      </p:sp>
+      <p:sp useBgFill="1">
+        <p:nvSpPr>
+          <p:cNvPr id="10" name="Rectangle 9">
+            <a:extLst>
+              <a:ext uri="{FF2B5EF4-FFF2-40B4-BE49-F238E27FC236}">
+                <a16:creationId xmlns:a16="http://schemas.microsoft.com/office/drawing/2014/main" id="{D6320AF9-619A-4175-865B-5663E1AEF4C5}"/>
+              </a:ext>
+              <a:ext uri="{C183D7F6-B498-43B3-948B-1728B52AA6E4}">
+                <adec:decorative xmlns:adec="http://schemas.microsoft.com/office/drawing/2017/decorative" val="1"/>
+              </a:ext>
+            </a:extLst>
+          </p:cNvPr>
+          <p:cNvSpPr>
+            <a:spLocks noGrp="1" noRot="1" noChangeAspect="1" noMove="1" noResize="1" noEditPoints="1" noAdjustHandles="1" noChangeArrowheads="1" noChangeShapeType="1" noTextEdit="1"/>
+          </p:cNvSpPr>
+          <p:nvPr>
+            <p:extLst>
+              <p:ext uri="{386F3935-93C4-4BCD-93E2-E3B085C9AB24}">
+                <p16:designElem xmlns:p16="http://schemas.microsoft.com/office/powerpoint/2015/main" val="1"/>
+              </p:ext>
+            </p:extLst>
+          </p:nvPr>
+        </p:nvSpPr>
+        <p:spPr>
+          <a:xfrm>
+            <a:off x="0" y="0"/>
+            <a:ext cx="12192000" cy="6858000"/>
+          </a:xfrm>
+          <a:prstGeom prst="rect">
+            <a:avLst/>
+          </a:prstGeom>
+          <a:ln>
+            <a:noFill/>
+          </a:ln>
+        </p:spPr>
+        <p:style>
+          <a:lnRef idx="2">
+            <a:schemeClr val="accent1">
+              <a:shade val="50000"/>
+            </a:schemeClr>
+          </a:lnRef>
+          <a:fillRef idx="1">
+            <a:schemeClr val="accent1"/>
+          </a:fillRef>
+          <a:effectRef idx="0">
+            <a:schemeClr val="accent1"/>
+          </a:effectRef>
+          <a:fontRef idx="minor">
+            <a:schemeClr val="lt1"/>
+          </a:fontRef>
+        </p:style>
+        <p:txBody>
+          <a:bodyPr rtlCol="0" anchor="ctr"/>
+          <a:lstStyle/>
+          <a:p>
+            <a:pPr algn="ctr"/>
+            <a:endParaRPr lang="en-US"/>
+          </a:p>
+        </p:txBody>
+      </p:sp>
+      <p:cxnSp>
+        <p:nvCxnSpPr>
+          <p:cNvPr id="12" name="Straight Connector 11">
+            <a:extLst>
+              <a:ext uri="{FF2B5EF4-FFF2-40B4-BE49-F238E27FC236}">
+                <a16:creationId xmlns:a16="http://schemas.microsoft.com/office/drawing/2014/main" id="{063B6EC6-D752-4EE7-908B-F8F19E8C7FEA}"/>
+              </a:ext>
+              <a:ext uri="{C183D7F6-B498-43B3-948B-1728B52AA6E4}">
+                <adec:decorative xmlns:adec="http://schemas.microsoft.com/office/drawing/2017/decorative" val="1"/>
+              </a:ext>
+            </a:extLst>
+          </p:cNvPr>
+          <p:cNvCxnSpPr>
+            <a:cxnSpLocks noGrp="1" noRot="1" noChangeAspect="1" noMove="1" noResize="1" noEditPoints="1" noAdjustHandles="1" noChangeArrowheads="1" noChangeShapeType="1"/>
+          </p:cNvCxnSpPr>
+          <p:nvPr>
+            <p:extLst>
+              <p:ext uri="{386F3935-93C4-4BCD-93E2-E3B085C9AB24}">
+                <p16:designElem xmlns:p16="http://schemas.microsoft.com/office/powerpoint/2015/main" val="1"/>
+              </p:ext>
+            </p:extLst>
+          </p:nvPr>
+        </p:nvCxnSpPr>
+        <p:spPr>
+          <a:xfrm>
+            <a:off x="3953376" y="0"/>
+            <a:ext cx="1219200" cy="6858000"/>
+          </a:xfrm>
+          <a:prstGeom prst="line">
+            <a:avLst/>
+          </a:prstGeom>
+          <a:ln w="9525">
+            <a:solidFill>
+              <a:schemeClr val="accent1">
+                <a:lumMod val="75000"/>
+              </a:schemeClr>
+            </a:solidFill>
+          </a:ln>
+        </p:spPr>
+        <p:style>
+          <a:lnRef idx="2">
+            <a:schemeClr val="accent1"/>
+          </a:lnRef>
+          <a:fillRef idx="0">
+            <a:schemeClr val="accent1"/>
+          </a:fillRef>
+          <a:effectRef idx="1">
+            <a:schemeClr val="accent1"/>
+          </a:effectRef>
+          <a:fontRef idx="minor">
+            <a:schemeClr val="tx1"/>
+          </a:fontRef>
+        </p:style>
+      </p:cxnSp>
+      <p:cxnSp>
+        <p:nvCxnSpPr>
+          <p:cNvPr id="14" name="Straight Connector 13">
+            <a:extLst>
+              <a:ext uri="{FF2B5EF4-FFF2-40B4-BE49-F238E27FC236}">
+                <a16:creationId xmlns:a16="http://schemas.microsoft.com/office/drawing/2014/main" id="{EFECD4E8-AD3E-4228-82A2-9461958EA94D}"/>
+              </a:ext>
+              <a:ext uri="{C183D7F6-B498-43B3-948B-1728B52AA6E4}">
+                <adec:decorative xmlns:adec="http://schemas.microsoft.com/office/drawing/2017/decorative" val="1"/>
+              </a:ext>
+            </a:extLst>
+          </p:cNvPr>
+          <p:cNvCxnSpPr>
+            <a:cxnSpLocks noGrp="1" noRot="1" noChangeAspect="1" noMove="1" noResize="1" noEditPoints="1" noAdjustHandles="1" noChangeArrowheads="1" noChangeShapeType="1"/>
+          </p:cNvCxnSpPr>
+          <p:nvPr>
+            <p:extLst>
+              <p:ext uri="{386F3935-93C4-4BCD-93E2-E3B085C9AB24}">
+                <p16:designElem xmlns:p16="http://schemas.microsoft.com/office/powerpoint/2015/main" val="1"/>
+              </p:ext>
+            </p:extLst>
+          </p:nvPr>
+        </p:nvCxnSpPr>
+        <p:spPr>
+          <a:xfrm flipH="1">
+            <a:off x="2133042" y="3681413"/>
+            <a:ext cx="4763558" cy="3176587"/>
+          </a:xfrm>
+          <a:prstGeom prst="line">
+            <a:avLst/>
+          </a:prstGeom>
+          <a:ln w="9525">
+            <a:solidFill>
+              <a:schemeClr val="tx1">
+                <a:lumMod val="50000"/>
+                <a:lumOff val="50000"/>
+                <a:alpha val="80000"/>
+              </a:schemeClr>
+            </a:solidFill>
+          </a:ln>
+        </p:spPr>
+        <p:style>
+          <a:lnRef idx="2">
+            <a:schemeClr val="accent1"/>
+          </a:lnRef>
+          <a:fillRef idx="0">
+            <a:schemeClr val="accent1"/>
+          </a:fillRef>
+          <a:effectRef idx="1">
+            <a:schemeClr val="accent1"/>
+          </a:effectRef>
+          <a:fontRef idx="minor">
+            <a:schemeClr val="tx1"/>
+          </a:fontRef>
+        </p:style>
+      </p:cxnSp>
+      <p:sp>
+        <p:nvSpPr>
+          <p:cNvPr id="16" name="Rectangle 23">
+            <a:extLst>
+              <a:ext uri="{FF2B5EF4-FFF2-40B4-BE49-F238E27FC236}">
+                <a16:creationId xmlns:a16="http://schemas.microsoft.com/office/drawing/2014/main" id="{7E018740-5C2B-4A41-AC1A-7E68D1EC1954}"/>
+              </a:ext>
+              <a:ext uri="{C183D7F6-B498-43B3-948B-1728B52AA6E4}">
+                <adec:decorative xmlns:adec="http://schemas.microsoft.com/office/drawing/2017/decorative" val="1"/>
+              </a:ext>
+            </a:extLst>
+          </p:cNvPr>
+          <p:cNvSpPr>
+            <a:spLocks noGrp="1" noRot="1" noChangeAspect="1" noMove="1" noResize="1" noEditPoints="1" noAdjustHandles="1" noChangeArrowheads="1" noChangeShapeType="1" noTextEdit="1"/>
+          </p:cNvSpPr>
+          <p:nvPr>
+            <p:extLst>
+              <p:ext uri="{386F3935-93C4-4BCD-93E2-E3B085C9AB24}">
+                <p16:designElem xmlns:p16="http://schemas.microsoft.com/office/powerpoint/2015/main" val="1"/>
+              </p:ext>
+            </p:extLst>
+          </p:nvPr>
+        </p:nvSpPr>
+        <p:spPr>
+          <a:xfrm>
+            <a:off x="3324631" y="-8467"/>
+            <a:ext cx="3007349" cy="6866467"/>
+          </a:xfrm>
+          <a:custGeom>
+            <a:avLst/>
+            <a:gdLst/>
+            <a:ahLst/>
+            <a:cxnLst/>
+            <a:rect l="l" t="t" r="r" b="b"/>
+            <a:pathLst>
+              <a:path w="3007349" h="6866467">
+                <a:moveTo>
+                  <a:pt x="2045532" y="0"/>
+                </a:moveTo>
+                <a:lnTo>
+                  <a:pt x="3007349" y="0"/>
+                </a:lnTo>
+                <a:lnTo>
+                  <a:pt x="3007349" y="6866467"/>
+                </a:lnTo>
+                <a:lnTo>
+                  <a:pt x="0" y="6866467"/>
+                </a:lnTo>
+                <a:lnTo>
+                  <a:pt x="2045532" y="0"/>
+                </a:lnTo>
+                <a:close/>
+              </a:path>
+            </a:pathLst>
+          </a:custGeom>
+          <a:solidFill>
+            <a:schemeClr val="accent1">
+              <a:alpha val="30000"/>
+            </a:schemeClr>
+          </a:solidFill>
+          <a:ln>
+            <a:noFill/>
+          </a:ln>
+          <a:effectLst/>
+        </p:spPr>
+        <p:style>
+          <a:lnRef idx="1">
+            <a:schemeClr val="accent1"/>
+          </a:lnRef>
+          <a:fillRef idx="3">
+            <a:schemeClr val="accent1"/>
+          </a:fillRef>
+          <a:effectRef idx="2">
+            <a:schemeClr val="accent1"/>
+          </a:effectRef>
+          <a:fontRef idx="minor">
+            <a:schemeClr val="lt1"/>
+          </a:fontRef>
+        </p:style>
+        <p:txBody>
+          <a:bodyPr/>
+          <a:lstStyle/>
+          <a:p>
+            <a:endParaRPr lang="es-ES"/>
+          </a:p>
+        </p:txBody>
+      </p:sp>
+      <p:sp>
+        <p:nvSpPr>
+          <p:cNvPr id="18" name="Rectangle 25">
+            <a:extLst>
+              <a:ext uri="{FF2B5EF4-FFF2-40B4-BE49-F238E27FC236}">
+                <a16:creationId xmlns:a16="http://schemas.microsoft.com/office/drawing/2014/main" id="{166F75A4-C475-4941-8EE2-B80A06A2C1BB}"/>
+              </a:ext>
+              <a:ext uri="{C183D7F6-B498-43B3-948B-1728B52AA6E4}">
+                <adec:decorative xmlns:adec="http://schemas.microsoft.com/office/drawing/2017/decorative" val="1"/>
+              </a:ext>
+            </a:extLst>
+          </p:cNvPr>
+          <p:cNvSpPr>
+            <a:spLocks noGrp="1" noRot="1" noChangeAspect="1" noMove="1" noResize="1" noEditPoints="1" noAdjustHandles="1" noChangeArrowheads="1" noChangeShapeType="1" noTextEdit="1"/>
+          </p:cNvSpPr>
+          <p:nvPr>
+            <p:extLst>
+              <p:ext uri="{386F3935-93C4-4BCD-93E2-E3B085C9AB24}">
+                <p16:designElem xmlns:p16="http://schemas.microsoft.com/office/powerpoint/2015/main" val="1"/>
+              </p:ext>
+            </p:extLst>
+          </p:nvPr>
+        </p:nvSpPr>
+        <p:spPr>
+          <a:xfrm>
+            <a:off x="3746597" y="-8467"/>
+            <a:ext cx="2588558" cy="6866467"/>
+          </a:xfrm>
+          <a:custGeom>
+            <a:avLst/>
+            <a:gdLst/>
+            <a:ahLst/>
+            <a:cxnLst/>
+            <a:rect l="l" t="t" r="r" b="b"/>
+            <a:pathLst>
+              <a:path w="2573311" h="6866467">
+                <a:moveTo>
+                  <a:pt x="0" y="0"/>
+                </a:moveTo>
+                <a:lnTo>
+                  <a:pt x="2573311" y="0"/>
+                </a:lnTo>
+                <a:lnTo>
+                  <a:pt x="2573311" y="6866467"/>
+                </a:lnTo>
+                <a:lnTo>
+                  <a:pt x="1202336" y="6866467"/>
+                </a:lnTo>
+                <a:lnTo>
+                  <a:pt x="0" y="0"/>
+                </a:lnTo>
+                <a:close/>
+              </a:path>
+            </a:pathLst>
+          </a:custGeom>
+          <a:solidFill>
+            <a:schemeClr val="accent1">
+              <a:alpha val="20000"/>
+            </a:schemeClr>
+          </a:solidFill>
+          <a:ln>
+            <a:noFill/>
+          </a:ln>
+          <a:effectLst/>
+        </p:spPr>
+        <p:style>
+          <a:lnRef idx="1">
+            <a:schemeClr val="accent1"/>
+          </a:lnRef>
+          <a:fillRef idx="3">
+            <a:schemeClr val="accent1"/>
+          </a:fillRef>
+          <a:effectRef idx="2">
+            <a:schemeClr val="accent1"/>
+          </a:effectRef>
+          <a:fontRef idx="minor">
+            <a:schemeClr val="lt1"/>
+          </a:fontRef>
+        </p:style>
+        <p:txBody>
+          <a:bodyPr/>
+          <a:lstStyle/>
+          <a:p>
+            <a:endParaRPr lang="es-ES"/>
+          </a:p>
+        </p:txBody>
+      </p:sp>
+      <p:sp>
+        <p:nvSpPr>
+          <p:cNvPr id="20" name="Isosceles Triangle 19">
+            <a:extLst>
+              <a:ext uri="{FF2B5EF4-FFF2-40B4-BE49-F238E27FC236}">
+                <a16:creationId xmlns:a16="http://schemas.microsoft.com/office/drawing/2014/main" id="{A032553A-72E8-4B0D-8405-FF9771C9AF05}"/>
+              </a:ext>
+              <a:ext uri="{C183D7F6-B498-43B3-948B-1728B52AA6E4}">
+                <adec:decorative xmlns:adec="http://schemas.microsoft.com/office/drawing/2017/decorative" val="1"/>
+              </a:ext>
+            </a:extLst>
+          </p:cNvPr>
+          <p:cNvSpPr>
+            <a:spLocks noGrp="1" noRot="1" noChangeAspect="1" noMove="1" noResize="1" noEditPoints="1" noAdjustHandles="1" noChangeArrowheads="1" noChangeShapeType="1" noTextEdit="1"/>
+          </p:cNvSpPr>
+          <p:nvPr>
+            <p:extLst>
+              <p:ext uri="{386F3935-93C4-4BCD-93E2-E3B085C9AB24}">
+                <p16:designElem xmlns:p16="http://schemas.microsoft.com/office/powerpoint/2015/main" val="1"/>
+              </p:ext>
+            </p:extLst>
+          </p:nvPr>
+        </p:nvSpPr>
+        <p:spPr>
+          <a:xfrm>
+            <a:off x="3075488" y="3048000"/>
+            <a:ext cx="3259667" cy="3810000"/>
+          </a:xfrm>
+          <a:prstGeom prst="triangle">
+            <a:avLst>
+              <a:gd name="adj" fmla="val 100000"/>
+            </a:avLst>
+          </a:prstGeom>
+          <a:solidFill>
+            <a:schemeClr val="accent2">
+              <a:alpha val="72000"/>
+            </a:schemeClr>
+          </a:solidFill>
+          <a:ln>
+            <a:noFill/>
+          </a:ln>
+          <a:effectLst/>
+        </p:spPr>
+        <p:style>
+          <a:lnRef idx="1">
+            <a:schemeClr val="accent1"/>
+          </a:lnRef>
+          <a:fillRef idx="3">
+            <a:schemeClr val="accent1"/>
+          </a:fillRef>
+          <a:effectRef idx="2">
+            <a:schemeClr val="accent1"/>
+          </a:effectRef>
+          <a:fontRef idx="minor">
+            <a:schemeClr val="lt1"/>
+          </a:fontRef>
+        </p:style>
+        <p:txBody>
+          <a:bodyPr/>
+          <a:lstStyle/>
+          <a:p>
+            <a:endParaRPr lang="es-ES"/>
+          </a:p>
+        </p:txBody>
+      </p:sp>
+      <p:sp>
+        <p:nvSpPr>
+          <p:cNvPr id="22" name="Rectangle 27">
+            <a:extLst>
+              <a:ext uri="{FF2B5EF4-FFF2-40B4-BE49-F238E27FC236}">
+                <a16:creationId xmlns:a16="http://schemas.microsoft.com/office/drawing/2014/main" id="{765800AC-C3B9-498E-87BC-29FAE4C76B21}"/>
+              </a:ext>
+              <a:ext uri="{C183D7F6-B498-43B3-948B-1728B52AA6E4}">
+                <adec:decorative xmlns:adec="http://schemas.microsoft.com/office/drawing/2017/decorative" val="1"/>
+              </a:ext>
+            </a:extLst>
+          </p:cNvPr>
+          <p:cNvSpPr>
+            <a:spLocks noGrp="1" noRot="1" noChangeAspect="1" noMove="1" noResize="1" noEditPoints="1" noAdjustHandles="1" noChangeArrowheads="1" noChangeShapeType="1" noTextEdit="1"/>
+          </p:cNvSpPr>
+          <p:nvPr>
+            <p:extLst>
+              <p:ext uri="{386F3935-93C4-4BCD-93E2-E3B085C9AB24}">
+                <p16:designElem xmlns:p16="http://schemas.microsoft.com/office/powerpoint/2015/main" val="1"/>
+              </p:ext>
+            </p:extLst>
+          </p:nvPr>
+        </p:nvSpPr>
+        <p:spPr>
+          <a:xfrm>
+            <a:off x="3477655" y="-8467"/>
+            <a:ext cx="2854326" cy="6866467"/>
+          </a:xfrm>
+          <a:custGeom>
+            <a:avLst/>
+            <a:gdLst/>
+            <a:ahLst/>
+            <a:cxnLst/>
+            <a:rect l="l" t="t" r="r" b="b"/>
+            <a:pathLst>
+              <a:path w="2858013" h="6866467">
+                <a:moveTo>
+                  <a:pt x="0" y="0"/>
+                </a:moveTo>
+                <a:lnTo>
+                  <a:pt x="2858013" y="0"/>
+                </a:lnTo>
+                <a:lnTo>
+                  <a:pt x="2858013" y="6866467"/>
+                </a:lnTo>
+                <a:lnTo>
+                  <a:pt x="2473942" y="6866467"/>
+                </a:lnTo>
+                <a:lnTo>
+                  <a:pt x="0" y="0"/>
+                </a:lnTo>
+                <a:close/>
+              </a:path>
+            </a:pathLst>
+          </a:custGeom>
+          <a:solidFill>
+            <a:schemeClr val="accent2">
+              <a:lumMod val="75000"/>
+              <a:alpha val="70000"/>
+            </a:schemeClr>
+          </a:solidFill>
+          <a:ln>
+            <a:noFill/>
+          </a:ln>
+          <a:effectLst/>
+        </p:spPr>
+        <p:style>
+          <a:lnRef idx="1">
+            <a:schemeClr val="accent1"/>
+          </a:lnRef>
+          <a:fillRef idx="3">
+            <a:schemeClr val="accent1"/>
+          </a:fillRef>
+          <a:effectRef idx="2">
+            <a:schemeClr val="accent1"/>
+          </a:effectRef>
+          <a:fontRef idx="minor">
+            <a:schemeClr val="lt1"/>
+          </a:fontRef>
+        </p:style>
+        <p:txBody>
+          <a:bodyPr/>
+          <a:lstStyle/>
+          <a:p>
+            <a:endParaRPr lang="es-ES"/>
+          </a:p>
+        </p:txBody>
+      </p:sp>
+      <p:sp>
+        <p:nvSpPr>
+          <p:cNvPr id="24" name="Isosceles Triangle 23">
+            <a:extLst>
+              <a:ext uri="{FF2B5EF4-FFF2-40B4-BE49-F238E27FC236}">
+                <a16:creationId xmlns:a16="http://schemas.microsoft.com/office/drawing/2014/main" id="{1F9D6ACB-2FF4-49F9-978A-E0D5327FC635}"/>
+              </a:ext>
+              <a:ext uri="{C183D7F6-B498-43B3-948B-1728B52AA6E4}">
+                <adec:decorative xmlns:adec="http://schemas.microsoft.com/office/drawing/2017/decorative" val="1"/>
+              </a:ext>
+            </a:extLst>
+          </p:cNvPr>
+          <p:cNvSpPr>
+            <a:spLocks noGrp="1" noRot="1" noChangeAspect="1" noMove="1" noResize="1" noEditPoints="1" noAdjustHandles="1" noChangeArrowheads="1" noChangeShapeType="1" noTextEdit="1"/>
+          </p:cNvSpPr>
+          <p:nvPr>
+            <p:extLst>
+              <p:ext uri="{386F3935-93C4-4BCD-93E2-E3B085C9AB24}">
+                <p16:designElem xmlns:p16="http://schemas.microsoft.com/office/powerpoint/2015/main" val="1"/>
+              </p:ext>
+            </p:extLst>
+          </p:nvPr>
+        </p:nvSpPr>
+        <p:spPr>
+          <a:xfrm>
+            <a:off x="4514821" y="3589867"/>
+            <a:ext cx="1817159" cy="3268133"/>
+          </a:xfrm>
+          <a:prstGeom prst="triangle">
+            <a:avLst>
+              <a:gd name="adj" fmla="val 100000"/>
+            </a:avLst>
+          </a:prstGeom>
+          <a:solidFill>
+            <a:schemeClr val="accent1">
+              <a:alpha val="80000"/>
+            </a:schemeClr>
+          </a:solidFill>
+          <a:ln>
+            <a:noFill/>
+          </a:ln>
+          <a:effectLst/>
+        </p:spPr>
+        <p:style>
+          <a:lnRef idx="1">
+            <a:schemeClr val="accent1"/>
+          </a:lnRef>
+          <a:fillRef idx="3">
+            <a:schemeClr val="accent1"/>
+          </a:fillRef>
+          <a:effectRef idx="2">
+            <a:schemeClr val="accent1"/>
+          </a:effectRef>
+          <a:fontRef idx="minor">
+            <a:schemeClr val="lt1"/>
+          </a:fontRef>
+        </p:style>
+        <p:txBody>
+          <a:bodyPr/>
+          <a:lstStyle/>
+          <a:p>
+            <a:endParaRPr lang="es-ES"/>
+          </a:p>
+        </p:txBody>
+      </p:sp>
+      <p:sp>
+        <p:nvSpPr>
+          <p:cNvPr id="26" name="Freeform: Shape 25">
+            <a:extLst>
+              <a:ext uri="{FF2B5EF4-FFF2-40B4-BE49-F238E27FC236}">
+                <a16:creationId xmlns:a16="http://schemas.microsoft.com/office/drawing/2014/main" id="{142BFA2A-77A0-4F60-A32A-685681C84889}"/>
+              </a:ext>
+              <a:ext uri="{C183D7F6-B498-43B3-948B-1728B52AA6E4}">
+                <adec:decorative xmlns:adec="http://schemas.microsoft.com/office/drawing/2017/decorative" val="1"/>
+              </a:ext>
+            </a:extLst>
+          </p:cNvPr>
+          <p:cNvSpPr>
+            <a:spLocks noGrp="1" noRot="1" noChangeAspect="1" noMove="1" noResize="1" noEditPoints="1" noAdjustHandles="1" noChangeArrowheads="1" noChangeShapeType="1" noTextEdit="1"/>
+          </p:cNvSpPr>
+          <p:nvPr>
+            <p:extLst>
+              <p:ext uri="{386F3935-93C4-4BCD-93E2-E3B085C9AB24}">
+                <p16:designElem xmlns:p16="http://schemas.microsoft.com/office/powerpoint/2015/main" val="1"/>
+              </p:ext>
+            </p:extLst>
+          </p:nvPr>
+        </p:nvSpPr>
+        <p:spPr>
+          <a:xfrm>
+            <a:off x="5082154" y="-8467"/>
+            <a:ext cx="7109846" cy="6866467"/>
+          </a:xfrm>
+          <a:custGeom>
+            <a:avLst/>
+            <a:gdLst>
+              <a:gd name="connsiteX0" fmla="*/ 0 w 7109846"/>
+              <a:gd name="connsiteY0" fmla="*/ 0 h 6866467"/>
+              <a:gd name="connsiteX1" fmla="*/ 1249825 w 7109846"/>
+              <a:gd name="connsiteY1" fmla="*/ 0 h 6866467"/>
+              <a:gd name="connsiteX2" fmla="*/ 1249825 w 7109846"/>
+              <a:gd name="connsiteY2" fmla="*/ 8467 h 6866467"/>
+              <a:gd name="connsiteX3" fmla="*/ 7109846 w 7109846"/>
+              <a:gd name="connsiteY3" fmla="*/ 8467 h 6866467"/>
+              <a:gd name="connsiteX4" fmla="*/ 7109846 w 7109846"/>
+              <a:gd name="connsiteY4" fmla="*/ 6866467 h 6866467"/>
+              <a:gd name="connsiteX5" fmla="*/ 1249825 w 7109846"/>
+              <a:gd name="connsiteY5" fmla="*/ 6866467 h 6866467"/>
+              <a:gd name="connsiteX6" fmla="*/ 1109382 w 7109846"/>
+              <a:gd name="connsiteY6" fmla="*/ 6866467 h 6866467"/>
+            </a:gdLst>
+            <a:ahLst/>
+            <a:cxnLst>
+              <a:cxn ang="0">
+                <a:pos x="connsiteX0" y="connsiteY0"/>
+              </a:cxn>
+              <a:cxn ang="0">
+                <a:pos x="connsiteX1" y="connsiteY1"/>
+              </a:cxn>
+              <a:cxn ang="0">
+                <a:pos x="connsiteX2" y="connsiteY2"/>
+              </a:cxn>
+              <a:cxn ang="0">
+                <a:pos x="connsiteX3" y="connsiteY3"/>
+              </a:cxn>
+              <a:cxn ang="0">
+                <a:pos x="connsiteX4" y="connsiteY4"/>
+              </a:cxn>
+              <a:cxn ang="0">
+                <a:pos x="connsiteX5" y="connsiteY5"/>
+              </a:cxn>
+              <a:cxn ang="0">
+                <a:pos x="connsiteX6" y="connsiteY6"/>
+              </a:cxn>
+            </a:cxnLst>
+            <a:rect l="l" t="t" r="r" b="b"/>
+            <a:pathLst>
+              <a:path w="7109846" h="6866467">
+                <a:moveTo>
+                  <a:pt x="0" y="0"/>
+                </a:moveTo>
+                <a:lnTo>
+                  <a:pt x="1249825" y="0"/>
+                </a:lnTo>
+                <a:lnTo>
+                  <a:pt x="1249825" y="8467"/>
+                </a:lnTo>
+                <a:lnTo>
+                  <a:pt x="7109846" y="8467"/>
+                </a:lnTo>
+                <a:lnTo>
+                  <a:pt x="7109846" y="6866467"/>
+                </a:lnTo>
+                <a:lnTo>
+                  <a:pt x="1249825" y="6866467"/>
+                </a:lnTo>
+                <a:lnTo>
+                  <a:pt x="1109382" y="6866467"/>
+                </a:lnTo>
+                <a:close/>
+              </a:path>
+            </a:pathLst>
+          </a:custGeom>
+          <a:solidFill>
+            <a:schemeClr val="accent1">
+              <a:lumMod val="75000"/>
+            </a:schemeClr>
+          </a:solidFill>
+          <a:ln>
+            <a:noFill/>
+          </a:ln>
+        </p:spPr>
+        <p:style>
+          <a:lnRef idx="2">
+            <a:schemeClr val="accent1">
+              <a:shade val="50000"/>
+            </a:schemeClr>
+          </a:lnRef>
+          <a:fillRef idx="1">
+            <a:schemeClr val="accent1"/>
+          </a:fillRef>
+          <a:effectRef idx="0">
+            <a:schemeClr val="accent1"/>
+          </a:effectRef>
+          <a:fontRef idx="minor">
+            <a:schemeClr val="lt1"/>
+          </a:fontRef>
+        </p:style>
+        <p:txBody>
+          <a:bodyPr wrap="square" rtlCol="0" anchor="ctr">
+            <a:noAutofit/>
+          </a:bodyPr>
+          <a:lstStyle/>
+          <a:p>
+            <a:pPr algn="ctr"/>
+            <a:endParaRPr lang="en-US"/>
+          </a:p>
+        </p:txBody>
+      </p:sp>
+      <p:sp>
+        <p:nvSpPr>
+          <p:cNvPr id="2" name="Título 1">
+            <a:extLst>
+              <a:ext uri="{FF2B5EF4-FFF2-40B4-BE49-F238E27FC236}">
+                <a16:creationId xmlns:a16="http://schemas.microsoft.com/office/drawing/2014/main" id="{CC92C51D-73D7-9C6C-3546-A52C18F05A38}"/>
+              </a:ext>
+            </a:extLst>
+          </p:cNvPr>
+          <p:cNvSpPr>
+            <a:spLocks noGrp="1"/>
+          </p:cNvSpPr>
+          <p:nvPr>
+            <p:ph type="title"/>
+          </p:nvPr>
+        </p:nvSpPr>
+        <p:spPr>
+          <a:xfrm>
+            <a:off x="1025556" y="651932"/>
+            <a:ext cx="3069263" cy="5545667"/>
+          </a:xfrm>
+        </p:spPr>
+        <p:txBody>
+          <a:bodyPr anchor="ctr">
+            <a:normAutofit/>
+          </a:bodyPr>
+          <a:lstStyle/>
+          <a:p>
+            <a:r>
+              <a:rPr lang="es-CO" sz="4000" dirty="0">
+                <a:solidFill>
+                  <a:schemeClr val="tx1">
+                    <a:lumMod val="85000"/>
+                    <a:lumOff val="15000"/>
+                  </a:schemeClr>
+                </a:solidFill>
+              </a:rPr>
+              <a:t>Precios de </a:t>
+            </a:r>
+            <a:r>
+              <a:rPr lang="es-CO" sz="4000" dirty="0" err="1">
+                <a:solidFill>
+                  <a:schemeClr val="tx1">
+                    <a:lumMod val="85000"/>
+                    <a:lumOff val="15000"/>
+                  </a:schemeClr>
+                </a:solidFill>
+              </a:rPr>
+              <a:t>AppSheet</a:t>
+            </a:r>
+            <a:endParaRPr lang="es-ES" sz="4000" dirty="0">
+              <a:solidFill>
+                <a:schemeClr val="tx1">
+                  <a:lumMod val="85000"/>
+                  <a:lumOff val="15000"/>
+                </a:schemeClr>
+              </a:solidFill>
+            </a:endParaRPr>
+          </a:p>
+        </p:txBody>
+      </p:sp>
+      <p:graphicFrame>
+        <p:nvGraphicFramePr>
+          <p:cNvPr id="11" name="Marcador de contenido 10">
+            <a:extLst>
+              <a:ext uri="{FF2B5EF4-FFF2-40B4-BE49-F238E27FC236}">
+                <a16:creationId xmlns:a16="http://schemas.microsoft.com/office/drawing/2014/main" id="{DFAEA699-2783-391C-CDDC-217CE30D14B3}"/>
+              </a:ext>
+            </a:extLst>
+          </p:cNvPr>
+          <p:cNvGraphicFramePr>
+            <a:graphicFrameLocks noGrp="1"/>
+          </p:cNvGraphicFramePr>
+          <p:nvPr>
+            <p:ph idx="1"/>
+            <p:extLst>
+              <p:ext uri="{D42A27DB-BD31-4B8C-83A1-F6EECF244321}">
+                <p14:modId xmlns:p14="http://schemas.microsoft.com/office/powerpoint/2010/main" val="1809202429"/>
+              </p:ext>
+            </p:extLst>
+          </p:nvPr>
+        </p:nvGraphicFramePr>
+        <p:xfrm>
+          <a:off x="4423931" y="1860550"/>
+          <a:ext cx="7310865" cy="2374900"/>
+        </p:xfrm>
+        <a:graphic>
+          <a:graphicData uri="http://schemas.openxmlformats.org/drawingml/2006/table">
+            <a:tbl>
+              <a:tblPr/>
+              <a:tblGrid>
+                <a:gridCol w="1462173">
+                  <a:extLst>
+                    <a:ext uri="{9D8B030D-6E8A-4147-A177-3AD203B41FA5}">
+                      <a16:colId xmlns:a16="http://schemas.microsoft.com/office/drawing/2014/main" val="530673569"/>
+                    </a:ext>
+                  </a:extLst>
+                </a:gridCol>
+                <a:gridCol w="1462173">
+                  <a:extLst>
+                    <a:ext uri="{9D8B030D-6E8A-4147-A177-3AD203B41FA5}">
+                      <a16:colId xmlns:a16="http://schemas.microsoft.com/office/drawing/2014/main" val="2228933352"/>
+                    </a:ext>
+                  </a:extLst>
+                </a:gridCol>
+                <a:gridCol w="1462173">
+                  <a:extLst>
+                    <a:ext uri="{9D8B030D-6E8A-4147-A177-3AD203B41FA5}">
+                      <a16:colId xmlns:a16="http://schemas.microsoft.com/office/drawing/2014/main" val="3977144133"/>
+                    </a:ext>
+                  </a:extLst>
+                </a:gridCol>
+                <a:gridCol w="1462173">
+                  <a:extLst>
+                    <a:ext uri="{9D8B030D-6E8A-4147-A177-3AD203B41FA5}">
+                      <a16:colId xmlns:a16="http://schemas.microsoft.com/office/drawing/2014/main" val="4043040260"/>
+                    </a:ext>
+                  </a:extLst>
+                </a:gridCol>
+                <a:gridCol w="1462173">
+                  <a:extLst>
+                    <a:ext uri="{9D8B030D-6E8A-4147-A177-3AD203B41FA5}">
+                      <a16:colId xmlns:a16="http://schemas.microsoft.com/office/drawing/2014/main" val="3222214598"/>
+                    </a:ext>
+                  </a:extLst>
+                </a:gridCol>
+              </a:tblGrid>
+              <a:tr h="1187450">
+                <a:tc>
+                  <a:txBody>
+                    <a:bodyPr/>
+                    <a:lstStyle/>
+                    <a:p>
+                      <a:pPr algn="ctr" fontAlgn="ctr"/>
+                      <a:r>
+                        <a:rPr lang="es-ES" sz="2000" b="1" i="0" u="none" strike="noStrike" dirty="0">
+                          <a:solidFill>
+                            <a:srgbClr val="FFFFFF"/>
+                          </a:solidFill>
+                          <a:effectLst/>
+                          <a:highlight>
+                            <a:srgbClr val="104861"/>
+                          </a:highlight>
+                          <a:latin typeface="Arial" panose="020B0604020202020204" pitchFamily="34" charset="0"/>
+                        </a:rPr>
+                        <a:t>Entorno de prueba</a:t>
+                      </a:r>
+                    </a:p>
+                  </a:txBody>
+                  <a:tcPr marL="6350" marR="6350" marT="6350" marB="0" anchor="ctr">
+                    <a:lnL w="6350" cap="flat" cmpd="sng" algn="ctr">
+                      <a:solidFill>
+                        <a:srgbClr val="000000"/>
+                      </a:solidFill>
+                      <a:prstDash val="solid"/>
+                      <a:round/>
+                      <a:headEnd type="none" w="med" len="med"/>
+                      <a:tailEnd type="none" w="med" len="med"/>
+                    </a:lnL>
+                    <a:lnR w="6350" cap="flat" cmpd="sng" algn="ctr">
+                      <a:solidFill>
+                        <a:srgbClr val="000000"/>
+                      </a:solidFill>
+                      <a:prstDash val="solid"/>
+                      <a:round/>
+                      <a:headEnd type="none" w="med" len="med"/>
+                      <a:tailEnd type="none" w="med" len="med"/>
+                    </a:lnR>
+                    <a:lnT w="12700" cap="flat" cmpd="sng" algn="ctr">
+                      <a:solidFill>
+                        <a:srgbClr val="000000"/>
+                      </a:solidFill>
+                      <a:prstDash val="solid"/>
+                      <a:round/>
+                      <a:headEnd type="none" w="med" len="med"/>
+                      <a:tailEnd type="none" w="med" len="med"/>
+                    </a:lnT>
+                    <a:lnB w="12700" cap="flat" cmpd="sng" algn="ctr">
+                      <a:solidFill>
+                        <a:srgbClr val="000000"/>
+                      </a:solidFill>
+                      <a:prstDash val="solid"/>
+                      <a:round/>
+                      <a:headEnd type="none" w="med" len="med"/>
+                      <a:tailEnd type="none" w="med" len="med"/>
+                    </a:lnB>
+                    <a:solidFill>
+                      <a:srgbClr val="104861"/>
+                    </a:solidFill>
+                  </a:tcPr>
+                </a:tc>
+                <a:tc>
+                  <a:txBody>
+                    <a:bodyPr/>
+                    <a:lstStyle/>
+                    <a:p>
+                      <a:pPr algn="ctr" fontAlgn="ctr"/>
+                      <a:r>
+                        <a:rPr lang="es-ES" sz="2000" b="1" i="0" u="none" strike="noStrike">
+                          <a:solidFill>
+                            <a:srgbClr val="FFFFFF"/>
+                          </a:solidFill>
+                          <a:effectLst/>
+                          <a:highlight>
+                            <a:srgbClr val="104861"/>
+                          </a:highlight>
+                          <a:latin typeface="Arial" panose="020B0604020202020204" pitchFamily="34" charset="0"/>
+                        </a:rPr>
+                        <a:t>Starter</a:t>
+                      </a:r>
+                    </a:p>
+                  </a:txBody>
+                  <a:tcPr marL="6350" marR="6350" marT="6350" marB="0" anchor="ctr">
+                    <a:lnL w="6350" cap="flat" cmpd="sng" algn="ctr">
+                      <a:solidFill>
+                        <a:srgbClr val="000000"/>
+                      </a:solidFill>
+                      <a:prstDash val="solid"/>
+                      <a:round/>
+                      <a:headEnd type="none" w="med" len="med"/>
+                      <a:tailEnd type="none" w="med" len="med"/>
+                    </a:lnL>
+                    <a:lnR w="6350" cap="flat" cmpd="sng" algn="ctr">
+                      <a:solidFill>
+                        <a:srgbClr val="000000"/>
+                      </a:solidFill>
+                      <a:prstDash val="solid"/>
+                      <a:round/>
+                      <a:headEnd type="none" w="med" len="med"/>
+                      <a:tailEnd type="none" w="med" len="med"/>
+                    </a:lnR>
+                    <a:lnT w="12700" cap="flat" cmpd="sng" algn="ctr">
+                      <a:solidFill>
+                        <a:srgbClr val="000000"/>
+                      </a:solidFill>
+                      <a:prstDash val="solid"/>
+                      <a:round/>
+                      <a:headEnd type="none" w="med" len="med"/>
+                      <a:tailEnd type="none" w="med" len="med"/>
+                    </a:lnT>
+                    <a:lnB w="12700" cap="flat" cmpd="sng" algn="ctr">
+                      <a:solidFill>
+                        <a:srgbClr val="000000"/>
+                      </a:solidFill>
+                      <a:prstDash val="solid"/>
+                      <a:round/>
+                      <a:headEnd type="none" w="med" len="med"/>
+                      <a:tailEnd type="none" w="med" len="med"/>
+                    </a:lnB>
+                    <a:solidFill>
+                      <a:srgbClr val="104861"/>
+                    </a:solidFill>
+                  </a:tcPr>
+                </a:tc>
+                <a:tc>
+                  <a:txBody>
+                    <a:bodyPr/>
+                    <a:lstStyle/>
+                    <a:p>
+                      <a:pPr algn="ctr" fontAlgn="ctr"/>
+                      <a:r>
+                        <a:rPr lang="es-ES" sz="2000" b="1" i="0" u="none" strike="noStrike">
+                          <a:solidFill>
+                            <a:srgbClr val="FFFFFF"/>
+                          </a:solidFill>
+                          <a:effectLst/>
+                          <a:highlight>
+                            <a:srgbClr val="104861"/>
+                          </a:highlight>
+                          <a:latin typeface="Arial" panose="020B0604020202020204" pitchFamily="34" charset="0"/>
+                        </a:rPr>
+                        <a:t>Core</a:t>
+                      </a:r>
+                    </a:p>
+                  </a:txBody>
+                  <a:tcPr marL="6350" marR="6350" marT="6350" marB="0" anchor="ctr">
+                    <a:lnL w="6350" cap="flat" cmpd="sng" algn="ctr">
+                      <a:solidFill>
+                        <a:srgbClr val="000000"/>
+                      </a:solidFill>
+                      <a:prstDash val="solid"/>
+                      <a:round/>
+                      <a:headEnd type="none" w="med" len="med"/>
+                      <a:tailEnd type="none" w="med" len="med"/>
+                    </a:lnL>
+                    <a:lnR w="6350" cap="flat" cmpd="sng" algn="ctr">
+                      <a:solidFill>
+                        <a:srgbClr val="000000"/>
+                      </a:solidFill>
+                      <a:prstDash val="solid"/>
+                      <a:round/>
+                      <a:headEnd type="none" w="med" len="med"/>
+                      <a:tailEnd type="none" w="med" len="med"/>
+                    </a:lnR>
+                    <a:lnT w="12700" cap="flat" cmpd="sng" algn="ctr">
+                      <a:solidFill>
+                        <a:srgbClr val="000000"/>
+                      </a:solidFill>
+                      <a:prstDash val="solid"/>
+                      <a:round/>
+                      <a:headEnd type="none" w="med" len="med"/>
+                      <a:tailEnd type="none" w="med" len="med"/>
+                    </a:lnT>
+                    <a:lnB w="12700" cap="flat" cmpd="sng" algn="ctr">
+                      <a:solidFill>
+                        <a:srgbClr val="000000"/>
+                      </a:solidFill>
+                      <a:prstDash val="solid"/>
+                      <a:round/>
+                      <a:headEnd type="none" w="med" len="med"/>
+                      <a:tailEnd type="none" w="med" len="med"/>
+                    </a:lnB>
+                    <a:solidFill>
+                      <a:srgbClr val="104861"/>
+                    </a:solidFill>
+                  </a:tcPr>
+                </a:tc>
+                <a:tc>
+                  <a:txBody>
+                    <a:bodyPr/>
+                    <a:lstStyle/>
+                    <a:p>
+                      <a:pPr algn="ctr" fontAlgn="ctr"/>
+                      <a:r>
+                        <a:rPr lang="es-ES" sz="2000" b="1" i="0" u="none" strike="noStrike">
+                          <a:solidFill>
+                            <a:srgbClr val="FFFFFF"/>
+                          </a:solidFill>
+                          <a:effectLst/>
+                          <a:highlight>
+                            <a:srgbClr val="104861"/>
+                          </a:highlight>
+                          <a:latin typeface="Arial" panose="020B0604020202020204" pitchFamily="34" charset="0"/>
+                        </a:rPr>
+                        <a:t>Enterprise Standard</a:t>
+                      </a:r>
+                    </a:p>
+                  </a:txBody>
+                  <a:tcPr marL="6350" marR="6350" marT="6350" marB="0" anchor="ctr">
+                    <a:lnL w="6350" cap="flat" cmpd="sng" algn="ctr">
+                      <a:solidFill>
+                        <a:srgbClr val="000000"/>
+                      </a:solidFill>
+                      <a:prstDash val="solid"/>
+                      <a:round/>
+                      <a:headEnd type="none" w="med" len="med"/>
+                      <a:tailEnd type="none" w="med" len="med"/>
+                    </a:lnL>
+                    <a:lnR w="6350" cap="flat" cmpd="sng" algn="ctr">
+                      <a:solidFill>
+                        <a:srgbClr val="000000"/>
+                      </a:solidFill>
+                      <a:prstDash val="solid"/>
+                      <a:round/>
+                      <a:headEnd type="none" w="med" len="med"/>
+                      <a:tailEnd type="none" w="med" len="med"/>
+                    </a:lnR>
+                    <a:lnT w="12700" cap="flat" cmpd="sng" algn="ctr">
+                      <a:solidFill>
+                        <a:srgbClr val="000000"/>
+                      </a:solidFill>
+                      <a:prstDash val="solid"/>
+                      <a:round/>
+                      <a:headEnd type="none" w="med" len="med"/>
+                      <a:tailEnd type="none" w="med" len="med"/>
+                    </a:lnT>
+                    <a:lnB w="12700" cap="flat" cmpd="sng" algn="ctr">
+                      <a:solidFill>
+                        <a:srgbClr val="000000"/>
+                      </a:solidFill>
+                      <a:prstDash val="solid"/>
+                      <a:round/>
+                      <a:headEnd type="none" w="med" len="med"/>
+                      <a:tailEnd type="none" w="med" len="med"/>
+                    </a:lnB>
+                    <a:solidFill>
+                      <a:srgbClr val="104861"/>
+                    </a:solidFill>
+                  </a:tcPr>
+                </a:tc>
+                <a:tc>
+                  <a:txBody>
+                    <a:bodyPr/>
+                    <a:lstStyle/>
+                    <a:p>
+                      <a:pPr algn="ctr" fontAlgn="ctr"/>
+                      <a:r>
+                        <a:rPr lang="es-ES" sz="2000" b="1" i="0" u="none" strike="noStrike">
+                          <a:solidFill>
+                            <a:srgbClr val="FFFFFF"/>
+                          </a:solidFill>
+                          <a:effectLst/>
+                          <a:highlight>
+                            <a:srgbClr val="104861"/>
+                          </a:highlight>
+                          <a:latin typeface="Arial" panose="020B0604020202020204" pitchFamily="34" charset="0"/>
+                        </a:rPr>
+                        <a:t>Enterprise Plus</a:t>
+                      </a:r>
+                    </a:p>
+                  </a:txBody>
+                  <a:tcPr marL="6350" marR="6350" marT="6350" marB="0" anchor="ctr">
+                    <a:lnL w="6350" cap="flat" cmpd="sng" algn="ctr">
+                      <a:solidFill>
+                        <a:srgbClr val="000000"/>
+                      </a:solidFill>
+                      <a:prstDash val="solid"/>
+                      <a:round/>
+                      <a:headEnd type="none" w="med" len="med"/>
+                      <a:tailEnd type="none" w="med" len="med"/>
+                    </a:lnL>
+                    <a:lnR w="12700" cap="flat" cmpd="sng" algn="ctr">
+                      <a:solidFill>
+                        <a:srgbClr val="000000"/>
+                      </a:solidFill>
+                      <a:prstDash val="solid"/>
+                      <a:round/>
+                      <a:headEnd type="none" w="med" len="med"/>
+                      <a:tailEnd type="none" w="med" len="med"/>
+                    </a:lnR>
+                    <a:lnT w="12700" cap="flat" cmpd="sng" algn="ctr">
+                      <a:solidFill>
+                        <a:srgbClr val="000000"/>
+                      </a:solidFill>
+                      <a:prstDash val="solid"/>
+                      <a:round/>
+                      <a:headEnd type="none" w="med" len="med"/>
+                      <a:tailEnd type="none" w="med" len="med"/>
+                    </a:lnT>
+                    <a:lnB w="12700" cap="flat" cmpd="sng" algn="ctr">
+                      <a:solidFill>
+                        <a:srgbClr val="000000"/>
+                      </a:solidFill>
+                      <a:prstDash val="solid"/>
+                      <a:round/>
+                      <a:headEnd type="none" w="med" len="med"/>
+                      <a:tailEnd type="none" w="med" len="med"/>
+                    </a:lnB>
+                    <a:solidFill>
+                      <a:srgbClr val="104861"/>
+                    </a:solidFill>
+                  </a:tcPr>
+                </a:tc>
+                <a:extLst>
+                  <a:ext uri="{0D108BD9-81ED-4DB2-BD59-A6C34878D82A}">
+                    <a16:rowId xmlns:a16="http://schemas.microsoft.com/office/drawing/2014/main" val="1695889388"/>
+                  </a:ext>
+                </a:extLst>
+              </a:tr>
+              <a:tr h="1187450">
+                <a:tc>
+                  <a:txBody>
+                    <a:bodyPr/>
+                    <a:lstStyle/>
+                    <a:p>
+                      <a:pPr algn="ctr" fontAlgn="ctr"/>
+                      <a:r>
+                        <a:rPr lang="es-ES" sz="2000" b="0" i="0" u="none" strike="noStrike" dirty="0">
+                          <a:solidFill>
+                            <a:srgbClr val="000000"/>
+                          </a:solidFill>
+                          <a:effectLst/>
+                          <a:highlight>
+                            <a:srgbClr val="C0E6F5"/>
+                          </a:highlight>
+                          <a:latin typeface="Arial" panose="020B0604020202020204" pitchFamily="34" charset="0"/>
+                        </a:rPr>
+                        <a:t>Gratis</a:t>
+                      </a:r>
+                    </a:p>
+                  </a:txBody>
+                  <a:tcPr marL="6350" marR="6350" marT="6350" marB="0" anchor="ctr">
+                    <a:lnL w="6350" cap="flat" cmpd="sng" algn="ctr">
+                      <a:solidFill>
+                        <a:srgbClr val="000000"/>
+                      </a:solidFill>
+                      <a:prstDash val="solid"/>
+                      <a:round/>
+                      <a:headEnd type="none" w="med" len="med"/>
+                      <a:tailEnd type="none" w="med" len="med"/>
+                    </a:lnL>
+                    <a:lnR w="6350" cap="flat" cmpd="sng" algn="ctr">
+                      <a:solidFill>
+                        <a:srgbClr val="000000"/>
+                      </a:solidFill>
+                      <a:prstDash val="solid"/>
+                      <a:round/>
+                      <a:headEnd type="none" w="med" len="med"/>
+                      <a:tailEnd type="none" w="med" len="med"/>
+                    </a:lnR>
+                    <a:lnT w="12700" cap="flat" cmpd="sng" algn="ctr">
+                      <a:solidFill>
+                        <a:srgbClr val="000000"/>
+                      </a:solidFill>
+                      <a:prstDash val="solid"/>
+                      <a:round/>
+                      <a:headEnd type="none" w="med" len="med"/>
+                      <a:tailEnd type="none" w="med" len="med"/>
+                    </a:lnT>
+                    <a:lnB w="6350" cap="flat" cmpd="sng" algn="ctr">
+                      <a:solidFill>
+                        <a:srgbClr val="000000"/>
+                      </a:solidFill>
+                      <a:prstDash val="solid"/>
+                      <a:round/>
+                      <a:headEnd type="none" w="med" len="med"/>
+                      <a:tailEnd type="none" w="med" len="med"/>
+                    </a:lnB>
+                    <a:solidFill>
+                      <a:srgbClr val="C0E6F5"/>
+                    </a:solidFill>
+                  </a:tcPr>
+                </a:tc>
+                <a:tc>
+                  <a:txBody>
+                    <a:bodyPr/>
+                    <a:lstStyle/>
+                    <a:p>
+                      <a:pPr algn="ctr" fontAlgn="ctr"/>
+                      <a:r>
+                        <a:rPr lang="es-ES" sz="2000" b="0" i="0" u="none" strike="noStrike">
+                          <a:solidFill>
+                            <a:srgbClr val="000000"/>
+                          </a:solidFill>
+                          <a:effectLst/>
+                          <a:highlight>
+                            <a:srgbClr val="C0E6F5"/>
+                          </a:highlight>
+                          <a:latin typeface="Arial" panose="020B0604020202020204" pitchFamily="34" charset="0"/>
+                        </a:rPr>
+                        <a:t>USD$5 / usuario / mes</a:t>
+                      </a:r>
+                    </a:p>
+                  </a:txBody>
+                  <a:tcPr marL="6350" marR="6350" marT="6350" marB="0" anchor="ctr">
+                    <a:lnL w="6350" cap="flat" cmpd="sng" algn="ctr">
+                      <a:solidFill>
+                        <a:srgbClr val="000000"/>
+                      </a:solidFill>
+                      <a:prstDash val="solid"/>
+                      <a:round/>
+                      <a:headEnd type="none" w="med" len="med"/>
+                      <a:tailEnd type="none" w="med" len="med"/>
+                    </a:lnL>
+                    <a:lnR w="6350" cap="flat" cmpd="sng" algn="ctr">
+                      <a:solidFill>
+                        <a:srgbClr val="000000"/>
+                      </a:solidFill>
+                      <a:prstDash val="solid"/>
+                      <a:round/>
+                      <a:headEnd type="none" w="med" len="med"/>
+                      <a:tailEnd type="none" w="med" len="med"/>
+                    </a:lnR>
+                    <a:lnT w="12700" cap="flat" cmpd="sng" algn="ctr">
+                      <a:solidFill>
+                        <a:srgbClr val="000000"/>
+                      </a:solidFill>
+                      <a:prstDash val="solid"/>
+                      <a:round/>
+                      <a:headEnd type="none" w="med" len="med"/>
+                      <a:tailEnd type="none" w="med" len="med"/>
+                    </a:lnT>
+                    <a:lnB w="6350" cap="flat" cmpd="sng" algn="ctr">
+                      <a:solidFill>
+                        <a:srgbClr val="000000"/>
+                      </a:solidFill>
+                      <a:prstDash val="solid"/>
+                      <a:round/>
+                      <a:headEnd type="none" w="med" len="med"/>
+                      <a:tailEnd type="none" w="med" len="med"/>
+                    </a:lnB>
+                    <a:solidFill>
+                      <a:srgbClr val="C0E6F5"/>
+                    </a:solidFill>
+                  </a:tcPr>
+                </a:tc>
+                <a:tc>
+                  <a:txBody>
+                    <a:bodyPr/>
+                    <a:lstStyle/>
+                    <a:p>
+                      <a:pPr algn="ctr" fontAlgn="ctr"/>
+                      <a:r>
+                        <a:rPr lang="es-ES" sz="2000" b="0" i="0" u="none" strike="noStrike">
+                          <a:solidFill>
+                            <a:srgbClr val="000000"/>
+                          </a:solidFill>
+                          <a:effectLst/>
+                          <a:highlight>
+                            <a:srgbClr val="C0E6F5"/>
+                          </a:highlight>
+                          <a:latin typeface="Arial" panose="020B0604020202020204" pitchFamily="34" charset="0"/>
+                        </a:rPr>
+                        <a:t>USD$10 / usuario / mes</a:t>
+                      </a:r>
+                    </a:p>
+                  </a:txBody>
+                  <a:tcPr marL="6350" marR="6350" marT="6350" marB="0" anchor="ctr">
+                    <a:lnL w="6350" cap="flat" cmpd="sng" algn="ctr">
+                      <a:solidFill>
+                        <a:srgbClr val="000000"/>
+                      </a:solidFill>
+                      <a:prstDash val="solid"/>
+                      <a:round/>
+                      <a:headEnd type="none" w="med" len="med"/>
+                      <a:tailEnd type="none" w="med" len="med"/>
+                    </a:lnL>
+                    <a:lnR w="6350" cap="flat" cmpd="sng" algn="ctr">
+                      <a:solidFill>
+                        <a:srgbClr val="000000"/>
+                      </a:solidFill>
+                      <a:prstDash val="solid"/>
+                      <a:round/>
+                      <a:headEnd type="none" w="med" len="med"/>
+                      <a:tailEnd type="none" w="med" len="med"/>
+                    </a:lnR>
+                    <a:lnT w="12700" cap="flat" cmpd="sng" algn="ctr">
+                      <a:solidFill>
+                        <a:srgbClr val="000000"/>
+                      </a:solidFill>
+                      <a:prstDash val="solid"/>
+                      <a:round/>
+                      <a:headEnd type="none" w="med" len="med"/>
+                      <a:tailEnd type="none" w="med" len="med"/>
+                    </a:lnT>
+                    <a:lnB w="6350" cap="flat" cmpd="sng" algn="ctr">
+                      <a:solidFill>
+                        <a:srgbClr val="000000"/>
+                      </a:solidFill>
+                      <a:prstDash val="solid"/>
+                      <a:round/>
+                      <a:headEnd type="none" w="med" len="med"/>
+                      <a:tailEnd type="none" w="med" len="med"/>
+                    </a:lnB>
+                    <a:solidFill>
+                      <a:srgbClr val="C0E6F5"/>
+                    </a:solidFill>
+                  </a:tcPr>
+                </a:tc>
+                <a:tc>
+                  <a:txBody>
+                    <a:bodyPr/>
+                    <a:lstStyle/>
+                    <a:p>
+                      <a:pPr algn="ctr" fontAlgn="ctr"/>
+                      <a:r>
+                        <a:rPr lang="es-ES" sz="2000" b="0" i="0" u="none" strike="noStrike">
+                          <a:solidFill>
+                            <a:srgbClr val="000000"/>
+                          </a:solidFill>
+                          <a:effectLst/>
+                          <a:highlight>
+                            <a:srgbClr val="C0E6F5"/>
+                          </a:highlight>
+                          <a:latin typeface="Arial" panose="020B0604020202020204" pitchFamily="34" charset="0"/>
+                        </a:rPr>
+                        <a:t>Solicite un presupuesto</a:t>
+                      </a:r>
+                    </a:p>
+                  </a:txBody>
+                  <a:tcPr marL="6350" marR="6350" marT="6350" marB="0" anchor="ctr">
+                    <a:lnL w="6350" cap="flat" cmpd="sng" algn="ctr">
+                      <a:solidFill>
+                        <a:srgbClr val="000000"/>
+                      </a:solidFill>
+                      <a:prstDash val="solid"/>
+                      <a:round/>
+                      <a:headEnd type="none" w="med" len="med"/>
+                      <a:tailEnd type="none" w="med" len="med"/>
+                    </a:lnL>
+                    <a:lnR w="6350" cap="flat" cmpd="sng" algn="ctr">
+                      <a:solidFill>
+                        <a:srgbClr val="000000"/>
+                      </a:solidFill>
+                      <a:prstDash val="solid"/>
+                      <a:round/>
+                      <a:headEnd type="none" w="med" len="med"/>
+                      <a:tailEnd type="none" w="med" len="med"/>
+                    </a:lnR>
+                    <a:lnT w="12700" cap="flat" cmpd="sng" algn="ctr">
+                      <a:solidFill>
+                        <a:srgbClr val="000000"/>
+                      </a:solidFill>
+                      <a:prstDash val="solid"/>
+                      <a:round/>
+                      <a:headEnd type="none" w="med" len="med"/>
+                      <a:tailEnd type="none" w="med" len="med"/>
+                    </a:lnT>
+                    <a:lnB w="6350" cap="flat" cmpd="sng" algn="ctr">
+                      <a:solidFill>
+                        <a:srgbClr val="000000"/>
+                      </a:solidFill>
+                      <a:prstDash val="solid"/>
+                      <a:round/>
+                      <a:headEnd type="none" w="med" len="med"/>
+                      <a:tailEnd type="none" w="med" len="med"/>
+                    </a:lnB>
+                    <a:solidFill>
+                      <a:srgbClr val="C0E6F5"/>
+                    </a:solidFill>
+                  </a:tcPr>
+                </a:tc>
+                <a:tc>
+                  <a:txBody>
+                    <a:bodyPr/>
+                    <a:lstStyle/>
+                    <a:p>
+                      <a:pPr algn="ctr" fontAlgn="ctr"/>
+                      <a:r>
+                        <a:rPr lang="es-ES" sz="2000" b="0" i="0" u="none" strike="noStrike" dirty="0">
+                          <a:solidFill>
+                            <a:srgbClr val="000000"/>
+                          </a:solidFill>
+                          <a:effectLst/>
+                          <a:highlight>
+                            <a:srgbClr val="C0E6F5"/>
+                          </a:highlight>
+                          <a:latin typeface="Arial" panose="020B0604020202020204" pitchFamily="34" charset="0"/>
+                        </a:rPr>
+                        <a:t>Solicite un presupuesto</a:t>
+                      </a:r>
+                    </a:p>
+                  </a:txBody>
+                  <a:tcPr marL="6350" marR="6350" marT="6350" marB="0" anchor="ctr">
+                    <a:lnL w="6350" cap="flat" cmpd="sng" algn="ctr">
+                      <a:solidFill>
+                        <a:srgbClr val="000000"/>
+                      </a:solidFill>
+                      <a:prstDash val="solid"/>
+                      <a:round/>
+                      <a:headEnd type="none" w="med" len="med"/>
+                      <a:tailEnd type="none" w="med" len="med"/>
+                    </a:lnL>
+                    <a:lnR w="12700" cap="flat" cmpd="sng" algn="ctr">
+                      <a:solidFill>
+                        <a:srgbClr val="000000"/>
+                      </a:solidFill>
+                      <a:prstDash val="solid"/>
+                      <a:round/>
+                      <a:headEnd type="none" w="med" len="med"/>
+                      <a:tailEnd type="none" w="med" len="med"/>
+                    </a:lnR>
+                    <a:lnT w="12700" cap="flat" cmpd="sng" algn="ctr">
+                      <a:solidFill>
+                        <a:srgbClr val="000000"/>
+                      </a:solidFill>
+                      <a:prstDash val="solid"/>
+                      <a:round/>
+                      <a:headEnd type="none" w="med" len="med"/>
+                      <a:tailEnd type="none" w="med" len="med"/>
+                    </a:lnT>
+                    <a:lnB w="6350" cap="flat" cmpd="sng" algn="ctr">
+                      <a:solidFill>
+                        <a:srgbClr val="000000"/>
+                      </a:solidFill>
+                      <a:prstDash val="solid"/>
+                      <a:round/>
+                      <a:headEnd type="none" w="med" len="med"/>
+                      <a:tailEnd type="none" w="med" len="med"/>
+                    </a:lnB>
+                    <a:solidFill>
+                      <a:srgbClr val="C0E6F5"/>
+                    </a:solidFill>
+                  </a:tcPr>
+                </a:tc>
+                <a:extLst>
+                  <a:ext uri="{0D108BD9-81ED-4DB2-BD59-A6C34878D82A}">
+                    <a16:rowId xmlns:a16="http://schemas.microsoft.com/office/drawing/2014/main" val="111121211"/>
+                  </a:ext>
+                </a:extLst>
+              </a:tr>
+            </a:tbl>
+          </a:graphicData>
+        </a:graphic>
+      </p:graphicFrame>
+      <p:sp>
+        <p:nvSpPr>
+          <p:cNvPr id="15" name="CuadroTexto 14">
+            <a:extLst>
+              <a:ext uri="{FF2B5EF4-FFF2-40B4-BE49-F238E27FC236}">
+                <a16:creationId xmlns:a16="http://schemas.microsoft.com/office/drawing/2014/main" id="{DA4A9E36-9DD2-FC96-833D-85A213559B39}"/>
+              </a:ext>
+            </a:extLst>
+          </p:cNvPr>
+          <p:cNvSpPr txBox="1"/>
+          <p:nvPr/>
+        </p:nvSpPr>
+        <p:spPr>
+          <a:xfrm>
+            <a:off x="5825009" y="4953000"/>
+            <a:ext cx="5816600" cy="369332"/>
+          </a:xfrm>
+          <a:prstGeom prst="rect">
+            <a:avLst/>
+          </a:prstGeom>
+          <a:noFill/>
+        </p:spPr>
+        <p:txBody>
+          <a:bodyPr wrap="square" rtlCol="0">
+            <a:spAutoFit/>
+          </a:bodyPr>
+          <a:lstStyle/>
+          <a:p>
+            <a:r>
+              <a:rPr lang="es-ES" dirty="0">
+                <a:hlinkClick r:id="rId3">
+                  <a:extLst>
+                    <a:ext uri="{A12FA001-AC4F-418D-AE19-62706E023703}">
+                      <ahyp:hlinkClr xmlns:ahyp="http://schemas.microsoft.com/office/drawing/2018/hyperlinkcolor" val="tx"/>
+                    </a:ext>
+                  </a:extLst>
+                </a:hlinkClick>
+              </a:rPr>
+              <a:t>Tabla de características y tarifas de </a:t>
+            </a:r>
+            <a:r>
+              <a:rPr lang="es-ES" dirty="0" err="1">
+                <a:hlinkClick r:id="rId3">
+                  <a:extLst>
+                    <a:ext uri="{A12FA001-AC4F-418D-AE19-62706E023703}">
+                      <ahyp:hlinkClr xmlns:ahyp="http://schemas.microsoft.com/office/drawing/2018/hyperlinkcolor" val="tx"/>
+                    </a:ext>
+                  </a:extLst>
+                </a:hlinkClick>
+              </a:rPr>
+              <a:t>AppSheet</a:t>
+            </a:r>
+            <a:endParaRPr lang="es-ES" dirty="0"/>
+          </a:p>
+        </p:txBody>
+      </p:sp>
+    </p:spTree>
+    <p:extLst>
+      <p:ext uri="{BB962C8B-B14F-4D97-AF65-F5344CB8AC3E}">
+        <p14:creationId xmlns:p14="http://schemas.microsoft.com/office/powerpoint/2010/main" val="3511463428"/>
+      </p:ext>
+    </p:extLst>
+  </p:cSld>
+  <p:clrMapOvr>
+    <a:overrideClrMapping bg1="dk1" tx1="lt1" bg2="dk2" tx2="lt2" accent1="accent1" accent2="accent2" accent3="accent3" accent4="accent4" accent5="accent5" accent6="accent6" hlink="hlink" folHlink="folHlink"/>
+  </p:clrMapOvr>
+  <p:transition spd="slow">
+    <p:dissolve/>
+  </p:transition>
 </p:sld>
 </file>
 
